--- a/picture/ppt/driver/model/device_mode.pptx
+++ b/picture/ppt/driver/model/device_mode.pptx
@@ -5,13 +5,15 @@
     <p:sldMasterId id="2147483648" r:id="rId1"/>
   </p:sldMasterIdLst>
   <p:notesMasterIdLst>
-    <p:notesMasterId r:id="rId4"/>
+    <p:notesMasterId r:id="rId6"/>
   </p:notesMasterIdLst>
   <p:handoutMasterIdLst>
-    <p:handoutMasterId r:id="rId5"/>
+    <p:handoutMasterId r:id="rId7"/>
   </p:handoutMasterIdLst>
   <p:sldIdLst>
     <p:sldId id="256" r:id="rId3"/>
+    <p:sldId id="259" r:id="rId4"/>
+    <p:sldId id="260" r:id="rId5"/>
   </p:sldIdLst>
   <p:sldSz cx="6858000" cy="9903460" type="A4"/>
   <p:notesSz cx="7103745" cy="10234295"/>
@@ -139,7 +141,7 @@
         <p:nvSpPr>
           <p:cNvPr id="2" name="页眉占位符 1"/>
           <p:cNvSpPr>
-            <a:spLocks noGrp="1"/>
+            <a:spLocks noGrp="true"/>
           </p:cNvSpPr>
           <p:nvPr>
             <p:ph type="hdr" sz="quarter"/>
@@ -170,7 +172,7 @@
         <p:nvSpPr>
           <p:cNvPr id="3" name="日期占位符 2"/>
           <p:cNvSpPr>
-            <a:spLocks noGrp="1"/>
+            <a:spLocks noGrp="true"/>
           </p:cNvSpPr>
           <p:nvPr>
             <p:ph type="dt" sz="quarter" idx="1"/>
@@ -204,7 +206,7 @@
         <p:nvSpPr>
           <p:cNvPr id="4" name="页脚占位符 3"/>
           <p:cNvSpPr>
-            <a:spLocks noGrp="1"/>
+            <a:spLocks noGrp="true"/>
           </p:cNvSpPr>
           <p:nvPr>
             <p:ph type="ftr" sz="quarter" idx="2"/>
@@ -235,7 +237,7 @@
         <p:nvSpPr>
           <p:cNvPr id="5" name="灯片编号占位符 4"/>
           <p:cNvSpPr>
-            <a:spLocks noGrp="1"/>
+            <a:spLocks noGrp="true"/>
           </p:cNvSpPr>
           <p:nvPr>
             <p:ph type="sldNum" sz="quarter" idx="3"/>
@@ -297,7 +299,7 @@
         <p:nvSpPr>
           <p:cNvPr id="2" name="页眉占位符 1"/>
           <p:cNvSpPr>
-            <a:spLocks noGrp="1"/>
+            <a:spLocks noGrp="true"/>
           </p:cNvSpPr>
           <p:nvPr>
             <p:ph type="hdr" sz="quarter"/>
@@ -328,7 +330,7 @@
         <p:nvSpPr>
           <p:cNvPr id="3" name="日期占位符 2"/>
           <p:cNvSpPr>
-            <a:spLocks noGrp="1"/>
+            <a:spLocks noGrp="true"/>
           </p:cNvSpPr>
           <p:nvPr>
             <p:ph type="dt" idx="1"/>
@@ -362,7 +364,7 @@
         <p:nvSpPr>
           <p:cNvPr id="4" name="幻灯片图像占位符 3"/>
           <p:cNvSpPr>
-            <a:spLocks noGrp="1" noRot="1" noChangeAspect="1"/>
+            <a:spLocks noGrp="true" noRot="true" noChangeAspect="true"/>
           </p:cNvSpPr>
           <p:nvPr>
             <p:ph type="sldImg" idx="2"/>
@@ -395,7 +397,7 @@
         <p:nvSpPr>
           <p:cNvPr id="5" name="备注占位符 4"/>
           <p:cNvSpPr>
-            <a:spLocks noGrp="1"/>
+            <a:spLocks noGrp="true"/>
           </p:cNvSpPr>
           <p:nvPr>
             <p:ph type="body" sz="quarter" idx="3"/>
@@ -459,7 +461,7 @@
         <p:nvSpPr>
           <p:cNvPr id="6" name="页脚占位符 5"/>
           <p:cNvSpPr>
-            <a:spLocks noGrp="1"/>
+            <a:spLocks noGrp="true"/>
           </p:cNvSpPr>
           <p:nvPr>
             <p:ph type="ftr" sz="quarter" idx="4"/>
@@ -490,7 +492,7 @@
         <p:nvSpPr>
           <p:cNvPr id="7" name="灯片编号占位符 6"/>
           <p:cNvSpPr>
-            <a:spLocks noGrp="1"/>
+            <a:spLocks noGrp="true"/>
           </p:cNvSpPr>
           <p:nvPr>
             <p:ph type="sldNum" sz="quarter" idx="5"/>
@@ -639,10 +641,10 @@
         <p:nvSpPr>
           <p:cNvPr id="2" name="标题 1"/>
           <p:cNvSpPr>
-            <a:spLocks noGrp="1"/>
+            <a:spLocks noGrp="true"/>
           </p:cNvSpPr>
           <p:nvPr>
-            <p:ph type="ctrTitle" hasCustomPrompt="1"/>
+            <p:ph type="ctrTitle" hasCustomPrompt="true"/>
           </p:nvPr>
         </p:nvSpPr>
         <p:spPr>
@@ -684,7 +686,7 @@
         <p:nvSpPr>
           <p:cNvPr id="4" name="日期占位符 3"/>
           <p:cNvSpPr>
-            <a:spLocks noGrp="1"/>
+            <a:spLocks noGrp="true"/>
           </p:cNvSpPr>
           <p:nvPr>
             <p:ph type="dt" sz="half" idx="10"/>
@@ -706,7 +708,7 @@
         <p:nvSpPr>
           <p:cNvPr id="5" name="页脚占位符 4"/>
           <p:cNvSpPr>
-            <a:spLocks noGrp="1"/>
+            <a:spLocks noGrp="true"/>
           </p:cNvSpPr>
           <p:nvPr>
             <p:ph type="ftr" sz="quarter" idx="11"/>
@@ -725,7 +727,7 @@
         <p:nvSpPr>
           <p:cNvPr id="6" name="灯片编号占位符 5"/>
           <p:cNvSpPr>
-            <a:spLocks noGrp="1"/>
+            <a:spLocks noGrp="true"/>
           </p:cNvSpPr>
           <p:nvPr>
             <p:ph type="sldNum" sz="quarter" idx="12"/>
@@ -747,10 +749,10 @@
         <p:nvSpPr>
           <p:cNvPr id="3" name="副标题 2"/>
           <p:cNvSpPr>
-            <a:spLocks noGrp="1"/>
+            <a:spLocks noGrp="true"/>
           </p:cNvSpPr>
           <p:nvPr>
-            <p:ph type="subTitle" idx="1" hasCustomPrompt="1"/>
+            <p:ph type="subTitle" idx="1" hasCustomPrompt="true"/>
           </p:nvPr>
         </p:nvSpPr>
         <p:spPr>
@@ -849,7 +851,7 @@
         <p:nvSpPr>
           <p:cNvPr id="3" name="日期占位符 2"/>
           <p:cNvSpPr>
-            <a:spLocks noGrp="1"/>
+            <a:spLocks noGrp="true"/>
           </p:cNvSpPr>
           <p:nvPr>
             <p:ph type="dt" sz="half" idx="10"/>
@@ -871,7 +873,7 @@
         <p:nvSpPr>
           <p:cNvPr id="4" name="页脚占位符 3"/>
           <p:cNvSpPr>
-            <a:spLocks noGrp="1"/>
+            <a:spLocks noGrp="true"/>
           </p:cNvSpPr>
           <p:nvPr>
             <p:ph type="ftr" sz="quarter" idx="11"/>
@@ -890,7 +892,7 @@
         <p:nvSpPr>
           <p:cNvPr id="5" name="灯片编号占位符 4"/>
           <p:cNvSpPr>
-            <a:spLocks noGrp="1"/>
+            <a:spLocks noGrp="true"/>
           </p:cNvSpPr>
           <p:nvPr>
             <p:ph type="sldNum" sz="quarter" idx="12"/>
@@ -912,7 +914,7 @@
         <p:nvSpPr>
           <p:cNvPr id="7" name="内容占位符 6"/>
           <p:cNvSpPr>
-            <a:spLocks noGrp="1"/>
+            <a:spLocks noGrp="true"/>
           </p:cNvSpPr>
           <p:nvPr>
             <p:ph sz="quarter" idx="13"/>
@@ -998,7 +1000,7 @@
         <p:nvSpPr>
           <p:cNvPr id="2" name="标题 1"/>
           <p:cNvSpPr>
-            <a:spLocks noGrp="1"/>
+            <a:spLocks noGrp="true"/>
           </p:cNvSpPr>
           <p:nvPr>
             <p:ph type="title"/>
@@ -1011,7 +1013,7 @@
           </a:xfrm>
         </p:spPr>
         <p:txBody>
-          <a:bodyPr anchor="ctr" anchorCtr="0">
+          <a:bodyPr anchor="ctr" anchorCtr="false">
             <a:normAutofit/>
           </a:bodyPr>
           <a:lstStyle>
@@ -1040,7 +1042,7 @@
         <p:nvSpPr>
           <p:cNvPr id="3" name="内容占位符 2"/>
           <p:cNvSpPr>
-            <a:spLocks noGrp="1"/>
+            <a:spLocks noGrp="true"/>
           </p:cNvSpPr>
           <p:nvPr>
             <p:ph idx="1"/>
@@ -1154,7 +1156,7 @@
         <p:nvSpPr>
           <p:cNvPr id="4" name="日期占位符 3"/>
           <p:cNvSpPr>
-            <a:spLocks noGrp="1"/>
+            <a:spLocks noGrp="true"/>
           </p:cNvSpPr>
           <p:nvPr>
             <p:ph type="dt" sz="half" idx="10"/>
@@ -1176,7 +1178,7 @@
         <p:nvSpPr>
           <p:cNvPr id="5" name="页脚占位符 4"/>
           <p:cNvSpPr>
-            <a:spLocks noGrp="1"/>
+            <a:spLocks noGrp="true"/>
           </p:cNvSpPr>
           <p:nvPr>
             <p:ph type="ftr" sz="quarter" idx="11"/>
@@ -1195,7 +1197,7 @@
         <p:nvSpPr>
           <p:cNvPr id="6" name="灯片编号占位符 5"/>
           <p:cNvSpPr>
-            <a:spLocks noGrp="1"/>
+            <a:spLocks noGrp="true"/>
           </p:cNvSpPr>
           <p:nvPr>
             <p:ph type="sldNum" sz="quarter" idx="12"/>
@@ -1242,7 +1244,7 @@
         <p:nvSpPr>
           <p:cNvPr id="2" name="标题 1"/>
           <p:cNvSpPr>
-            <a:spLocks noGrp="1"/>
+            <a:spLocks noGrp="true"/>
           </p:cNvSpPr>
           <p:nvPr>
             <p:ph type="title"/>
@@ -1284,7 +1286,7 @@
         <p:nvSpPr>
           <p:cNvPr id="3" name="文本占位符 2"/>
           <p:cNvSpPr>
-            <a:spLocks noGrp="1"/>
+            <a:spLocks noGrp="true"/>
           </p:cNvSpPr>
           <p:nvPr>
             <p:ph type="body" idx="1"/>
@@ -1404,7 +1406,7 @@
         <p:nvSpPr>
           <p:cNvPr id="4" name="日期占位符 3"/>
           <p:cNvSpPr>
-            <a:spLocks noGrp="1"/>
+            <a:spLocks noGrp="true"/>
           </p:cNvSpPr>
           <p:nvPr>
             <p:ph type="dt" sz="half" idx="10"/>
@@ -1426,7 +1428,7 @@
         <p:nvSpPr>
           <p:cNvPr id="5" name="页脚占位符 4"/>
           <p:cNvSpPr>
-            <a:spLocks noGrp="1"/>
+            <a:spLocks noGrp="true"/>
           </p:cNvSpPr>
           <p:nvPr>
             <p:ph type="ftr" sz="quarter" idx="11"/>
@@ -1445,7 +1447,7 @@
         <p:nvSpPr>
           <p:cNvPr id="6" name="灯片编号占位符 5"/>
           <p:cNvSpPr>
-            <a:spLocks noGrp="1"/>
+            <a:spLocks noGrp="true"/>
           </p:cNvSpPr>
           <p:nvPr>
             <p:ph type="sldNum" sz="quarter" idx="12"/>
@@ -1492,7 +1494,7 @@
         <p:nvSpPr>
           <p:cNvPr id="2" name="标题 1"/>
           <p:cNvSpPr>
-            <a:spLocks noGrp="1"/>
+            <a:spLocks noGrp="true"/>
           </p:cNvSpPr>
           <p:nvPr>
             <p:ph type="title"/>
@@ -1534,7 +1536,7 @@
         <p:nvSpPr>
           <p:cNvPr id="3" name="内容占位符 2"/>
           <p:cNvSpPr>
-            <a:spLocks noGrp="1"/>
+            <a:spLocks noGrp="true"/>
           </p:cNvSpPr>
           <p:nvPr>
             <p:ph sz="half" idx="1"/>
@@ -1663,7 +1665,7 @@
         <p:nvSpPr>
           <p:cNvPr id="4" name="内容占位符 3"/>
           <p:cNvSpPr>
-            <a:spLocks noGrp="1"/>
+            <a:spLocks noGrp="true"/>
           </p:cNvSpPr>
           <p:nvPr>
             <p:ph sz="half" idx="2"/>
@@ -1792,7 +1794,7 @@
         <p:nvSpPr>
           <p:cNvPr id="5" name="日期占位符 4"/>
           <p:cNvSpPr>
-            <a:spLocks noGrp="1"/>
+            <a:spLocks noGrp="true"/>
           </p:cNvSpPr>
           <p:nvPr>
             <p:ph type="dt" sz="half" idx="10"/>
@@ -1814,7 +1816,7 @@
         <p:nvSpPr>
           <p:cNvPr id="6" name="页脚占位符 5"/>
           <p:cNvSpPr>
-            <a:spLocks noGrp="1"/>
+            <a:spLocks noGrp="true"/>
           </p:cNvSpPr>
           <p:nvPr>
             <p:ph type="ftr" sz="quarter" idx="11"/>
@@ -1833,7 +1835,7 @@
         <p:nvSpPr>
           <p:cNvPr id="7" name="灯片编号占位符 6"/>
           <p:cNvSpPr>
-            <a:spLocks noGrp="1"/>
+            <a:spLocks noGrp="true"/>
           </p:cNvSpPr>
           <p:nvPr>
             <p:ph type="sldNum" sz="quarter" idx="12"/>
@@ -1880,7 +1882,7 @@
         <p:nvSpPr>
           <p:cNvPr id="2" name="标题 1"/>
           <p:cNvSpPr>
-            <a:spLocks noGrp="1"/>
+            <a:spLocks noGrp="true"/>
           </p:cNvSpPr>
           <p:nvPr>
             <p:ph type="title"/>
@@ -1908,7 +1910,7 @@
         <p:nvSpPr>
           <p:cNvPr id="3" name="文本占位符 2"/>
           <p:cNvSpPr>
-            <a:spLocks noGrp="1"/>
+            <a:spLocks noGrp="true"/>
           </p:cNvSpPr>
           <p:nvPr>
             <p:ph type="body" idx="1"/>
@@ -1974,7 +1976,7 @@
         <p:nvSpPr>
           <p:cNvPr id="4" name="内容占位符 3"/>
           <p:cNvSpPr>
-            <a:spLocks noGrp="1"/>
+            <a:spLocks noGrp="true"/>
           </p:cNvSpPr>
           <p:nvPr>
             <p:ph sz="half" idx="2"/>
@@ -2035,7 +2037,7 @@
         <p:nvSpPr>
           <p:cNvPr id="5" name="文本占位符 4"/>
           <p:cNvSpPr>
-            <a:spLocks noGrp="1"/>
+            <a:spLocks noGrp="true"/>
           </p:cNvSpPr>
           <p:nvPr>
             <p:ph type="body" sz="quarter" idx="3"/>
@@ -2101,7 +2103,7 @@
         <p:nvSpPr>
           <p:cNvPr id="6" name="内容占位符 5"/>
           <p:cNvSpPr>
-            <a:spLocks noGrp="1"/>
+            <a:spLocks noGrp="true"/>
           </p:cNvSpPr>
           <p:nvPr>
             <p:ph sz="quarter" idx="4"/>
@@ -2162,7 +2164,7 @@
         <p:nvSpPr>
           <p:cNvPr id="7" name="日期占位符 6"/>
           <p:cNvSpPr>
-            <a:spLocks noGrp="1"/>
+            <a:spLocks noGrp="true"/>
           </p:cNvSpPr>
           <p:nvPr>
             <p:ph type="dt" sz="half" idx="10"/>
@@ -2184,7 +2186,7 @@
         <p:nvSpPr>
           <p:cNvPr id="8" name="页脚占位符 7"/>
           <p:cNvSpPr>
-            <a:spLocks noGrp="1"/>
+            <a:spLocks noGrp="true"/>
           </p:cNvSpPr>
           <p:nvPr>
             <p:ph type="ftr" sz="quarter" idx="11"/>
@@ -2203,7 +2205,7 @@
         <p:nvSpPr>
           <p:cNvPr id="9" name="灯片编号占位符 8"/>
           <p:cNvSpPr>
-            <a:spLocks noGrp="1"/>
+            <a:spLocks noGrp="true"/>
           </p:cNvSpPr>
           <p:nvPr>
             <p:ph type="sldNum" sz="quarter" idx="12"/>
@@ -2250,7 +2252,7 @@
         <p:nvSpPr>
           <p:cNvPr id="2" name="标题 1"/>
           <p:cNvSpPr>
-            <a:spLocks noGrp="1"/>
+            <a:spLocks noGrp="true"/>
           </p:cNvSpPr>
           <p:nvPr>
             <p:ph type="title"/>
@@ -2292,7 +2294,7 @@
         <p:nvSpPr>
           <p:cNvPr id="3" name="日期占位符 2"/>
           <p:cNvSpPr>
-            <a:spLocks noGrp="1"/>
+            <a:spLocks noGrp="true"/>
           </p:cNvSpPr>
           <p:nvPr>
             <p:ph type="dt" sz="half" idx="10"/>
@@ -2314,7 +2316,7 @@
         <p:nvSpPr>
           <p:cNvPr id="4" name="页脚占位符 3"/>
           <p:cNvSpPr>
-            <a:spLocks noGrp="1"/>
+            <a:spLocks noGrp="true"/>
           </p:cNvSpPr>
           <p:nvPr>
             <p:ph type="ftr" sz="quarter" idx="11"/>
@@ -2333,7 +2335,7 @@
         <p:nvSpPr>
           <p:cNvPr id="5" name="灯片编号占位符 4"/>
           <p:cNvSpPr>
-            <a:spLocks noGrp="1"/>
+            <a:spLocks noGrp="true"/>
           </p:cNvSpPr>
           <p:nvPr>
             <p:ph type="sldNum" sz="quarter" idx="12"/>
@@ -2380,7 +2382,7 @@
         <p:nvSpPr>
           <p:cNvPr id="2" name="日期占位符 1"/>
           <p:cNvSpPr>
-            <a:spLocks noGrp="1"/>
+            <a:spLocks noGrp="true"/>
           </p:cNvSpPr>
           <p:nvPr>
             <p:ph type="dt" sz="half" idx="10"/>
@@ -2402,7 +2404,7 @@
         <p:nvSpPr>
           <p:cNvPr id="3" name="页脚占位符 2"/>
           <p:cNvSpPr>
-            <a:spLocks noGrp="1"/>
+            <a:spLocks noGrp="true"/>
           </p:cNvSpPr>
           <p:nvPr>
             <p:ph type="ftr" sz="quarter" idx="11"/>
@@ -2421,7 +2423,7 @@
         <p:nvSpPr>
           <p:cNvPr id="4" name="灯片编号占位符 3"/>
           <p:cNvSpPr>
-            <a:spLocks noGrp="1"/>
+            <a:spLocks noGrp="true"/>
           </p:cNvSpPr>
           <p:nvPr>
             <p:ph type="sldNum" sz="quarter" idx="12"/>
@@ -2468,10 +2470,10 @@
         <p:nvSpPr>
           <p:cNvPr id="2" name="标题 1"/>
           <p:cNvSpPr>
-            <a:spLocks noGrp="1"/>
+            <a:spLocks noGrp="true"/>
           </p:cNvSpPr>
           <p:nvPr>
-            <p:ph type="title" hasCustomPrompt="1"/>
+            <p:ph type="title" hasCustomPrompt="true"/>
           </p:nvPr>
         </p:nvSpPr>
         <p:spPr>
@@ -2481,7 +2483,7 @@
           </a:xfrm>
         </p:spPr>
         <p:txBody>
-          <a:bodyPr anchor="ctr" anchorCtr="0">
+          <a:bodyPr anchor="ctr" anchorCtr="false">
             <a:normAutofit/>
           </a:bodyPr>
           <a:lstStyle>
@@ -2510,7 +2512,7 @@
         <p:nvSpPr>
           <p:cNvPr id="3" name="图片占位符 2"/>
           <p:cNvSpPr>
-            <a:spLocks noGrp="1" noChangeAspect="1"/>
+            <a:spLocks noGrp="true" noChangeAspect="true"/>
           </p:cNvSpPr>
           <p:nvPr>
             <p:ph type="pic" idx="1"/>
@@ -2571,7 +2573,7 @@
         <p:nvSpPr>
           <p:cNvPr id="4" name="文本占位符 3"/>
           <p:cNvSpPr>
-            <a:spLocks noGrp="1"/>
+            <a:spLocks noGrp="true"/>
           </p:cNvSpPr>
           <p:nvPr>
             <p:ph type="body" sz="half" idx="2"/>
@@ -2642,7 +2644,7 @@
         <p:nvSpPr>
           <p:cNvPr id="5" name="日期占位符 4"/>
           <p:cNvSpPr>
-            <a:spLocks noGrp="1"/>
+            <a:spLocks noGrp="true"/>
           </p:cNvSpPr>
           <p:nvPr>
             <p:ph type="dt" sz="half" idx="10"/>
@@ -2664,7 +2666,7 @@
         <p:nvSpPr>
           <p:cNvPr id="6" name="页脚占位符 5"/>
           <p:cNvSpPr>
-            <a:spLocks noGrp="1"/>
+            <a:spLocks noGrp="true"/>
           </p:cNvSpPr>
           <p:nvPr>
             <p:ph type="ftr" sz="quarter" idx="11"/>
@@ -2683,7 +2685,7 @@
         <p:nvSpPr>
           <p:cNvPr id="7" name="灯片编号占位符 6"/>
           <p:cNvSpPr>
-            <a:spLocks noGrp="1"/>
+            <a:spLocks noGrp="true"/>
           </p:cNvSpPr>
           <p:nvPr>
             <p:ph type="sldNum" sz="quarter" idx="12"/>
@@ -2730,7 +2732,7 @@
         <p:nvSpPr>
           <p:cNvPr id="2" name="竖排标题 1"/>
           <p:cNvSpPr>
-            <a:spLocks noGrp="1"/>
+            <a:spLocks noGrp="true"/>
           </p:cNvSpPr>
           <p:nvPr>
             <p:ph type="title" orient="vert"/>
@@ -2764,7 +2766,7 @@
         <p:nvSpPr>
           <p:cNvPr id="3" name="竖排文字占位符 2"/>
           <p:cNvSpPr>
-            <a:spLocks noGrp="1"/>
+            <a:spLocks noGrp="true"/>
           </p:cNvSpPr>
           <p:nvPr>
             <p:ph type="body" orient="vert" idx="1"/>
@@ -2825,7 +2827,7 @@
         <p:nvSpPr>
           <p:cNvPr id="4" name="日期占位符 3"/>
           <p:cNvSpPr>
-            <a:spLocks noGrp="1"/>
+            <a:spLocks noGrp="true"/>
           </p:cNvSpPr>
           <p:nvPr>
             <p:ph type="dt" sz="half" idx="10"/>
@@ -2847,7 +2849,7 @@
         <p:nvSpPr>
           <p:cNvPr id="5" name="页脚占位符 4"/>
           <p:cNvSpPr>
-            <a:spLocks noGrp="1"/>
+            <a:spLocks noGrp="true"/>
           </p:cNvSpPr>
           <p:nvPr>
             <p:ph type="ftr" sz="quarter" idx="11"/>
@@ -2866,7 +2868,7 @@
         <p:nvSpPr>
           <p:cNvPr id="6" name="灯片编号占位符 5"/>
           <p:cNvSpPr>
-            <a:spLocks noGrp="1"/>
+            <a:spLocks noGrp="true"/>
           </p:cNvSpPr>
           <p:nvPr>
             <p:ph type="sldNum" sz="quarter" idx="12"/>
@@ -2921,7 +2923,7 @@
         <p:nvSpPr>
           <p:cNvPr id="2" name="标题占位符 1"/>
           <p:cNvSpPr>
-            <a:spLocks noGrp="1"/>
+            <a:spLocks noGrp="true"/>
           </p:cNvSpPr>
           <p:nvPr>
             <p:ph type="title"/>
@@ -2954,7 +2956,7 @@
         <p:nvSpPr>
           <p:cNvPr id="3" name="文本占位符 2"/>
           <p:cNvSpPr>
-            <a:spLocks noGrp="1"/>
+            <a:spLocks noGrp="true"/>
           </p:cNvSpPr>
           <p:nvPr>
             <p:ph type="body" idx="1"/>
@@ -3020,7 +3022,7 @@
         <p:nvSpPr>
           <p:cNvPr id="4" name="日期占位符 3"/>
           <p:cNvSpPr>
-            <a:spLocks noGrp="1"/>
+            <a:spLocks noGrp="true"/>
           </p:cNvSpPr>
           <p:nvPr>
             <p:ph type="dt" sz="half" idx="2"/>
@@ -3062,7 +3064,7 @@
         <p:nvSpPr>
           <p:cNvPr id="5" name="页脚占位符 4"/>
           <p:cNvSpPr>
-            <a:spLocks noGrp="1"/>
+            <a:spLocks noGrp="true"/>
           </p:cNvSpPr>
           <p:nvPr>
             <p:ph type="ftr" sz="quarter" idx="3"/>
@@ -3101,7 +3103,7 @@
         <p:nvSpPr>
           <p:cNvPr id="6" name="灯片编号占位符 5"/>
           <p:cNvSpPr>
-            <a:spLocks noGrp="1"/>
+            <a:spLocks noGrp="true"/>
           </p:cNvSpPr>
           <p:nvPr>
             <p:ph type="sldNum" sz="quarter" idx="4"/>
@@ -3182,7 +3184,7 @@
         <a:spcBef>
           <a:spcPts val="750"/>
         </a:spcBef>
-        <a:buFont typeface="Arial" panose="020B0604020202020204" pitchFamily="34" charset="0"/>
+        <a:buFont typeface="Arial" panose="02080604020202020204" pitchFamily="34" charset="0"/>
         <a:buChar char="•"/>
         <a:defRPr sz="1800" kern="1200">
           <a:solidFill>
@@ -3200,7 +3202,7 @@
         <a:spcBef>
           <a:spcPts val="375"/>
         </a:spcBef>
-        <a:buFont typeface="Arial" panose="020B0604020202020204" pitchFamily="34" charset="0"/>
+        <a:buFont typeface="Arial" panose="02080604020202020204" pitchFamily="34" charset="0"/>
         <a:buChar char="•"/>
         <a:defRPr sz="1500" kern="1200">
           <a:solidFill>
@@ -3218,7 +3220,7 @@
         <a:spcBef>
           <a:spcPts val="375"/>
         </a:spcBef>
-        <a:buFont typeface="Arial" panose="020B0604020202020204" pitchFamily="34" charset="0"/>
+        <a:buFont typeface="Arial" panose="02080604020202020204" pitchFamily="34" charset="0"/>
         <a:buChar char="•"/>
         <a:defRPr sz="1350" kern="1200">
           <a:solidFill>
@@ -3236,7 +3238,7 @@
         <a:spcBef>
           <a:spcPts val="375"/>
         </a:spcBef>
-        <a:buFont typeface="Arial" panose="020B0604020202020204" pitchFamily="34" charset="0"/>
+        <a:buFont typeface="Arial" panose="02080604020202020204" pitchFamily="34" charset="0"/>
         <a:buChar char="•"/>
         <a:defRPr sz="1350" kern="1200">
           <a:solidFill>
@@ -3254,7 +3256,7 @@
         <a:spcBef>
           <a:spcPts val="375"/>
         </a:spcBef>
-        <a:buFont typeface="Arial" panose="020B0604020202020204" pitchFamily="34" charset="0"/>
+        <a:buFont typeface="Arial" panose="02080604020202020204" pitchFamily="34" charset="0"/>
         <a:buChar char="•"/>
         <a:defRPr sz="1350" kern="1200">
           <a:solidFill>
@@ -3272,7 +3274,7 @@
         <a:spcBef>
           <a:spcPts val="375"/>
         </a:spcBef>
-        <a:buFont typeface="Arial" panose="020B0604020202020204" pitchFamily="34" charset="0"/>
+        <a:buFont typeface="Arial" panose="02080604020202020204" pitchFamily="34" charset="0"/>
         <a:buChar char="•"/>
         <a:defRPr sz="1350" kern="1200">
           <a:solidFill>
@@ -3290,7 +3292,7 @@
         <a:spcBef>
           <a:spcPts val="375"/>
         </a:spcBef>
-        <a:buFont typeface="Arial" panose="020B0604020202020204" pitchFamily="34" charset="0"/>
+        <a:buFont typeface="Arial" panose="02080604020202020204" pitchFamily="34" charset="0"/>
         <a:buChar char="•"/>
         <a:defRPr sz="1350" kern="1200">
           <a:solidFill>
@@ -3308,7 +3310,7 @@
         <a:spcBef>
           <a:spcPts val="375"/>
         </a:spcBef>
-        <a:buFont typeface="Arial" panose="020B0604020202020204" pitchFamily="34" charset="0"/>
+        <a:buFont typeface="Arial" panose="02080604020202020204" pitchFamily="34" charset="0"/>
         <a:buChar char="•"/>
         <a:defRPr sz="1350" kern="1200">
           <a:solidFill>
@@ -3326,7 +3328,7 @@
         <a:spcBef>
           <a:spcPts val="375"/>
         </a:spcBef>
-        <a:buFont typeface="Arial" panose="020B0604020202020204" pitchFamily="34" charset="0"/>
+        <a:buFont typeface="Arial" panose="02080604020202020204" pitchFamily="34" charset="0"/>
         <a:buChar char="•"/>
         <a:defRPr sz="1350" kern="1200">
           <a:solidFill>
@@ -3455,12 +3457,12 @@
         </p:nvGraphicFramePr>
         <p:xfrm>
           <a:off x="1003935" y="994410"/>
-          <a:ext cx="4690745" cy="5924550"/>
+          <a:ext cx="4690746" cy="5924550"/>
         </p:xfrm>
         <a:graphic>
           <a:graphicData uri="http://schemas.openxmlformats.org/drawingml/2006/table">
             <a:tbl>
-              <a:tblPr firstRow="1" bandRow="1">
+              <a:tblPr firstRow="true" bandRow="true">
                 <a:tableStyleId>{5C22544A-7EE6-4342-B048-85BDC9FD1C3A}</a:tableStyleId>
               </a:tblPr>
               <a:tblGrid>
@@ -3484,14 +3486,14 @@
                         <a:buNone/>
                       </a:pPr>
                       <a:r>
-                        <a:rPr lang="" altLang="zh-CN" sz="1600">
+                        <a:rPr lang="en-US" altLang="zh-CN" sz="1600">
                           <a:solidFill>
                             <a:srgbClr val="2C3E50"/>
                           </a:solidFill>
                         </a:rPr>
                         <a:t>DTB文件格式</a:t>
                       </a:r>
-                      <a:endParaRPr lang="" altLang="zh-CN" sz="1600">
+                      <a:endParaRPr lang="en-US" altLang="zh-CN" sz="1600">
                         <a:solidFill>
                           <a:srgbClr val="2C3E50"/>
                         </a:solidFill>
@@ -3526,7 +3528,7 @@
                     <a:noFill/>
                   </a:tcPr>
                 </a:tc>
-                <a:tc hMerge="1">
+                <a:tc hMerge="true">
                   <a:tcPr>
                     <a:lnL w="28575">
                       <a:solidFill>
@@ -3555,7 +3557,7 @@
                     <a:noFill/>
                   </a:tcPr>
                 </a:tc>
-                <a:tc hMerge="1">
+                <a:tc hMerge="true">
                   <a:tcPr>
                     <a:lnL w="28575">
                       <a:solidFill>
@@ -3584,7 +3586,7 @@
                     <a:noFill/>
                   </a:tcPr>
                 </a:tc>
-                <a:tc hMerge="1">
+                <a:tc hMerge="true">
                   <a:tcPr>
                     <a:lnL w="28575">
                       <a:solidFill>
@@ -3613,7 +3615,7 @@
                     <a:noFill/>
                   </a:tcPr>
                 </a:tc>
-                <a:tc hMerge="1">
+                <a:tc hMerge="true">
                   <a:tcPr>
                     <a:lnL w="28575">
                       <a:solidFill>
@@ -3642,7 +3644,7 @@
                     <a:noFill/>
                   </a:tcPr>
                 </a:tc>
-                <a:tc hMerge="1">
+                <a:tc hMerge="true">
                   <a:tcPr>
                     <a:lnL w="28575">
                       <a:solidFill>
@@ -3671,7 +3673,7 @@
                     <a:noFill/>
                   </a:tcPr>
                 </a:tc>
-                <a:tc hMerge="1">
+                <a:tc hMerge="true">
                   <a:tcPr>
                     <a:lnL w="28575">
                       <a:solidFill>
@@ -3700,7 +3702,7 @@
                     <a:noFill/>
                   </a:tcPr>
                 </a:tc>
-                <a:tc hMerge="1">
+                <a:tc hMerge="true">
                   <a:tcPr>
                     <a:lnL w="28575">
                       <a:solidFill>
@@ -3729,7 +3731,7 @@
                     <a:noFill/>
                   </a:tcPr>
                 </a:tc>
-                <a:tc hMerge="1">
+                <a:tc hMerge="true">
                   <a:tcPr>
                     <a:lnL w="28575">
                       <a:solidFill>
@@ -3758,7 +3760,7 @@
                     <a:noFill/>
                   </a:tcPr>
                 </a:tc>
-                <a:tc hMerge="1">
+                <a:tc hMerge="true">
                   <a:tcPr>
                     <a:lnL w="28575">
                       <a:solidFill>
@@ -3841,7 +3843,7 @@
                     <a:noFill/>
                   </a:tcPr>
                 </a:tc>
-                <a:tc hMerge="1">
+                <a:tc hMerge="true">
                   <a:tcPr>
                     <a:lnL w="28575">
                       <a:solidFill>
@@ -3870,7 +3872,7 @@
                     <a:noFill/>
                   </a:tcPr>
                 </a:tc>
-                <a:tc hMerge="1">
+                <a:tc hMerge="true">
                   <a:tcPr>
                     <a:lnL w="28575">
                       <a:solidFill>
@@ -3899,7 +3901,7 @@
                     <a:noFill/>
                   </a:tcPr>
                 </a:tc>
-                <a:tc hMerge="1">
+                <a:tc hMerge="true">
                   <a:tcPr>
                     <a:lnL w="28575">
                       <a:solidFill>
@@ -3928,7 +3930,7 @@
                     <a:noFill/>
                   </a:tcPr>
                 </a:tc>
-                <a:tc hMerge="1">
+                <a:tc hMerge="true">
                   <a:tcPr>
                     <a:lnL w="28575">
                       <a:solidFill>
@@ -3957,7 +3959,7 @@
                     <a:noFill/>
                   </a:tcPr>
                 </a:tc>
-                <a:tc hMerge="1">
+                <a:tc hMerge="true">
                   <a:tcPr>
                     <a:lnL w="28575">
                       <a:solidFill>
@@ -3986,7 +3988,7 @@
                     <a:noFill/>
                   </a:tcPr>
                 </a:tc>
-                <a:tc hMerge="1">
+                <a:tc hMerge="true">
                   <a:tcPr>
                     <a:lnL w="28575">
                       <a:solidFill>
@@ -4015,7 +4017,7 @@
                     <a:noFill/>
                   </a:tcPr>
                 </a:tc>
-                <a:tc hMerge="1">
+                <a:tc hMerge="true">
                   <a:tcPr>
                     <a:lnL w="28575">
                       <a:solidFill>
@@ -4044,7 +4046,7 @@
                     <a:noFill/>
                   </a:tcPr>
                 </a:tc>
-                <a:tc hMerge="1">
+                <a:tc hMerge="true">
                   <a:tcPr>
                     <a:lnL w="28575">
                       <a:solidFill>
@@ -4073,7 +4075,7 @@
                     <a:noFill/>
                   </a:tcPr>
                 </a:tc>
-                <a:tc hMerge="1">
+                <a:tc hMerge="true">
                   <a:tcPr>
                     <a:lnL w="28575">
                       <a:solidFill>
@@ -4112,14 +4114,14 @@
                         <a:buNone/>
                       </a:pPr>
                       <a:r>
-                        <a:rPr lang="" altLang="zh-CN" sz="600" b="1">
+                        <a:rPr lang="en-US" altLang="zh-CN" sz="600" b="1">
                           <a:solidFill>
                             <a:srgbClr val="2C3E50"/>
                           </a:solidFill>
                         </a:rPr>
                         <a:t>totalsize</a:t>
                       </a:r>
-                      <a:endParaRPr lang="" altLang="zh-CN" sz="600" b="1">
+                      <a:endParaRPr lang="en-US" altLang="zh-CN" sz="600" b="1">
                         <a:solidFill>
                           <a:srgbClr val="2C3E50"/>
                         </a:solidFill>
@@ -4154,239 +4156,239 @@
                     <a:noFill/>
                   </a:tcPr>
                 </a:tc>
-                <a:tc hMerge="1">
-                  <a:tcPr>
-                    <a:lnL w="28575">
-                      <a:solidFill>
-                        <a:srgbClr val="3EAF7C"/>
-                      </a:solidFill>
-                      <a:prstDash val="solid"/>
-                    </a:lnL>
-                    <a:lnR w="28575">
-                      <a:solidFill>
-                        <a:srgbClr val="3EAF7C"/>
-                      </a:solidFill>
-                      <a:prstDash val="solid"/>
-                    </a:lnR>
-                    <a:lnT w="12700">
-                      <a:solidFill>
-                        <a:srgbClr val="3EAF7C"/>
-                      </a:solidFill>
-                      <a:prstDash val="sysDot"/>
-                    </a:lnT>
-                    <a:lnB w="12700">
-                      <a:solidFill>
-                        <a:srgbClr val="3EAF7C"/>
-                      </a:solidFill>
-                      <a:prstDash val="sysDot"/>
-                    </a:lnB>
-                    <a:noFill/>
-                  </a:tcPr>
-                </a:tc>
-                <a:tc hMerge="1">
-                  <a:tcPr>
-                    <a:lnL w="28575">
-                      <a:solidFill>
-                        <a:srgbClr val="3EAF7C"/>
-                      </a:solidFill>
-                      <a:prstDash val="solid"/>
-                    </a:lnL>
-                    <a:lnR w="28575">
-                      <a:solidFill>
-                        <a:srgbClr val="3EAF7C"/>
-                      </a:solidFill>
-                      <a:prstDash val="solid"/>
-                    </a:lnR>
-                    <a:lnT w="12700">
-                      <a:solidFill>
-                        <a:srgbClr val="3EAF7C"/>
-                      </a:solidFill>
-                      <a:prstDash val="sysDot"/>
-                    </a:lnT>
-                    <a:lnB w="12700">
-                      <a:solidFill>
-                        <a:srgbClr val="3EAF7C"/>
-                      </a:solidFill>
-                      <a:prstDash val="sysDot"/>
-                    </a:lnB>
-                    <a:noFill/>
-                  </a:tcPr>
-                </a:tc>
-                <a:tc hMerge="1">
-                  <a:tcPr>
-                    <a:lnL w="28575">
-                      <a:solidFill>
-                        <a:srgbClr val="3EAF7C"/>
-                      </a:solidFill>
-                      <a:prstDash val="solid"/>
-                    </a:lnL>
-                    <a:lnR w="28575">
-                      <a:solidFill>
-                        <a:srgbClr val="3EAF7C"/>
-                      </a:solidFill>
-                      <a:prstDash val="solid"/>
-                    </a:lnR>
-                    <a:lnT w="12700">
-                      <a:solidFill>
-                        <a:srgbClr val="3EAF7C"/>
-                      </a:solidFill>
-                      <a:prstDash val="sysDot"/>
-                    </a:lnT>
-                    <a:lnB w="12700">
-                      <a:solidFill>
-                        <a:srgbClr val="3EAF7C"/>
-                      </a:solidFill>
-                      <a:prstDash val="sysDot"/>
-                    </a:lnB>
-                    <a:noFill/>
-                  </a:tcPr>
-                </a:tc>
-                <a:tc hMerge="1">
-                  <a:tcPr>
-                    <a:lnL w="28575">
-                      <a:solidFill>
-                        <a:srgbClr val="3EAF7C"/>
-                      </a:solidFill>
-                      <a:prstDash val="solid"/>
-                    </a:lnL>
-                    <a:lnR w="28575">
-                      <a:solidFill>
-                        <a:srgbClr val="3EAF7C"/>
-                      </a:solidFill>
-                      <a:prstDash val="solid"/>
-                    </a:lnR>
-                    <a:lnT w="12700">
-                      <a:solidFill>
-                        <a:srgbClr val="3EAF7C"/>
-                      </a:solidFill>
-                      <a:prstDash val="sysDot"/>
-                    </a:lnT>
-                    <a:lnB w="12700">
-                      <a:solidFill>
-                        <a:srgbClr val="3EAF7C"/>
-                      </a:solidFill>
-                      <a:prstDash val="sysDot"/>
-                    </a:lnB>
-                    <a:noFill/>
-                  </a:tcPr>
-                </a:tc>
-                <a:tc hMerge="1">
-                  <a:tcPr>
-                    <a:lnL w="28575">
-                      <a:solidFill>
-                        <a:srgbClr val="3EAF7C"/>
-                      </a:solidFill>
-                      <a:prstDash val="solid"/>
-                    </a:lnL>
-                    <a:lnR w="28575">
-                      <a:solidFill>
-                        <a:srgbClr val="3EAF7C"/>
-                      </a:solidFill>
-                      <a:prstDash val="solid"/>
-                    </a:lnR>
-                    <a:lnT w="12700">
-                      <a:solidFill>
-                        <a:srgbClr val="3EAF7C"/>
-                      </a:solidFill>
-                      <a:prstDash val="sysDot"/>
-                    </a:lnT>
-                    <a:lnB w="12700">
-                      <a:solidFill>
-                        <a:srgbClr val="3EAF7C"/>
-                      </a:solidFill>
-                      <a:prstDash val="sysDot"/>
-                    </a:lnB>
-                    <a:noFill/>
-                  </a:tcPr>
-                </a:tc>
-                <a:tc hMerge="1">
-                  <a:tcPr>
-                    <a:lnL w="28575">
-                      <a:solidFill>
-                        <a:srgbClr val="3EAF7C"/>
-                      </a:solidFill>
-                      <a:prstDash val="solid"/>
-                    </a:lnL>
-                    <a:lnR w="28575">
-                      <a:solidFill>
-                        <a:srgbClr val="3EAF7C"/>
-                      </a:solidFill>
-                      <a:prstDash val="solid"/>
-                    </a:lnR>
-                    <a:lnT w="12700">
-                      <a:solidFill>
-                        <a:srgbClr val="3EAF7C"/>
-                      </a:solidFill>
-                      <a:prstDash val="sysDot"/>
-                    </a:lnT>
-                    <a:lnB w="12700">
-                      <a:solidFill>
-                        <a:srgbClr val="3EAF7C"/>
-                      </a:solidFill>
-                      <a:prstDash val="sysDot"/>
-                    </a:lnB>
-                    <a:noFill/>
-                  </a:tcPr>
-                </a:tc>
-                <a:tc hMerge="1">
-                  <a:tcPr>
-                    <a:lnL w="28575">
-                      <a:solidFill>
-                        <a:srgbClr val="3EAF7C"/>
-                      </a:solidFill>
-                      <a:prstDash val="solid"/>
-                    </a:lnL>
-                    <a:lnR w="28575">
-                      <a:solidFill>
-                        <a:srgbClr val="3EAF7C"/>
-                      </a:solidFill>
-                      <a:prstDash val="solid"/>
-                    </a:lnR>
-                    <a:lnT w="12700">
-                      <a:solidFill>
-                        <a:srgbClr val="3EAF7C"/>
-                      </a:solidFill>
-                      <a:prstDash val="sysDot"/>
-                    </a:lnT>
-                    <a:lnB w="12700">
-                      <a:solidFill>
-                        <a:srgbClr val="3EAF7C"/>
-                      </a:solidFill>
-                      <a:prstDash val="sysDot"/>
-                    </a:lnB>
-                    <a:noFill/>
-                  </a:tcPr>
-                </a:tc>
-                <a:tc hMerge="1">
-                  <a:tcPr>
-                    <a:lnL w="28575">
-                      <a:solidFill>
-                        <a:srgbClr val="3EAF7C"/>
-                      </a:solidFill>
-                      <a:prstDash val="solid"/>
-                    </a:lnL>
-                    <a:lnR w="28575">
-                      <a:solidFill>
-                        <a:srgbClr val="3EAF7C"/>
-                      </a:solidFill>
-                      <a:prstDash val="solid"/>
-                    </a:lnR>
-                    <a:lnT w="12700">
-                      <a:solidFill>
-                        <a:srgbClr val="3EAF7C"/>
-                      </a:solidFill>
-                      <a:prstDash val="sysDot"/>
-                    </a:lnT>
-                    <a:lnB w="12700">
-                      <a:solidFill>
-                        <a:srgbClr val="3EAF7C"/>
-                      </a:solidFill>
-                      <a:prstDash val="sysDot"/>
-                    </a:lnB>
-                    <a:noFill/>
-                  </a:tcPr>
-                </a:tc>
-                <a:tc hMerge="1">
+                <a:tc hMerge="true">
+                  <a:tcPr>
+                    <a:lnL w="28575">
+                      <a:solidFill>
+                        <a:srgbClr val="3EAF7C"/>
+                      </a:solidFill>
+                      <a:prstDash val="solid"/>
+                    </a:lnL>
+                    <a:lnR w="28575">
+                      <a:solidFill>
+                        <a:srgbClr val="3EAF7C"/>
+                      </a:solidFill>
+                      <a:prstDash val="solid"/>
+                    </a:lnR>
+                    <a:lnT w="12700">
+                      <a:solidFill>
+                        <a:srgbClr val="3EAF7C"/>
+                      </a:solidFill>
+                      <a:prstDash val="sysDot"/>
+                    </a:lnT>
+                    <a:lnB w="12700">
+                      <a:solidFill>
+                        <a:srgbClr val="3EAF7C"/>
+                      </a:solidFill>
+                      <a:prstDash val="sysDot"/>
+                    </a:lnB>
+                    <a:noFill/>
+                  </a:tcPr>
+                </a:tc>
+                <a:tc hMerge="true">
+                  <a:tcPr>
+                    <a:lnL w="28575">
+                      <a:solidFill>
+                        <a:srgbClr val="3EAF7C"/>
+                      </a:solidFill>
+                      <a:prstDash val="solid"/>
+                    </a:lnL>
+                    <a:lnR w="28575">
+                      <a:solidFill>
+                        <a:srgbClr val="3EAF7C"/>
+                      </a:solidFill>
+                      <a:prstDash val="solid"/>
+                    </a:lnR>
+                    <a:lnT w="12700">
+                      <a:solidFill>
+                        <a:srgbClr val="3EAF7C"/>
+                      </a:solidFill>
+                      <a:prstDash val="sysDot"/>
+                    </a:lnT>
+                    <a:lnB w="12700">
+                      <a:solidFill>
+                        <a:srgbClr val="3EAF7C"/>
+                      </a:solidFill>
+                      <a:prstDash val="sysDot"/>
+                    </a:lnB>
+                    <a:noFill/>
+                  </a:tcPr>
+                </a:tc>
+                <a:tc hMerge="true">
+                  <a:tcPr>
+                    <a:lnL w="28575">
+                      <a:solidFill>
+                        <a:srgbClr val="3EAF7C"/>
+                      </a:solidFill>
+                      <a:prstDash val="solid"/>
+                    </a:lnL>
+                    <a:lnR w="28575">
+                      <a:solidFill>
+                        <a:srgbClr val="3EAF7C"/>
+                      </a:solidFill>
+                      <a:prstDash val="solid"/>
+                    </a:lnR>
+                    <a:lnT w="12700">
+                      <a:solidFill>
+                        <a:srgbClr val="3EAF7C"/>
+                      </a:solidFill>
+                      <a:prstDash val="sysDot"/>
+                    </a:lnT>
+                    <a:lnB w="12700">
+                      <a:solidFill>
+                        <a:srgbClr val="3EAF7C"/>
+                      </a:solidFill>
+                      <a:prstDash val="sysDot"/>
+                    </a:lnB>
+                    <a:noFill/>
+                  </a:tcPr>
+                </a:tc>
+                <a:tc hMerge="true">
+                  <a:tcPr>
+                    <a:lnL w="28575">
+                      <a:solidFill>
+                        <a:srgbClr val="3EAF7C"/>
+                      </a:solidFill>
+                      <a:prstDash val="solid"/>
+                    </a:lnL>
+                    <a:lnR w="28575">
+                      <a:solidFill>
+                        <a:srgbClr val="3EAF7C"/>
+                      </a:solidFill>
+                      <a:prstDash val="solid"/>
+                    </a:lnR>
+                    <a:lnT w="12700">
+                      <a:solidFill>
+                        <a:srgbClr val="3EAF7C"/>
+                      </a:solidFill>
+                      <a:prstDash val="sysDot"/>
+                    </a:lnT>
+                    <a:lnB w="12700">
+                      <a:solidFill>
+                        <a:srgbClr val="3EAF7C"/>
+                      </a:solidFill>
+                      <a:prstDash val="sysDot"/>
+                    </a:lnB>
+                    <a:noFill/>
+                  </a:tcPr>
+                </a:tc>
+                <a:tc hMerge="true">
+                  <a:tcPr>
+                    <a:lnL w="28575">
+                      <a:solidFill>
+                        <a:srgbClr val="3EAF7C"/>
+                      </a:solidFill>
+                      <a:prstDash val="solid"/>
+                    </a:lnL>
+                    <a:lnR w="28575">
+                      <a:solidFill>
+                        <a:srgbClr val="3EAF7C"/>
+                      </a:solidFill>
+                      <a:prstDash val="solid"/>
+                    </a:lnR>
+                    <a:lnT w="12700">
+                      <a:solidFill>
+                        <a:srgbClr val="3EAF7C"/>
+                      </a:solidFill>
+                      <a:prstDash val="sysDot"/>
+                    </a:lnT>
+                    <a:lnB w="12700">
+                      <a:solidFill>
+                        <a:srgbClr val="3EAF7C"/>
+                      </a:solidFill>
+                      <a:prstDash val="sysDot"/>
+                    </a:lnB>
+                    <a:noFill/>
+                  </a:tcPr>
+                </a:tc>
+                <a:tc hMerge="true">
+                  <a:tcPr>
+                    <a:lnL w="28575">
+                      <a:solidFill>
+                        <a:srgbClr val="3EAF7C"/>
+                      </a:solidFill>
+                      <a:prstDash val="solid"/>
+                    </a:lnL>
+                    <a:lnR w="28575">
+                      <a:solidFill>
+                        <a:srgbClr val="3EAF7C"/>
+                      </a:solidFill>
+                      <a:prstDash val="solid"/>
+                    </a:lnR>
+                    <a:lnT w="12700">
+                      <a:solidFill>
+                        <a:srgbClr val="3EAF7C"/>
+                      </a:solidFill>
+                      <a:prstDash val="sysDot"/>
+                    </a:lnT>
+                    <a:lnB w="12700">
+                      <a:solidFill>
+                        <a:srgbClr val="3EAF7C"/>
+                      </a:solidFill>
+                      <a:prstDash val="sysDot"/>
+                    </a:lnB>
+                    <a:noFill/>
+                  </a:tcPr>
+                </a:tc>
+                <a:tc hMerge="true">
+                  <a:tcPr>
+                    <a:lnL w="28575">
+                      <a:solidFill>
+                        <a:srgbClr val="3EAF7C"/>
+                      </a:solidFill>
+                      <a:prstDash val="solid"/>
+                    </a:lnL>
+                    <a:lnR w="28575">
+                      <a:solidFill>
+                        <a:srgbClr val="3EAF7C"/>
+                      </a:solidFill>
+                      <a:prstDash val="solid"/>
+                    </a:lnR>
+                    <a:lnT w="12700">
+                      <a:solidFill>
+                        <a:srgbClr val="3EAF7C"/>
+                      </a:solidFill>
+                      <a:prstDash val="sysDot"/>
+                    </a:lnT>
+                    <a:lnB w="12700">
+                      <a:solidFill>
+                        <a:srgbClr val="3EAF7C"/>
+                      </a:solidFill>
+                      <a:prstDash val="sysDot"/>
+                    </a:lnB>
+                    <a:noFill/>
+                  </a:tcPr>
+                </a:tc>
+                <a:tc hMerge="true">
+                  <a:tcPr>
+                    <a:lnL w="28575">
+                      <a:solidFill>
+                        <a:srgbClr val="3EAF7C"/>
+                      </a:solidFill>
+                      <a:prstDash val="solid"/>
+                    </a:lnL>
+                    <a:lnR w="28575">
+                      <a:solidFill>
+                        <a:srgbClr val="3EAF7C"/>
+                      </a:solidFill>
+                      <a:prstDash val="solid"/>
+                    </a:lnR>
+                    <a:lnT w="12700">
+                      <a:solidFill>
+                        <a:srgbClr val="3EAF7C"/>
+                      </a:solidFill>
+                      <a:prstDash val="sysDot"/>
+                    </a:lnT>
+                    <a:lnB w="12700">
+                      <a:solidFill>
+                        <a:srgbClr val="3EAF7C"/>
+                      </a:solidFill>
+                      <a:prstDash val="sysDot"/>
+                    </a:lnB>
+                    <a:noFill/>
+                  </a:tcPr>
+                </a:tc>
+                <a:tc hMerge="true">
                   <a:tcPr>
                     <a:lnL w="28575">
                       <a:solidFill>
@@ -4425,14 +4427,14 @@
                         <a:buNone/>
                       </a:pPr>
                       <a:r>
-                        <a:rPr lang="" altLang="zh-CN" sz="600" b="1">
+                        <a:rPr lang="en-US" altLang="zh-CN" sz="600" b="1">
                           <a:solidFill>
                             <a:srgbClr val="2C3E50"/>
                           </a:solidFill>
                         </a:rPr>
                         <a:t>off_dt_stuct</a:t>
                       </a:r>
-                      <a:endParaRPr lang="" altLang="zh-CN" sz="600" b="1">
+                      <a:endParaRPr lang="en-US" altLang="zh-CN" sz="600" b="1">
                         <a:solidFill>
                           <a:srgbClr val="2C3E50"/>
                         </a:solidFill>
@@ -4467,239 +4469,239 @@
                     <a:noFill/>
                   </a:tcPr>
                 </a:tc>
-                <a:tc hMerge="1">
-                  <a:tcPr>
-                    <a:lnL w="28575">
-                      <a:solidFill>
-                        <a:srgbClr val="3EAF7C"/>
-                      </a:solidFill>
-                      <a:prstDash val="solid"/>
-                    </a:lnL>
-                    <a:lnR w="28575">
-                      <a:solidFill>
-                        <a:srgbClr val="3EAF7C"/>
-                      </a:solidFill>
-                      <a:prstDash val="solid"/>
-                    </a:lnR>
-                    <a:lnT w="12700">
-                      <a:solidFill>
-                        <a:srgbClr val="3EAF7C"/>
-                      </a:solidFill>
-                      <a:prstDash val="sysDot"/>
-                    </a:lnT>
-                    <a:lnB w="12700">
-                      <a:solidFill>
-                        <a:srgbClr val="3EAF7C"/>
-                      </a:solidFill>
-                      <a:prstDash val="sysDot"/>
-                    </a:lnB>
-                    <a:noFill/>
-                  </a:tcPr>
-                </a:tc>
-                <a:tc hMerge="1">
-                  <a:tcPr>
-                    <a:lnL w="28575">
-                      <a:solidFill>
-                        <a:srgbClr val="3EAF7C"/>
-                      </a:solidFill>
-                      <a:prstDash val="solid"/>
-                    </a:lnL>
-                    <a:lnR w="28575">
-                      <a:solidFill>
-                        <a:srgbClr val="3EAF7C"/>
-                      </a:solidFill>
-                      <a:prstDash val="solid"/>
-                    </a:lnR>
-                    <a:lnT w="12700">
-                      <a:solidFill>
-                        <a:srgbClr val="3EAF7C"/>
-                      </a:solidFill>
-                      <a:prstDash val="sysDot"/>
-                    </a:lnT>
-                    <a:lnB w="12700">
-                      <a:solidFill>
-                        <a:srgbClr val="3EAF7C"/>
-                      </a:solidFill>
-                      <a:prstDash val="sysDot"/>
-                    </a:lnB>
-                    <a:noFill/>
-                  </a:tcPr>
-                </a:tc>
-                <a:tc hMerge="1">
-                  <a:tcPr>
-                    <a:lnL w="28575">
-                      <a:solidFill>
-                        <a:srgbClr val="3EAF7C"/>
-                      </a:solidFill>
-                      <a:prstDash val="solid"/>
-                    </a:lnL>
-                    <a:lnR w="28575">
-                      <a:solidFill>
-                        <a:srgbClr val="3EAF7C"/>
-                      </a:solidFill>
-                      <a:prstDash val="solid"/>
-                    </a:lnR>
-                    <a:lnT w="12700">
-                      <a:solidFill>
-                        <a:srgbClr val="3EAF7C"/>
-                      </a:solidFill>
-                      <a:prstDash val="sysDot"/>
-                    </a:lnT>
-                    <a:lnB w="12700">
-                      <a:solidFill>
-                        <a:srgbClr val="3EAF7C"/>
-                      </a:solidFill>
-                      <a:prstDash val="sysDot"/>
-                    </a:lnB>
-                    <a:noFill/>
-                  </a:tcPr>
-                </a:tc>
-                <a:tc hMerge="1">
-                  <a:tcPr>
-                    <a:lnL w="28575">
-                      <a:solidFill>
-                        <a:srgbClr val="3EAF7C"/>
-                      </a:solidFill>
-                      <a:prstDash val="solid"/>
-                    </a:lnL>
-                    <a:lnR w="28575">
-                      <a:solidFill>
-                        <a:srgbClr val="3EAF7C"/>
-                      </a:solidFill>
-                      <a:prstDash val="solid"/>
-                    </a:lnR>
-                    <a:lnT w="12700">
-                      <a:solidFill>
-                        <a:srgbClr val="3EAF7C"/>
-                      </a:solidFill>
-                      <a:prstDash val="sysDot"/>
-                    </a:lnT>
-                    <a:lnB w="12700">
-                      <a:solidFill>
-                        <a:srgbClr val="3EAF7C"/>
-                      </a:solidFill>
-                      <a:prstDash val="sysDot"/>
-                    </a:lnB>
-                    <a:noFill/>
-                  </a:tcPr>
-                </a:tc>
-                <a:tc hMerge="1">
-                  <a:tcPr>
-                    <a:lnL w="28575">
-                      <a:solidFill>
-                        <a:srgbClr val="3EAF7C"/>
-                      </a:solidFill>
-                      <a:prstDash val="solid"/>
-                    </a:lnL>
-                    <a:lnR w="28575">
-                      <a:solidFill>
-                        <a:srgbClr val="3EAF7C"/>
-                      </a:solidFill>
-                      <a:prstDash val="solid"/>
-                    </a:lnR>
-                    <a:lnT w="12700">
-                      <a:solidFill>
-                        <a:srgbClr val="3EAF7C"/>
-                      </a:solidFill>
-                      <a:prstDash val="sysDot"/>
-                    </a:lnT>
-                    <a:lnB w="12700">
-                      <a:solidFill>
-                        <a:srgbClr val="3EAF7C"/>
-                      </a:solidFill>
-                      <a:prstDash val="sysDot"/>
-                    </a:lnB>
-                    <a:noFill/>
-                  </a:tcPr>
-                </a:tc>
-                <a:tc hMerge="1">
-                  <a:tcPr>
-                    <a:lnL w="28575">
-                      <a:solidFill>
-                        <a:srgbClr val="3EAF7C"/>
-                      </a:solidFill>
-                      <a:prstDash val="solid"/>
-                    </a:lnL>
-                    <a:lnR w="28575">
-                      <a:solidFill>
-                        <a:srgbClr val="3EAF7C"/>
-                      </a:solidFill>
-                      <a:prstDash val="solid"/>
-                    </a:lnR>
-                    <a:lnT w="12700">
-                      <a:solidFill>
-                        <a:srgbClr val="3EAF7C"/>
-                      </a:solidFill>
-                      <a:prstDash val="sysDot"/>
-                    </a:lnT>
-                    <a:lnB w="12700">
-                      <a:solidFill>
-                        <a:srgbClr val="3EAF7C"/>
-                      </a:solidFill>
-                      <a:prstDash val="sysDot"/>
-                    </a:lnB>
-                    <a:noFill/>
-                  </a:tcPr>
-                </a:tc>
-                <a:tc hMerge="1">
-                  <a:tcPr>
-                    <a:lnL w="28575">
-                      <a:solidFill>
-                        <a:srgbClr val="3EAF7C"/>
-                      </a:solidFill>
-                      <a:prstDash val="solid"/>
-                    </a:lnL>
-                    <a:lnR w="28575">
-                      <a:solidFill>
-                        <a:srgbClr val="3EAF7C"/>
-                      </a:solidFill>
-                      <a:prstDash val="solid"/>
-                    </a:lnR>
-                    <a:lnT w="12700">
-                      <a:solidFill>
-                        <a:srgbClr val="3EAF7C"/>
-                      </a:solidFill>
-                      <a:prstDash val="sysDot"/>
-                    </a:lnT>
-                    <a:lnB w="12700">
-                      <a:solidFill>
-                        <a:srgbClr val="3EAF7C"/>
-                      </a:solidFill>
-                      <a:prstDash val="sysDot"/>
-                    </a:lnB>
-                    <a:noFill/>
-                  </a:tcPr>
-                </a:tc>
-                <a:tc hMerge="1">
-                  <a:tcPr>
-                    <a:lnL w="28575">
-                      <a:solidFill>
-                        <a:srgbClr val="3EAF7C"/>
-                      </a:solidFill>
-                      <a:prstDash val="solid"/>
-                    </a:lnL>
-                    <a:lnR w="28575">
-                      <a:solidFill>
-                        <a:srgbClr val="3EAF7C"/>
-                      </a:solidFill>
-                      <a:prstDash val="solid"/>
-                    </a:lnR>
-                    <a:lnT w="12700">
-                      <a:solidFill>
-                        <a:srgbClr val="3EAF7C"/>
-                      </a:solidFill>
-                      <a:prstDash val="sysDot"/>
-                    </a:lnT>
-                    <a:lnB w="12700">
-                      <a:solidFill>
-                        <a:srgbClr val="3EAF7C"/>
-                      </a:solidFill>
-                      <a:prstDash val="sysDot"/>
-                    </a:lnB>
-                    <a:noFill/>
-                  </a:tcPr>
-                </a:tc>
-                <a:tc hMerge="1">
+                <a:tc hMerge="true">
+                  <a:tcPr>
+                    <a:lnL w="28575">
+                      <a:solidFill>
+                        <a:srgbClr val="3EAF7C"/>
+                      </a:solidFill>
+                      <a:prstDash val="solid"/>
+                    </a:lnL>
+                    <a:lnR w="28575">
+                      <a:solidFill>
+                        <a:srgbClr val="3EAF7C"/>
+                      </a:solidFill>
+                      <a:prstDash val="solid"/>
+                    </a:lnR>
+                    <a:lnT w="12700">
+                      <a:solidFill>
+                        <a:srgbClr val="3EAF7C"/>
+                      </a:solidFill>
+                      <a:prstDash val="sysDot"/>
+                    </a:lnT>
+                    <a:lnB w="12700">
+                      <a:solidFill>
+                        <a:srgbClr val="3EAF7C"/>
+                      </a:solidFill>
+                      <a:prstDash val="sysDot"/>
+                    </a:lnB>
+                    <a:noFill/>
+                  </a:tcPr>
+                </a:tc>
+                <a:tc hMerge="true">
+                  <a:tcPr>
+                    <a:lnL w="28575">
+                      <a:solidFill>
+                        <a:srgbClr val="3EAF7C"/>
+                      </a:solidFill>
+                      <a:prstDash val="solid"/>
+                    </a:lnL>
+                    <a:lnR w="28575">
+                      <a:solidFill>
+                        <a:srgbClr val="3EAF7C"/>
+                      </a:solidFill>
+                      <a:prstDash val="solid"/>
+                    </a:lnR>
+                    <a:lnT w="12700">
+                      <a:solidFill>
+                        <a:srgbClr val="3EAF7C"/>
+                      </a:solidFill>
+                      <a:prstDash val="sysDot"/>
+                    </a:lnT>
+                    <a:lnB w="12700">
+                      <a:solidFill>
+                        <a:srgbClr val="3EAF7C"/>
+                      </a:solidFill>
+                      <a:prstDash val="sysDot"/>
+                    </a:lnB>
+                    <a:noFill/>
+                  </a:tcPr>
+                </a:tc>
+                <a:tc hMerge="true">
+                  <a:tcPr>
+                    <a:lnL w="28575">
+                      <a:solidFill>
+                        <a:srgbClr val="3EAF7C"/>
+                      </a:solidFill>
+                      <a:prstDash val="solid"/>
+                    </a:lnL>
+                    <a:lnR w="28575">
+                      <a:solidFill>
+                        <a:srgbClr val="3EAF7C"/>
+                      </a:solidFill>
+                      <a:prstDash val="solid"/>
+                    </a:lnR>
+                    <a:lnT w="12700">
+                      <a:solidFill>
+                        <a:srgbClr val="3EAF7C"/>
+                      </a:solidFill>
+                      <a:prstDash val="sysDot"/>
+                    </a:lnT>
+                    <a:lnB w="12700">
+                      <a:solidFill>
+                        <a:srgbClr val="3EAF7C"/>
+                      </a:solidFill>
+                      <a:prstDash val="sysDot"/>
+                    </a:lnB>
+                    <a:noFill/>
+                  </a:tcPr>
+                </a:tc>
+                <a:tc hMerge="true">
+                  <a:tcPr>
+                    <a:lnL w="28575">
+                      <a:solidFill>
+                        <a:srgbClr val="3EAF7C"/>
+                      </a:solidFill>
+                      <a:prstDash val="solid"/>
+                    </a:lnL>
+                    <a:lnR w="28575">
+                      <a:solidFill>
+                        <a:srgbClr val="3EAF7C"/>
+                      </a:solidFill>
+                      <a:prstDash val="solid"/>
+                    </a:lnR>
+                    <a:lnT w="12700">
+                      <a:solidFill>
+                        <a:srgbClr val="3EAF7C"/>
+                      </a:solidFill>
+                      <a:prstDash val="sysDot"/>
+                    </a:lnT>
+                    <a:lnB w="12700">
+                      <a:solidFill>
+                        <a:srgbClr val="3EAF7C"/>
+                      </a:solidFill>
+                      <a:prstDash val="sysDot"/>
+                    </a:lnB>
+                    <a:noFill/>
+                  </a:tcPr>
+                </a:tc>
+                <a:tc hMerge="true">
+                  <a:tcPr>
+                    <a:lnL w="28575">
+                      <a:solidFill>
+                        <a:srgbClr val="3EAF7C"/>
+                      </a:solidFill>
+                      <a:prstDash val="solid"/>
+                    </a:lnL>
+                    <a:lnR w="28575">
+                      <a:solidFill>
+                        <a:srgbClr val="3EAF7C"/>
+                      </a:solidFill>
+                      <a:prstDash val="solid"/>
+                    </a:lnR>
+                    <a:lnT w="12700">
+                      <a:solidFill>
+                        <a:srgbClr val="3EAF7C"/>
+                      </a:solidFill>
+                      <a:prstDash val="sysDot"/>
+                    </a:lnT>
+                    <a:lnB w="12700">
+                      <a:solidFill>
+                        <a:srgbClr val="3EAF7C"/>
+                      </a:solidFill>
+                      <a:prstDash val="sysDot"/>
+                    </a:lnB>
+                    <a:noFill/>
+                  </a:tcPr>
+                </a:tc>
+                <a:tc hMerge="true">
+                  <a:tcPr>
+                    <a:lnL w="28575">
+                      <a:solidFill>
+                        <a:srgbClr val="3EAF7C"/>
+                      </a:solidFill>
+                      <a:prstDash val="solid"/>
+                    </a:lnL>
+                    <a:lnR w="28575">
+                      <a:solidFill>
+                        <a:srgbClr val="3EAF7C"/>
+                      </a:solidFill>
+                      <a:prstDash val="solid"/>
+                    </a:lnR>
+                    <a:lnT w="12700">
+                      <a:solidFill>
+                        <a:srgbClr val="3EAF7C"/>
+                      </a:solidFill>
+                      <a:prstDash val="sysDot"/>
+                    </a:lnT>
+                    <a:lnB w="12700">
+                      <a:solidFill>
+                        <a:srgbClr val="3EAF7C"/>
+                      </a:solidFill>
+                      <a:prstDash val="sysDot"/>
+                    </a:lnB>
+                    <a:noFill/>
+                  </a:tcPr>
+                </a:tc>
+                <a:tc hMerge="true">
+                  <a:tcPr>
+                    <a:lnL w="28575">
+                      <a:solidFill>
+                        <a:srgbClr val="3EAF7C"/>
+                      </a:solidFill>
+                      <a:prstDash val="solid"/>
+                    </a:lnL>
+                    <a:lnR w="28575">
+                      <a:solidFill>
+                        <a:srgbClr val="3EAF7C"/>
+                      </a:solidFill>
+                      <a:prstDash val="solid"/>
+                    </a:lnR>
+                    <a:lnT w="12700">
+                      <a:solidFill>
+                        <a:srgbClr val="3EAF7C"/>
+                      </a:solidFill>
+                      <a:prstDash val="sysDot"/>
+                    </a:lnT>
+                    <a:lnB w="12700">
+                      <a:solidFill>
+                        <a:srgbClr val="3EAF7C"/>
+                      </a:solidFill>
+                      <a:prstDash val="sysDot"/>
+                    </a:lnB>
+                    <a:noFill/>
+                  </a:tcPr>
+                </a:tc>
+                <a:tc hMerge="true">
+                  <a:tcPr>
+                    <a:lnL w="28575">
+                      <a:solidFill>
+                        <a:srgbClr val="3EAF7C"/>
+                      </a:solidFill>
+                      <a:prstDash val="solid"/>
+                    </a:lnL>
+                    <a:lnR w="28575">
+                      <a:solidFill>
+                        <a:srgbClr val="3EAF7C"/>
+                      </a:solidFill>
+                      <a:prstDash val="solid"/>
+                    </a:lnR>
+                    <a:lnT w="12700">
+                      <a:solidFill>
+                        <a:srgbClr val="3EAF7C"/>
+                      </a:solidFill>
+                      <a:prstDash val="sysDot"/>
+                    </a:lnT>
+                    <a:lnB w="12700">
+                      <a:solidFill>
+                        <a:srgbClr val="3EAF7C"/>
+                      </a:solidFill>
+                      <a:prstDash val="sysDot"/>
+                    </a:lnB>
+                    <a:noFill/>
+                  </a:tcPr>
+                </a:tc>
+                <a:tc hMerge="true">
                   <a:tcPr>
                     <a:lnL w="28575">
                       <a:solidFill>
@@ -4738,14 +4740,14 @@
                         <a:buNone/>
                       </a:pPr>
                       <a:r>
-                        <a:rPr lang="" altLang="zh-CN" sz="600" b="1">
+                        <a:rPr lang="en-US" altLang="zh-CN" sz="600" b="1">
                           <a:solidFill>
                             <a:srgbClr val="2C3E50"/>
                           </a:solidFill>
                         </a:rPr>
                         <a:t>off_td_strings</a:t>
                       </a:r>
-                      <a:endParaRPr lang="" altLang="zh-CN" sz="600" b="1">
+                      <a:endParaRPr lang="en-US" altLang="zh-CN" sz="600" b="1">
                         <a:solidFill>
                           <a:srgbClr val="2C3E50"/>
                         </a:solidFill>
@@ -4780,239 +4782,239 @@
                     <a:noFill/>
                   </a:tcPr>
                 </a:tc>
-                <a:tc hMerge="1">
-                  <a:tcPr>
-                    <a:lnL w="28575">
-                      <a:solidFill>
-                        <a:srgbClr val="3EAF7C"/>
-                      </a:solidFill>
-                      <a:prstDash val="solid"/>
-                    </a:lnL>
-                    <a:lnR w="28575">
-                      <a:solidFill>
-                        <a:srgbClr val="3EAF7C"/>
-                      </a:solidFill>
-                      <a:prstDash val="solid"/>
-                    </a:lnR>
-                    <a:lnT w="12700">
-                      <a:solidFill>
-                        <a:srgbClr val="3EAF7C"/>
-                      </a:solidFill>
-                      <a:prstDash val="sysDot"/>
-                    </a:lnT>
-                    <a:lnB w="12700">
-                      <a:solidFill>
-                        <a:srgbClr val="3EAF7C"/>
-                      </a:solidFill>
-                      <a:prstDash val="sysDot"/>
-                    </a:lnB>
-                    <a:noFill/>
-                  </a:tcPr>
-                </a:tc>
-                <a:tc hMerge="1">
-                  <a:tcPr>
-                    <a:lnL w="28575">
-                      <a:solidFill>
-                        <a:srgbClr val="3EAF7C"/>
-                      </a:solidFill>
-                      <a:prstDash val="solid"/>
-                    </a:lnL>
-                    <a:lnR w="28575">
-                      <a:solidFill>
-                        <a:srgbClr val="3EAF7C"/>
-                      </a:solidFill>
-                      <a:prstDash val="solid"/>
-                    </a:lnR>
-                    <a:lnT w="12700">
-                      <a:solidFill>
-                        <a:srgbClr val="3EAF7C"/>
-                      </a:solidFill>
-                      <a:prstDash val="sysDot"/>
-                    </a:lnT>
-                    <a:lnB w="12700">
-                      <a:solidFill>
-                        <a:srgbClr val="3EAF7C"/>
-                      </a:solidFill>
-                      <a:prstDash val="sysDot"/>
-                    </a:lnB>
-                    <a:noFill/>
-                  </a:tcPr>
-                </a:tc>
-                <a:tc hMerge="1">
-                  <a:tcPr>
-                    <a:lnL w="28575">
-                      <a:solidFill>
-                        <a:srgbClr val="3EAF7C"/>
-                      </a:solidFill>
-                      <a:prstDash val="solid"/>
-                    </a:lnL>
-                    <a:lnR w="28575">
-                      <a:solidFill>
-                        <a:srgbClr val="3EAF7C"/>
-                      </a:solidFill>
-                      <a:prstDash val="solid"/>
-                    </a:lnR>
-                    <a:lnT w="12700">
-                      <a:solidFill>
-                        <a:srgbClr val="3EAF7C"/>
-                      </a:solidFill>
-                      <a:prstDash val="sysDot"/>
-                    </a:lnT>
-                    <a:lnB w="12700">
-                      <a:solidFill>
-                        <a:srgbClr val="3EAF7C"/>
-                      </a:solidFill>
-                      <a:prstDash val="sysDot"/>
-                    </a:lnB>
-                    <a:noFill/>
-                  </a:tcPr>
-                </a:tc>
-                <a:tc hMerge="1">
-                  <a:tcPr>
-                    <a:lnL w="28575">
-                      <a:solidFill>
-                        <a:srgbClr val="3EAF7C"/>
-                      </a:solidFill>
-                      <a:prstDash val="solid"/>
-                    </a:lnL>
-                    <a:lnR w="28575">
-                      <a:solidFill>
-                        <a:srgbClr val="3EAF7C"/>
-                      </a:solidFill>
-                      <a:prstDash val="solid"/>
-                    </a:lnR>
-                    <a:lnT w="12700">
-                      <a:solidFill>
-                        <a:srgbClr val="3EAF7C"/>
-                      </a:solidFill>
-                      <a:prstDash val="sysDot"/>
-                    </a:lnT>
-                    <a:lnB w="12700">
-                      <a:solidFill>
-                        <a:srgbClr val="3EAF7C"/>
-                      </a:solidFill>
-                      <a:prstDash val="sysDot"/>
-                    </a:lnB>
-                    <a:noFill/>
-                  </a:tcPr>
-                </a:tc>
-                <a:tc hMerge="1">
-                  <a:tcPr>
-                    <a:lnL w="28575">
-                      <a:solidFill>
-                        <a:srgbClr val="3EAF7C"/>
-                      </a:solidFill>
-                      <a:prstDash val="solid"/>
-                    </a:lnL>
-                    <a:lnR w="28575">
-                      <a:solidFill>
-                        <a:srgbClr val="3EAF7C"/>
-                      </a:solidFill>
-                      <a:prstDash val="solid"/>
-                    </a:lnR>
-                    <a:lnT w="12700">
-                      <a:solidFill>
-                        <a:srgbClr val="3EAF7C"/>
-                      </a:solidFill>
-                      <a:prstDash val="sysDot"/>
-                    </a:lnT>
-                    <a:lnB w="12700">
-                      <a:solidFill>
-                        <a:srgbClr val="3EAF7C"/>
-                      </a:solidFill>
-                      <a:prstDash val="sysDot"/>
-                    </a:lnB>
-                    <a:noFill/>
-                  </a:tcPr>
-                </a:tc>
-                <a:tc hMerge="1">
-                  <a:tcPr>
-                    <a:lnL w="28575">
-                      <a:solidFill>
-                        <a:srgbClr val="3EAF7C"/>
-                      </a:solidFill>
-                      <a:prstDash val="solid"/>
-                    </a:lnL>
-                    <a:lnR w="28575">
-                      <a:solidFill>
-                        <a:srgbClr val="3EAF7C"/>
-                      </a:solidFill>
-                      <a:prstDash val="solid"/>
-                    </a:lnR>
-                    <a:lnT w="12700">
-                      <a:solidFill>
-                        <a:srgbClr val="3EAF7C"/>
-                      </a:solidFill>
-                      <a:prstDash val="sysDot"/>
-                    </a:lnT>
-                    <a:lnB w="12700">
-                      <a:solidFill>
-                        <a:srgbClr val="3EAF7C"/>
-                      </a:solidFill>
-                      <a:prstDash val="sysDot"/>
-                    </a:lnB>
-                    <a:noFill/>
-                  </a:tcPr>
-                </a:tc>
-                <a:tc hMerge="1">
-                  <a:tcPr>
-                    <a:lnL w="28575">
-                      <a:solidFill>
-                        <a:srgbClr val="3EAF7C"/>
-                      </a:solidFill>
-                      <a:prstDash val="solid"/>
-                    </a:lnL>
-                    <a:lnR w="28575">
-                      <a:solidFill>
-                        <a:srgbClr val="3EAF7C"/>
-                      </a:solidFill>
-                      <a:prstDash val="solid"/>
-                    </a:lnR>
-                    <a:lnT w="12700">
-                      <a:solidFill>
-                        <a:srgbClr val="3EAF7C"/>
-                      </a:solidFill>
-                      <a:prstDash val="sysDot"/>
-                    </a:lnT>
-                    <a:lnB w="12700">
-                      <a:solidFill>
-                        <a:srgbClr val="3EAF7C"/>
-                      </a:solidFill>
-                      <a:prstDash val="sysDot"/>
-                    </a:lnB>
-                    <a:noFill/>
-                  </a:tcPr>
-                </a:tc>
-                <a:tc hMerge="1">
-                  <a:tcPr>
-                    <a:lnL w="28575">
-                      <a:solidFill>
-                        <a:srgbClr val="3EAF7C"/>
-                      </a:solidFill>
-                      <a:prstDash val="solid"/>
-                    </a:lnL>
-                    <a:lnR w="28575">
-                      <a:solidFill>
-                        <a:srgbClr val="3EAF7C"/>
-                      </a:solidFill>
-                      <a:prstDash val="solid"/>
-                    </a:lnR>
-                    <a:lnT w="12700">
-                      <a:solidFill>
-                        <a:srgbClr val="3EAF7C"/>
-                      </a:solidFill>
-                      <a:prstDash val="sysDot"/>
-                    </a:lnT>
-                    <a:lnB w="12700">
-                      <a:solidFill>
-                        <a:srgbClr val="3EAF7C"/>
-                      </a:solidFill>
-                      <a:prstDash val="sysDot"/>
-                    </a:lnB>
-                    <a:noFill/>
-                  </a:tcPr>
-                </a:tc>
-                <a:tc hMerge="1">
+                <a:tc hMerge="true">
+                  <a:tcPr>
+                    <a:lnL w="28575">
+                      <a:solidFill>
+                        <a:srgbClr val="3EAF7C"/>
+                      </a:solidFill>
+                      <a:prstDash val="solid"/>
+                    </a:lnL>
+                    <a:lnR w="28575">
+                      <a:solidFill>
+                        <a:srgbClr val="3EAF7C"/>
+                      </a:solidFill>
+                      <a:prstDash val="solid"/>
+                    </a:lnR>
+                    <a:lnT w="12700">
+                      <a:solidFill>
+                        <a:srgbClr val="3EAF7C"/>
+                      </a:solidFill>
+                      <a:prstDash val="sysDot"/>
+                    </a:lnT>
+                    <a:lnB w="12700">
+                      <a:solidFill>
+                        <a:srgbClr val="3EAF7C"/>
+                      </a:solidFill>
+                      <a:prstDash val="sysDot"/>
+                    </a:lnB>
+                    <a:noFill/>
+                  </a:tcPr>
+                </a:tc>
+                <a:tc hMerge="true">
+                  <a:tcPr>
+                    <a:lnL w="28575">
+                      <a:solidFill>
+                        <a:srgbClr val="3EAF7C"/>
+                      </a:solidFill>
+                      <a:prstDash val="solid"/>
+                    </a:lnL>
+                    <a:lnR w="28575">
+                      <a:solidFill>
+                        <a:srgbClr val="3EAF7C"/>
+                      </a:solidFill>
+                      <a:prstDash val="solid"/>
+                    </a:lnR>
+                    <a:lnT w="12700">
+                      <a:solidFill>
+                        <a:srgbClr val="3EAF7C"/>
+                      </a:solidFill>
+                      <a:prstDash val="sysDot"/>
+                    </a:lnT>
+                    <a:lnB w="12700">
+                      <a:solidFill>
+                        <a:srgbClr val="3EAF7C"/>
+                      </a:solidFill>
+                      <a:prstDash val="sysDot"/>
+                    </a:lnB>
+                    <a:noFill/>
+                  </a:tcPr>
+                </a:tc>
+                <a:tc hMerge="true">
+                  <a:tcPr>
+                    <a:lnL w="28575">
+                      <a:solidFill>
+                        <a:srgbClr val="3EAF7C"/>
+                      </a:solidFill>
+                      <a:prstDash val="solid"/>
+                    </a:lnL>
+                    <a:lnR w="28575">
+                      <a:solidFill>
+                        <a:srgbClr val="3EAF7C"/>
+                      </a:solidFill>
+                      <a:prstDash val="solid"/>
+                    </a:lnR>
+                    <a:lnT w="12700">
+                      <a:solidFill>
+                        <a:srgbClr val="3EAF7C"/>
+                      </a:solidFill>
+                      <a:prstDash val="sysDot"/>
+                    </a:lnT>
+                    <a:lnB w="12700">
+                      <a:solidFill>
+                        <a:srgbClr val="3EAF7C"/>
+                      </a:solidFill>
+                      <a:prstDash val="sysDot"/>
+                    </a:lnB>
+                    <a:noFill/>
+                  </a:tcPr>
+                </a:tc>
+                <a:tc hMerge="true">
+                  <a:tcPr>
+                    <a:lnL w="28575">
+                      <a:solidFill>
+                        <a:srgbClr val="3EAF7C"/>
+                      </a:solidFill>
+                      <a:prstDash val="solid"/>
+                    </a:lnL>
+                    <a:lnR w="28575">
+                      <a:solidFill>
+                        <a:srgbClr val="3EAF7C"/>
+                      </a:solidFill>
+                      <a:prstDash val="solid"/>
+                    </a:lnR>
+                    <a:lnT w="12700">
+                      <a:solidFill>
+                        <a:srgbClr val="3EAF7C"/>
+                      </a:solidFill>
+                      <a:prstDash val="sysDot"/>
+                    </a:lnT>
+                    <a:lnB w="12700">
+                      <a:solidFill>
+                        <a:srgbClr val="3EAF7C"/>
+                      </a:solidFill>
+                      <a:prstDash val="sysDot"/>
+                    </a:lnB>
+                    <a:noFill/>
+                  </a:tcPr>
+                </a:tc>
+                <a:tc hMerge="true">
+                  <a:tcPr>
+                    <a:lnL w="28575">
+                      <a:solidFill>
+                        <a:srgbClr val="3EAF7C"/>
+                      </a:solidFill>
+                      <a:prstDash val="solid"/>
+                    </a:lnL>
+                    <a:lnR w="28575">
+                      <a:solidFill>
+                        <a:srgbClr val="3EAF7C"/>
+                      </a:solidFill>
+                      <a:prstDash val="solid"/>
+                    </a:lnR>
+                    <a:lnT w="12700">
+                      <a:solidFill>
+                        <a:srgbClr val="3EAF7C"/>
+                      </a:solidFill>
+                      <a:prstDash val="sysDot"/>
+                    </a:lnT>
+                    <a:lnB w="12700">
+                      <a:solidFill>
+                        <a:srgbClr val="3EAF7C"/>
+                      </a:solidFill>
+                      <a:prstDash val="sysDot"/>
+                    </a:lnB>
+                    <a:noFill/>
+                  </a:tcPr>
+                </a:tc>
+                <a:tc hMerge="true">
+                  <a:tcPr>
+                    <a:lnL w="28575">
+                      <a:solidFill>
+                        <a:srgbClr val="3EAF7C"/>
+                      </a:solidFill>
+                      <a:prstDash val="solid"/>
+                    </a:lnL>
+                    <a:lnR w="28575">
+                      <a:solidFill>
+                        <a:srgbClr val="3EAF7C"/>
+                      </a:solidFill>
+                      <a:prstDash val="solid"/>
+                    </a:lnR>
+                    <a:lnT w="12700">
+                      <a:solidFill>
+                        <a:srgbClr val="3EAF7C"/>
+                      </a:solidFill>
+                      <a:prstDash val="sysDot"/>
+                    </a:lnT>
+                    <a:lnB w="12700">
+                      <a:solidFill>
+                        <a:srgbClr val="3EAF7C"/>
+                      </a:solidFill>
+                      <a:prstDash val="sysDot"/>
+                    </a:lnB>
+                    <a:noFill/>
+                  </a:tcPr>
+                </a:tc>
+                <a:tc hMerge="true">
+                  <a:tcPr>
+                    <a:lnL w="28575">
+                      <a:solidFill>
+                        <a:srgbClr val="3EAF7C"/>
+                      </a:solidFill>
+                      <a:prstDash val="solid"/>
+                    </a:lnL>
+                    <a:lnR w="28575">
+                      <a:solidFill>
+                        <a:srgbClr val="3EAF7C"/>
+                      </a:solidFill>
+                      <a:prstDash val="solid"/>
+                    </a:lnR>
+                    <a:lnT w="12700">
+                      <a:solidFill>
+                        <a:srgbClr val="3EAF7C"/>
+                      </a:solidFill>
+                      <a:prstDash val="sysDot"/>
+                    </a:lnT>
+                    <a:lnB w="12700">
+                      <a:solidFill>
+                        <a:srgbClr val="3EAF7C"/>
+                      </a:solidFill>
+                      <a:prstDash val="sysDot"/>
+                    </a:lnB>
+                    <a:noFill/>
+                  </a:tcPr>
+                </a:tc>
+                <a:tc hMerge="true">
+                  <a:tcPr>
+                    <a:lnL w="28575">
+                      <a:solidFill>
+                        <a:srgbClr val="3EAF7C"/>
+                      </a:solidFill>
+                      <a:prstDash val="solid"/>
+                    </a:lnL>
+                    <a:lnR w="28575">
+                      <a:solidFill>
+                        <a:srgbClr val="3EAF7C"/>
+                      </a:solidFill>
+                      <a:prstDash val="solid"/>
+                    </a:lnR>
+                    <a:lnT w="12700">
+                      <a:solidFill>
+                        <a:srgbClr val="3EAF7C"/>
+                      </a:solidFill>
+                      <a:prstDash val="sysDot"/>
+                    </a:lnT>
+                    <a:lnB w="12700">
+                      <a:solidFill>
+                        <a:srgbClr val="3EAF7C"/>
+                      </a:solidFill>
+                      <a:prstDash val="sysDot"/>
+                    </a:lnB>
+                    <a:noFill/>
+                  </a:tcPr>
+                </a:tc>
+                <a:tc hMerge="true">
                   <a:tcPr>
                     <a:lnL w="28575">
                       <a:solidFill>
@@ -5051,14 +5053,14 @@
                         <a:buNone/>
                       </a:pPr>
                       <a:r>
-                        <a:rPr lang="" altLang="zh-CN" sz="600" b="1">
+                        <a:rPr lang="en-US" altLang="zh-CN" sz="600" b="1">
                           <a:solidFill>
                             <a:srgbClr val="2C3E50"/>
                           </a:solidFill>
                         </a:rPr>
                         <a:t>off_mem_rsvmag</a:t>
                       </a:r>
-                      <a:endParaRPr lang="" altLang="zh-CN" sz="600" b="1">
+                      <a:endParaRPr lang="en-US" altLang="zh-CN" sz="600" b="1">
                         <a:solidFill>
                           <a:srgbClr val="2C3E50"/>
                         </a:solidFill>
@@ -5093,239 +5095,239 @@
                     <a:noFill/>
                   </a:tcPr>
                 </a:tc>
-                <a:tc hMerge="1">
-                  <a:tcPr>
-                    <a:lnL w="28575">
-                      <a:solidFill>
-                        <a:srgbClr val="3EAF7C"/>
-                      </a:solidFill>
-                      <a:prstDash val="solid"/>
-                    </a:lnL>
-                    <a:lnR w="28575">
-                      <a:solidFill>
-                        <a:srgbClr val="3EAF7C"/>
-                      </a:solidFill>
-                      <a:prstDash val="solid"/>
-                    </a:lnR>
-                    <a:lnT w="12700">
-                      <a:solidFill>
-                        <a:srgbClr val="3EAF7C"/>
-                      </a:solidFill>
-                      <a:prstDash val="sysDot"/>
-                    </a:lnT>
-                    <a:lnB w="12700">
-                      <a:solidFill>
-                        <a:srgbClr val="3EAF7C"/>
-                      </a:solidFill>
-                      <a:prstDash val="sysDot"/>
-                    </a:lnB>
-                    <a:noFill/>
-                  </a:tcPr>
-                </a:tc>
-                <a:tc hMerge="1">
-                  <a:tcPr>
-                    <a:lnL w="28575">
-                      <a:solidFill>
-                        <a:srgbClr val="3EAF7C"/>
-                      </a:solidFill>
-                      <a:prstDash val="solid"/>
-                    </a:lnL>
-                    <a:lnR w="28575">
-                      <a:solidFill>
-                        <a:srgbClr val="3EAF7C"/>
-                      </a:solidFill>
-                      <a:prstDash val="solid"/>
-                    </a:lnR>
-                    <a:lnT w="12700">
-                      <a:solidFill>
-                        <a:srgbClr val="3EAF7C"/>
-                      </a:solidFill>
-                      <a:prstDash val="sysDot"/>
-                    </a:lnT>
-                    <a:lnB w="12700">
-                      <a:solidFill>
-                        <a:srgbClr val="3EAF7C"/>
-                      </a:solidFill>
-                      <a:prstDash val="sysDot"/>
-                    </a:lnB>
-                    <a:noFill/>
-                  </a:tcPr>
-                </a:tc>
-                <a:tc hMerge="1">
-                  <a:tcPr>
-                    <a:lnL w="28575">
-                      <a:solidFill>
-                        <a:srgbClr val="3EAF7C"/>
-                      </a:solidFill>
-                      <a:prstDash val="solid"/>
-                    </a:lnL>
-                    <a:lnR w="28575">
-                      <a:solidFill>
-                        <a:srgbClr val="3EAF7C"/>
-                      </a:solidFill>
-                      <a:prstDash val="solid"/>
-                    </a:lnR>
-                    <a:lnT w="12700">
-                      <a:solidFill>
-                        <a:srgbClr val="3EAF7C"/>
-                      </a:solidFill>
-                      <a:prstDash val="sysDot"/>
-                    </a:lnT>
-                    <a:lnB w="12700">
-                      <a:solidFill>
-                        <a:srgbClr val="3EAF7C"/>
-                      </a:solidFill>
-                      <a:prstDash val="sysDot"/>
-                    </a:lnB>
-                    <a:noFill/>
-                  </a:tcPr>
-                </a:tc>
-                <a:tc hMerge="1">
-                  <a:tcPr>
-                    <a:lnL w="28575">
-                      <a:solidFill>
-                        <a:srgbClr val="3EAF7C"/>
-                      </a:solidFill>
-                      <a:prstDash val="solid"/>
-                    </a:lnL>
-                    <a:lnR w="28575">
-                      <a:solidFill>
-                        <a:srgbClr val="3EAF7C"/>
-                      </a:solidFill>
-                      <a:prstDash val="solid"/>
-                    </a:lnR>
-                    <a:lnT w="12700">
-                      <a:solidFill>
-                        <a:srgbClr val="3EAF7C"/>
-                      </a:solidFill>
-                      <a:prstDash val="sysDot"/>
-                    </a:lnT>
-                    <a:lnB w="12700">
-                      <a:solidFill>
-                        <a:srgbClr val="3EAF7C"/>
-                      </a:solidFill>
-                      <a:prstDash val="sysDot"/>
-                    </a:lnB>
-                    <a:noFill/>
-                  </a:tcPr>
-                </a:tc>
-                <a:tc hMerge="1">
-                  <a:tcPr>
-                    <a:lnL w="28575">
-                      <a:solidFill>
-                        <a:srgbClr val="3EAF7C"/>
-                      </a:solidFill>
-                      <a:prstDash val="solid"/>
-                    </a:lnL>
-                    <a:lnR w="28575">
-                      <a:solidFill>
-                        <a:srgbClr val="3EAF7C"/>
-                      </a:solidFill>
-                      <a:prstDash val="solid"/>
-                    </a:lnR>
-                    <a:lnT w="12700">
-                      <a:solidFill>
-                        <a:srgbClr val="3EAF7C"/>
-                      </a:solidFill>
-                      <a:prstDash val="sysDot"/>
-                    </a:lnT>
-                    <a:lnB w="12700">
-                      <a:solidFill>
-                        <a:srgbClr val="3EAF7C"/>
-                      </a:solidFill>
-                      <a:prstDash val="sysDot"/>
-                    </a:lnB>
-                    <a:noFill/>
-                  </a:tcPr>
-                </a:tc>
-                <a:tc hMerge="1">
-                  <a:tcPr>
-                    <a:lnL w="28575">
-                      <a:solidFill>
-                        <a:srgbClr val="3EAF7C"/>
-                      </a:solidFill>
-                      <a:prstDash val="solid"/>
-                    </a:lnL>
-                    <a:lnR w="28575">
-                      <a:solidFill>
-                        <a:srgbClr val="3EAF7C"/>
-                      </a:solidFill>
-                      <a:prstDash val="solid"/>
-                    </a:lnR>
-                    <a:lnT w="12700">
-                      <a:solidFill>
-                        <a:srgbClr val="3EAF7C"/>
-                      </a:solidFill>
-                      <a:prstDash val="sysDot"/>
-                    </a:lnT>
-                    <a:lnB w="12700">
-                      <a:solidFill>
-                        <a:srgbClr val="3EAF7C"/>
-                      </a:solidFill>
-                      <a:prstDash val="sysDot"/>
-                    </a:lnB>
-                    <a:noFill/>
-                  </a:tcPr>
-                </a:tc>
-                <a:tc hMerge="1">
-                  <a:tcPr>
-                    <a:lnL w="28575">
-                      <a:solidFill>
-                        <a:srgbClr val="3EAF7C"/>
-                      </a:solidFill>
-                      <a:prstDash val="solid"/>
-                    </a:lnL>
-                    <a:lnR w="28575">
-                      <a:solidFill>
-                        <a:srgbClr val="3EAF7C"/>
-                      </a:solidFill>
-                      <a:prstDash val="solid"/>
-                    </a:lnR>
-                    <a:lnT w="12700">
-                      <a:solidFill>
-                        <a:srgbClr val="3EAF7C"/>
-                      </a:solidFill>
-                      <a:prstDash val="sysDot"/>
-                    </a:lnT>
-                    <a:lnB w="12700">
-                      <a:solidFill>
-                        <a:srgbClr val="3EAF7C"/>
-                      </a:solidFill>
-                      <a:prstDash val="sysDot"/>
-                    </a:lnB>
-                    <a:noFill/>
-                  </a:tcPr>
-                </a:tc>
-                <a:tc hMerge="1">
-                  <a:tcPr>
-                    <a:lnL w="28575">
-                      <a:solidFill>
-                        <a:srgbClr val="3EAF7C"/>
-                      </a:solidFill>
-                      <a:prstDash val="solid"/>
-                    </a:lnL>
-                    <a:lnR w="28575">
-                      <a:solidFill>
-                        <a:srgbClr val="3EAF7C"/>
-                      </a:solidFill>
-                      <a:prstDash val="solid"/>
-                    </a:lnR>
-                    <a:lnT w="12700">
-                      <a:solidFill>
-                        <a:srgbClr val="3EAF7C"/>
-                      </a:solidFill>
-                      <a:prstDash val="sysDot"/>
-                    </a:lnT>
-                    <a:lnB w="12700">
-                      <a:solidFill>
-                        <a:srgbClr val="3EAF7C"/>
-                      </a:solidFill>
-                      <a:prstDash val="sysDot"/>
-                    </a:lnB>
-                    <a:noFill/>
-                  </a:tcPr>
-                </a:tc>
-                <a:tc hMerge="1">
+                <a:tc hMerge="true">
+                  <a:tcPr>
+                    <a:lnL w="28575">
+                      <a:solidFill>
+                        <a:srgbClr val="3EAF7C"/>
+                      </a:solidFill>
+                      <a:prstDash val="solid"/>
+                    </a:lnL>
+                    <a:lnR w="28575">
+                      <a:solidFill>
+                        <a:srgbClr val="3EAF7C"/>
+                      </a:solidFill>
+                      <a:prstDash val="solid"/>
+                    </a:lnR>
+                    <a:lnT w="12700">
+                      <a:solidFill>
+                        <a:srgbClr val="3EAF7C"/>
+                      </a:solidFill>
+                      <a:prstDash val="sysDot"/>
+                    </a:lnT>
+                    <a:lnB w="12700">
+                      <a:solidFill>
+                        <a:srgbClr val="3EAF7C"/>
+                      </a:solidFill>
+                      <a:prstDash val="sysDot"/>
+                    </a:lnB>
+                    <a:noFill/>
+                  </a:tcPr>
+                </a:tc>
+                <a:tc hMerge="true">
+                  <a:tcPr>
+                    <a:lnL w="28575">
+                      <a:solidFill>
+                        <a:srgbClr val="3EAF7C"/>
+                      </a:solidFill>
+                      <a:prstDash val="solid"/>
+                    </a:lnL>
+                    <a:lnR w="28575">
+                      <a:solidFill>
+                        <a:srgbClr val="3EAF7C"/>
+                      </a:solidFill>
+                      <a:prstDash val="solid"/>
+                    </a:lnR>
+                    <a:lnT w="12700">
+                      <a:solidFill>
+                        <a:srgbClr val="3EAF7C"/>
+                      </a:solidFill>
+                      <a:prstDash val="sysDot"/>
+                    </a:lnT>
+                    <a:lnB w="12700">
+                      <a:solidFill>
+                        <a:srgbClr val="3EAF7C"/>
+                      </a:solidFill>
+                      <a:prstDash val="sysDot"/>
+                    </a:lnB>
+                    <a:noFill/>
+                  </a:tcPr>
+                </a:tc>
+                <a:tc hMerge="true">
+                  <a:tcPr>
+                    <a:lnL w="28575">
+                      <a:solidFill>
+                        <a:srgbClr val="3EAF7C"/>
+                      </a:solidFill>
+                      <a:prstDash val="solid"/>
+                    </a:lnL>
+                    <a:lnR w="28575">
+                      <a:solidFill>
+                        <a:srgbClr val="3EAF7C"/>
+                      </a:solidFill>
+                      <a:prstDash val="solid"/>
+                    </a:lnR>
+                    <a:lnT w="12700">
+                      <a:solidFill>
+                        <a:srgbClr val="3EAF7C"/>
+                      </a:solidFill>
+                      <a:prstDash val="sysDot"/>
+                    </a:lnT>
+                    <a:lnB w="12700">
+                      <a:solidFill>
+                        <a:srgbClr val="3EAF7C"/>
+                      </a:solidFill>
+                      <a:prstDash val="sysDot"/>
+                    </a:lnB>
+                    <a:noFill/>
+                  </a:tcPr>
+                </a:tc>
+                <a:tc hMerge="true">
+                  <a:tcPr>
+                    <a:lnL w="28575">
+                      <a:solidFill>
+                        <a:srgbClr val="3EAF7C"/>
+                      </a:solidFill>
+                      <a:prstDash val="solid"/>
+                    </a:lnL>
+                    <a:lnR w="28575">
+                      <a:solidFill>
+                        <a:srgbClr val="3EAF7C"/>
+                      </a:solidFill>
+                      <a:prstDash val="solid"/>
+                    </a:lnR>
+                    <a:lnT w="12700">
+                      <a:solidFill>
+                        <a:srgbClr val="3EAF7C"/>
+                      </a:solidFill>
+                      <a:prstDash val="sysDot"/>
+                    </a:lnT>
+                    <a:lnB w="12700">
+                      <a:solidFill>
+                        <a:srgbClr val="3EAF7C"/>
+                      </a:solidFill>
+                      <a:prstDash val="sysDot"/>
+                    </a:lnB>
+                    <a:noFill/>
+                  </a:tcPr>
+                </a:tc>
+                <a:tc hMerge="true">
+                  <a:tcPr>
+                    <a:lnL w="28575">
+                      <a:solidFill>
+                        <a:srgbClr val="3EAF7C"/>
+                      </a:solidFill>
+                      <a:prstDash val="solid"/>
+                    </a:lnL>
+                    <a:lnR w="28575">
+                      <a:solidFill>
+                        <a:srgbClr val="3EAF7C"/>
+                      </a:solidFill>
+                      <a:prstDash val="solid"/>
+                    </a:lnR>
+                    <a:lnT w="12700">
+                      <a:solidFill>
+                        <a:srgbClr val="3EAF7C"/>
+                      </a:solidFill>
+                      <a:prstDash val="sysDot"/>
+                    </a:lnT>
+                    <a:lnB w="12700">
+                      <a:solidFill>
+                        <a:srgbClr val="3EAF7C"/>
+                      </a:solidFill>
+                      <a:prstDash val="sysDot"/>
+                    </a:lnB>
+                    <a:noFill/>
+                  </a:tcPr>
+                </a:tc>
+                <a:tc hMerge="true">
+                  <a:tcPr>
+                    <a:lnL w="28575">
+                      <a:solidFill>
+                        <a:srgbClr val="3EAF7C"/>
+                      </a:solidFill>
+                      <a:prstDash val="solid"/>
+                    </a:lnL>
+                    <a:lnR w="28575">
+                      <a:solidFill>
+                        <a:srgbClr val="3EAF7C"/>
+                      </a:solidFill>
+                      <a:prstDash val="solid"/>
+                    </a:lnR>
+                    <a:lnT w="12700">
+                      <a:solidFill>
+                        <a:srgbClr val="3EAF7C"/>
+                      </a:solidFill>
+                      <a:prstDash val="sysDot"/>
+                    </a:lnT>
+                    <a:lnB w="12700">
+                      <a:solidFill>
+                        <a:srgbClr val="3EAF7C"/>
+                      </a:solidFill>
+                      <a:prstDash val="sysDot"/>
+                    </a:lnB>
+                    <a:noFill/>
+                  </a:tcPr>
+                </a:tc>
+                <a:tc hMerge="true">
+                  <a:tcPr>
+                    <a:lnL w="28575">
+                      <a:solidFill>
+                        <a:srgbClr val="3EAF7C"/>
+                      </a:solidFill>
+                      <a:prstDash val="solid"/>
+                    </a:lnL>
+                    <a:lnR w="28575">
+                      <a:solidFill>
+                        <a:srgbClr val="3EAF7C"/>
+                      </a:solidFill>
+                      <a:prstDash val="solid"/>
+                    </a:lnR>
+                    <a:lnT w="12700">
+                      <a:solidFill>
+                        <a:srgbClr val="3EAF7C"/>
+                      </a:solidFill>
+                      <a:prstDash val="sysDot"/>
+                    </a:lnT>
+                    <a:lnB w="12700">
+                      <a:solidFill>
+                        <a:srgbClr val="3EAF7C"/>
+                      </a:solidFill>
+                      <a:prstDash val="sysDot"/>
+                    </a:lnB>
+                    <a:noFill/>
+                  </a:tcPr>
+                </a:tc>
+                <a:tc hMerge="true">
+                  <a:tcPr>
+                    <a:lnL w="28575">
+                      <a:solidFill>
+                        <a:srgbClr val="3EAF7C"/>
+                      </a:solidFill>
+                      <a:prstDash val="solid"/>
+                    </a:lnL>
+                    <a:lnR w="28575">
+                      <a:solidFill>
+                        <a:srgbClr val="3EAF7C"/>
+                      </a:solidFill>
+                      <a:prstDash val="solid"/>
+                    </a:lnR>
+                    <a:lnT w="12700">
+                      <a:solidFill>
+                        <a:srgbClr val="3EAF7C"/>
+                      </a:solidFill>
+                      <a:prstDash val="sysDot"/>
+                    </a:lnT>
+                    <a:lnB w="12700">
+                      <a:solidFill>
+                        <a:srgbClr val="3EAF7C"/>
+                      </a:solidFill>
+                      <a:prstDash val="sysDot"/>
+                    </a:lnB>
+                    <a:noFill/>
+                  </a:tcPr>
+                </a:tc>
+                <a:tc hMerge="true">
                   <a:tcPr>
                     <a:lnL w="28575">
                       <a:solidFill>
@@ -5364,14 +5366,14 @@
                         <a:buNone/>
                       </a:pPr>
                       <a:r>
-                        <a:rPr lang="" altLang="zh-CN" sz="600" b="1">
+                        <a:rPr lang="en-US" altLang="zh-CN" sz="600" b="1">
                           <a:solidFill>
                             <a:srgbClr val="2C3E50"/>
                           </a:solidFill>
                         </a:rPr>
                         <a:t>version</a:t>
                       </a:r>
-                      <a:endParaRPr lang="" altLang="zh-CN" sz="600" b="1">
+                      <a:endParaRPr lang="en-US" altLang="zh-CN" sz="600" b="1">
                         <a:solidFill>
                           <a:srgbClr val="2C3E50"/>
                         </a:solidFill>
@@ -5406,239 +5408,239 @@
                     <a:noFill/>
                   </a:tcPr>
                 </a:tc>
-                <a:tc hMerge="1">
-                  <a:tcPr>
-                    <a:lnL w="28575">
-                      <a:solidFill>
-                        <a:srgbClr val="3EAF7C"/>
-                      </a:solidFill>
-                      <a:prstDash val="solid"/>
-                    </a:lnL>
-                    <a:lnR w="28575">
-                      <a:solidFill>
-                        <a:srgbClr val="3EAF7C"/>
-                      </a:solidFill>
-                      <a:prstDash val="solid"/>
-                    </a:lnR>
-                    <a:lnT w="12700">
-                      <a:solidFill>
-                        <a:srgbClr val="3EAF7C"/>
-                      </a:solidFill>
-                      <a:prstDash val="sysDot"/>
-                    </a:lnT>
-                    <a:lnB w="12700">
-                      <a:solidFill>
-                        <a:srgbClr val="3EAF7C"/>
-                      </a:solidFill>
-                      <a:prstDash val="sysDot"/>
-                    </a:lnB>
-                    <a:noFill/>
-                  </a:tcPr>
-                </a:tc>
-                <a:tc hMerge="1">
-                  <a:tcPr>
-                    <a:lnL w="28575">
-                      <a:solidFill>
-                        <a:srgbClr val="3EAF7C"/>
-                      </a:solidFill>
-                      <a:prstDash val="solid"/>
-                    </a:lnL>
-                    <a:lnR w="28575">
-                      <a:solidFill>
-                        <a:srgbClr val="3EAF7C"/>
-                      </a:solidFill>
-                      <a:prstDash val="solid"/>
-                    </a:lnR>
-                    <a:lnT w="12700">
-                      <a:solidFill>
-                        <a:srgbClr val="3EAF7C"/>
-                      </a:solidFill>
-                      <a:prstDash val="sysDot"/>
-                    </a:lnT>
-                    <a:lnB w="12700">
-                      <a:solidFill>
-                        <a:srgbClr val="3EAF7C"/>
-                      </a:solidFill>
-                      <a:prstDash val="sysDot"/>
-                    </a:lnB>
-                    <a:noFill/>
-                  </a:tcPr>
-                </a:tc>
-                <a:tc hMerge="1">
-                  <a:tcPr>
-                    <a:lnL w="28575">
-                      <a:solidFill>
-                        <a:srgbClr val="3EAF7C"/>
-                      </a:solidFill>
-                      <a:prstDash val="solid"/>
-                    </a:lnL>
-                    <a:lnR w="28575">
-                      <a:solidFill>
-                        <a:srgbClr val="3EAF7C"/>
-                      </a:solidFill>
-                      <a:prstDash val="solid"/>
-                    </a:lnR>
-                    <a:lnT w="12700">
-                      <a:solidFill>
-                        <a:srgbClr val="3EAF7C"/>
-                      </a:solidFill>
-                      <a:prstDash val="sysDot"/>
-                    </a:lnT>
-                    <a:lnB w="12700">
-                      <a:solidFill>
-                        <a:srgbClr val="3EAF7C"/>
-                      </a:solidFill>
-                      <a:prstDash val="sysDot"/>
-                    </a:lnB>
-                    <a:noFill/>
-                  </a:tcPr>
-                </a:tc>
-                <a:tc hMerge="1">
-                  <a:tcPr>
-                    <a:lnL w="28575">
-                      <a:solidFill>
-                        <a:srgbClr val="3EAF7C"/>
-                      </a:solidFill>
-                      <a:prstDash val="solid"/>
-                    </a:lnL>
-                    <a:lnR w="28575">
-                      <a:solidFill>
-                        <a:srgbClr val="3EAF7C"/>
-                      </a:solidFill>
-                      <a:prstDash val="solid"/>
-                    </a:lnR>
-                    <a:lnT w="12700">
-                      <a:solidFill>
-                        <a:srgbClr val="3EAF7C"/>
-                      </a:solidFill>
-                      <a:prstDash val="sysDot"/>
-                    </a:lnT>
-                    <a:lnB w="12700">
-                      <a:solidFill>
-                        <a:srgbClr val="3EAF7C"/>
-                      </a:solidFill>
-                      <a:prstDash val="sysDot"/>
-                    </a:lnB>
-                    <a:noFill/>
-                  </a:tcPr>
-                </a:tc>
-                <a:tc hMerge="1">
-                  <a:tcPr>
-                    <a:lnL w="28575">
-                      <a:solidFill>
-                        <a:srgbClr val="3EAF7C"/>
-                      </a:solidFill>
-                      <a:prstDash val="solid"/>
-                    </a:lnL>
-                    <a:lnR w="28575">
-                      <a:solidFill>
-                        <a:srgbClr val="3EAF7C"/>
-                      </a:solidFill>
-                      <a:prstDash val="solid"/>
-                    </a:lnR>
-                    <a:lnT w="12700">
-                      <a:solidFill>
-                        <a:srgbClr val="3EAF7C"/>
-                      </a:solidFill>
-                      <a:prstDash val="sysDot"/>
-                    </a:lnT>
-                    <a:lnB w="12700">
-                      <a:solidFill>
-                        <a:srgbClr val="3EAF7C"/>
-                      </a:solidFill>
-                      <a:prstDash val="sysDot"/>
-                    </a:lnB>
-                    <a:noFill/>
-                  </a:tcPr>
-                </a:tc>
-                <a:tc hMerge="1">
-                  <a:tcPr>
-                    <a:lnL w="28575">
-                      <a:solidFill>
-                        <a:srgbClr val="3EAF7C"/>
-                      </a:solidFill>
-                      <a:prstDash val="solid"/>
-                    </a:lnL>
-                    <a:lnR w="28575">
-                      <a:solidFill>
-                        <a:srgbClr val="3EAF7C"/>
-                      </a:solidFill>
-                      <a:prstDash val="solid"/>
-                    </a:lnR>
-                    <a:lnT w="12700">
-                      <a:solidFill>
-                        <a:srgbClr val="3EAF7C"/>
-                      </a:solidFill>
-                      <a:prstDash val="sysDot"/>
-                    </a:lnT>
-                    <a:lnB w="12700">
-                      <a:solidFill>
-                        <a:srgbClr val="3EAF7C"/>
-                      </a:solidFill>
-                      <a:prstDash val="sysDot"/>
-                    </a:lnB>
-                    <a:noFill/>
-                  </a:tcPr>
-                </a:tc>
-                <a:tc hMerge="1">
-                  <a:tcPr>
-                    <a:lnL w="28575">
-                      <a:solidFill>
-                        <a:srgbClr val="3EAF7C"/>
-                      </a:solidFill>
-                      <a:prstDash val="solid"/>
-                    </a:lnL>
-                    <a:lnR w="28575">
-                      <a:solidFill>
-                        <a:srgbClr val="3EAF7C"/>
-                      </a:solidFill>
-                      <a:prstDash val="solid"/>
-                    </a:lnR>
-                    <a:lnT w="12700">
-                      <a:solidFill>
-                        <a:srgbClr val="3EAF7C"/>
-                      </a:solidFill>
-                      <a:prstDash val="sysDot"/>
-                    </a:lnT>
-                    <a:lnB w="12700">
-                      <a:solidFill>
-                        <a:srgbClr val="3EAF7C"/>
-                      </a:solidFill>
-                      <a:prstDash val="sysDot"/>
-                    </a:lnB>
-                    <a:noFill/>
-                  </a:tcPr>
-                </a:tc>
-                <a:tc hMerge="1">
-                  <a:tcPr>
-                    <a:lnL w="28575">
-                      <a:solidFill>
-                        <a:srgbClr val="3EAF7C"/>
-                      </a:solidFill>
-                      <a:prstDash val="solid"/>
-                    </a:lnL>
-                    <a:lnR w="28575">
-                      <a:solidFill>
-                        <a:srgbClr val="3EAF7C"/>
-                      </a:solidFill>
-                      <a:prstDash val="solid"/>
-                    </a:lnR>
-                    <a:lnT w="12700">
-                      <a:solidFill>
-                        <a:srgbClr val="3EAF7C"/>
-                      </a:solidFill>
-                      <a:prstDash val="sysDot"/>
-                    </a:lnT>
-                    <a:lnB w="12700">
-                      <a:solidFill>
-                        <a:srgbClr val="3EAF7C"/>
-                      </a:solidFill>
-                      <a:prstDash val="sysDot"/>
-                    </a:lnB>
-                    <a:noFill/>
-                  </a:tcPr>
-                </a:tc>
-                <a:tc hMerge="1">
+                <a:tc hMerge="true">
+                  <a:tcPr>
+                    <a:lnL w="28575">
+                      <a:solidFill>
+                        <a:srgbClr val="3EAF7C"/>
+                      </a:solidFill>
+                      <a:prstDash val="solid"/>
+                    </a:lnL>
+                    <a:lnR w="28575">
+                      <a:solidFill>
+                        <a:srgbClr val="3EAF7C"/>
+                      </a:solidFill>
+                      <a:prstDash val="solid"/>
+                    </a:lnR>
+                    <a:lnT w="12700">
+                      <a:solidFill>
+                        <a:srgbClr val="3EAF7C"/>
+                      </a:solidFill>
+                      <a:prstDash val="sysDot"/>
+                    </a:lnT>
+                    <a:lnB w="12700">
+                      <a:solidFill>
+                        <a:srgbClr val="3EAF7C"/>
+                      </a:solidFill>
+                      <a:prstDash val="sysDot"/>
+                    </a:lnB>
+                    <a:noFill/>
+                  </a:tcPr>
+                </a:tc>
+                <a:tc hMerge="true">
+                  <a:tcPr>
+                    <a:lnL w="28575">
+                      <a:solidFill>
+                        <a:srgbClr val="3EAF7C"/>
+                      </a:solidFill>
+                      <a:prstDash val="solid"/>
+                    </a:lnL>
+                    <a:lnR w="28575">
+                      <a:solidFill>
+                        <a:srgbClr val="3EAF7C"/>
+                      </a:solidFill>
+                      <a:prstDash val="solid"/>
+                    </a:lnR>
+                    <a:lnT w="12700">
+                      <a:solidFill>
+                        <a:srgbClr val="3EAF7C"/>
+                      </a:solidFill>
+                      <a:prstDash val="sysDot"/>
+                    </a:lnT>
+                    <a:lnB w="12700">
+                      <a:solidFill>
+                        <a:srgbClr val="3EAF7C"/>
+                      </a:solidFill>
+                      <a:prstDash val="sysDot"/>
+                    </a:lnB>
+                    <a:noFill/>
+                  </a:tcPr>
+                </a:tc>
+                <a:tc hMerge="true">
+                  <a:tcPr>
+                    <a:lnL w="28575">
+                      <a:solidFill>
+                        <a:srgbClr val="3EAF7C"/>
+                      </a:solidFill>
+                      <a:prstDash val="solid"/>
+                    </a:lnL>
+                    <a:lnR w="28575">
+                      <a:solidFill>
+                        <a:srgbClr val="3EAF7C"/>
+                      </a:solidFill>
+                      <a:prstDash val="solid"/>
+                    </a:lnR>
+                    <a:lnT w="12700">
+                      <a:solidFill>
+                        <a:srgbClr val="3EAF7C"/>
+                      </a:solidFill>
+                      <a:prstDash val="sysDot"/>
+                    </a:lnT>
+                    <a:lnB w="12700">
+                      <a:solidFill>
+                        <a:srgbClr val="3EAF7C"/>
+                      </a:solidFill>
+                      <a:prstDash val="sysDot"/>
+                    </a:lnB>
+                    <a:noFill/>
+                  </a:tcPr>
+                </a:tc>
+                <a:tc hMerge="true">
+                  <a:tcPr>
+                    <a:lnL w="28575">
+                      <a:solidFill>
+                        <a:srgbClr val="3EAF7C"/>
+                      </a:solidFill>
+                      <a:prstDash val="solid"/>
+                    </a:lnL>
+                    <a:lnR w="28575">
+                      <a:solidFill>
+                        <a:srgbClr val="3EAF7C"/>
+                      </a:solidFill>
+                      <a:prstDash val="solid"/>
+                    </a:lnR>
+                    <a:lnT w="12700">
+                      <a:solidFill>
+                        <a:srgbClr val="3EAF7C"/>
+                      </a:solidFill>
+                      <a:prstDash val="sysDot"/>
+                    </a:lnT>
+                    <a:lnB w="12700">
+                      <a:solidFill>
+                        <a:srgbClr val="3EAF7C"/>
+                      </a:solidFill>
+                      <a:prstDash val="sysDot"/>
+                    </a:lnB>
+                    <a:noFill/>
+                  </a:tcPr>
+                </a:tc>
+                <a:tc hMerge="true">
+                  <a:tcPr>
+                    <a:lnL w="28575">
+                      <a:solidFill>
+                        <a:srgbClr val="3EAF7C"/>
+                      </a:solidFill>
+                      <a:prstDash val="solid"/>
+                    </a:lnL>
+                    <a:lnR w="28575">
+                      <a:solidFill>
+                        <a:srgbClr val="3EAF7C"/>
+                      </a:solidFill>
+                      <a:prstDash val="solid"/>
+                    </a:lnR>
+                    <a:lnT w="12700">
+                      <a:solidFill>
+                        <a:srgbClr val="3EAF7C"/>
+                      </a:solidFill>
+                      <a:prstDash val="sysDot"/>
+                    </a:lnT>
+                    <a:lnB w="12700">
+                      <a:solidFill>
+                        <a:srgbClr val="3EAF7C"/>
+                      </a:solidFill>
+                      <a:prstDash val="sysDot"/>
+                    </a:lnB>
+                    <a:noFill/>
+                  </a:tcPr>
+                </a:tc>
+                <a:tc hMerge="true">
+                  <a:tcPr>
+                    <a:lnL w="28575">
+                      <a:solidFill>
+                        <a:srgbClr val="3EAF7C"/>
+                      </a:solidFill>
+                      <a:prstDash val="solid"/>
+                    </a:lnL>
+                    <a:lnR w="28575">
+                      <a:solidFill>
+                        <a:srgbClr val="3EAF7C"/>
+                      </a:solidFill>
+                      <a:prstDash val="solid"/>
+                    </a:lnR>
+                    <a:lnT w="12700">
+                      <a:solidFill>
+                        <a:srgbClr val="3EAF7C"/>
+                      </a:solidFill>
+                      <a:prstDash val="sysDot"/>
+                    </a:lnT>
+                    <a:lnB w="12700">
+                      <a:solidFill>
+                        <a:srgbClr val="3EAF7C"/>
+                      </a:solidFill>
+                      <a:prstDash val="sysDot"/>
+                    </a:lnB>
+                    <a:noFill/>
+                  </a:tcPr>
+                </a:tc>
+                <a:tc hMerge="true">
+                  <a:tcPr>
+                    <a:lnL w="28575">
+                      <a:solidFill>
+                        <a:srgbClr val="3EAF7C"/>
+                      </a:solidFill>
+                      <a:prstDash val="solid"/>
+                    </a:lnL>
+                    <a:lnR w="28575">
+                      <a:solidFill>
+                        <a:srgbClr val="3EAF7C"/>
+                      </a:solidFill>
+                      <a:prstDash val="solid"/>
+                    </a:lnR>
+                    <a:lnT w="12700">
+                      <a:solidFill>
+                        <a:srgbClr val="3EAF7C"/>
+                      </a:solidFill>
+                      <a:prstDash val="sysDot"/>
+                    </a:lnT>
+                    <a:lnB w="12700">
+                      <a:solidFill>
+                        <a:srgbClr val="3EAF7C"/>
+                      </a:solidFill>
+                      <a:prstDash val="sysDot"/>
+                    </a:lnB>
+                    <a:noFill/>
+                  </a:tcPr>
+                </a:tc>
+                <a:tc hMerge="true">
+                  <a:tcPr>
+                    <a:lnL w="28575">
+                      <a:solidFill>
+                        <a:srgbClr val="3EAF7C"/>
+                      </a:solidFill>
+                      <a:prstDash val="solid"/>
+                    </a:lnL>
+                    <a:lnR w="28575">
+                      <a:solidFill>
+                        <a:srgbClr val="3EAF7C"/>
+                      </a:solidFill>
+                      <a:prstDash val="solid"/>
+                    </a:lnR>
+                    <a:lnT w="12700">
+                      <a:solidFill>
+                        <a:srgbClr val="3EAF7C"/>
+                      </a:solidFill>
+                      <a:prstDash val="sysDot"/>
+                    </a:lnT>
+                    <a:lnB w="12700">
+                      <a:solidFill>
+                        <a:srgbClr val="3EAF7C"/>
+                      </a:solidFill>
+                      <a:prstDash val="sysDot"/>
+                    </a:lnB>
+                    <a:noFill/>
+                  </a:tcPr>
+                </a:tc>
+                <a:tc hMerge="true">
                   <a:tcPr>
                     <a:lnL w="28575">
                       <a:solidFill>
@@ -5677,14 +5679,14 @@
                         <a:buNone/>
                       </a:pPr>
                       <a:r>
-                        <a:rPr lang="" altLang="zh-CN" sz="600" b="1">
+                        <a:rPr lang="en-US" altLang="zh-CN" sz="600" b="1">
                           <a:solidFill>
                             <a:srgbClr val="2C3E50"/>
                           </a:solidFill>
                         </a:rPr>
                         <a:t>last_comp_version</a:t>
                       </a:r>
-                      <a:endParaRPr lang="" altLang="zh-CN" sz="600" b="1">
+                      <a:endParaRPr lang="en-US" altLang="zh-CN" sz="600" b="1">
                         <a:solidFill>
                           <a:srgbClr val="2C3E50"/>
                         </a:solidFill>
@@ -5719,239 +5721,239 @@
                     <a:noFill/>
                   </a:tcPr>
                 </a:tc>
-                <a:tc hMerge="1">
-                  <a:tcPr>
-                    <a:lnL w="28575">
-                      <a:solidFill>
-                        <a:srgbClr val="3EAF7C"/>
-                      </a:solidFill>
-                      <a:prstDash val="solid"/>
-                    </a:lnL>
-                    <a:lnR w="28575">
-                      <a:solidFill>
-                        <a:srgbClr val="3EAF7C"/>
-                      </a:solidFill>
-                      <a:prstDash val="solid"/>
-                    </a:lnR>
-                    <a:lnT w="12700">
-                      <a:solidFill>
-                        <a:srgbClr val="3EAF7C"/>
-                      </a:solidFill>
-                      <a:prstDash val="sysDot"/>
-                    </a:lnT>
-                    <a:lnB w="12700">
-                      <a:solidFill>
-                        <a:srgbClr val="3EAF7C"/>
-                      </a:solidFill>
-                      <a:prstDash val="sysDot"/>
-                    </a:lnB>
-                    <a:noFill/>
-                  </a:tcPr>
-                </a:tc>
-                <a:tc hMerge="1">
-                  <a:tcPr>
-                    <a:lnL w="28575">
-                      <a:solidFill>
-                        <a:srgbClr val="3EAF7C"/>
-                      </a:solidFill>
-                      <a:prstDash val="solid"/>
-                    </a:lnL>
-                    <a:lnR w="28575">
-                      <a:solidFill>
-                        <a:srgbClr val="3EAF7C"/>
-                      </a:solidFill>
-                      <a:prstDash val="solid"/>
-                    </a:lnR>
-                    <a:lnT w="12700">
-                      <a:solidFill>
-                        <a:srgbClr val="3EAF7C"/>
-                      </a:solidFill>
-                      <a:prstDash val="sysDot"/>
-                    </a:lnT>
-                    <a:lnB w="12700">
-                      <a:solidFill>
-                        <a:srgbClr val="3EAF7C"/>
-                      </a:solidFill>
-                      <a:prstDash val="sysDot"/>
-                    </a:lnB>
-                    <a:noFill/>
-                  </a:tcPr>
-                </a:tc>
-                <a:tc hMerge="1">
-                  <a:tcPr>
-                    <a:lnL w="28575">
-                      <a:solidFill>
-                        <a:srgbClr val="3EAF7C"/>
-                      </a:solidFill>
-                      <a:prstDash val="solid"/>
-                    </a:lnL>
-                    <a:lnR w="28575">
-                      <a:solidFill>
-                        <a:srgbClr val="3EAF7C"/>
-                      </a:solidFill>
-                      <a:prstDash val="solid"/>
-                    </a:lnR>
-                    <a:lnT w="12700">
-                      <a:solidFill>
-                        <a:srgbClr val="3EAF7C"/>
-                      </a:solidFill>
-                      <a:prstDash val="sysDot"/>
-                    </a:lnT>
-                    <a:lnB w="12700">
-                      <a:solidFill>
-                        <a:srgbClr val="3EAF7C"/>
-                      </a:solidFill>
-                      <a:prstDash val="sysDot"/>
-                    </a:lnB>
-                    <a:noFill/>
-                  </a:tcPr>
-                </a:tc>
-                <a:tc hMerge="1">
-                  <a:tcPr>
-                    <a:lnL w="28575">
-                      <a:solidFill>
-                        <a:srgbClr val="3EAF7C"/>
-                      </a:solidFill>
-                      <a:prstDash val="solid"/>
-                    </a:lnL>
-                    <a:lnR w="28575">
-                      <a:solidFill>
-                        <a:srgbClr val="3EAF7C"/>
-                      </a:solidFill>
-                      <a:prstDash val="solid"/>
-                    </a:lnR>
-                    <a:lnT w="12700">
-                      <a:solidFill>
-                        <a:srgbClr val="3EAF7C"/>
-                      </a:solidFill>
-                      <a:prstDash val="sysDot"/>
-                    </a:lnT>
-                    <a:lnB w="12700">
-                      <a:solidFill>
-                        <a:srgbClr val="3EAF7C"/>
-                      </a:solidFill>
-                      <a:prstDash val="sysDot"/>
-                    </a:lnB>
-                    <a:noFill/>
-                  </a:tcPr>
-                </a:tc>
-                <a:tc hMerge="1">
-                  <a:tcPr>
-                    <a:lnL w="28575">
-                      <a:solidFill>
-                        <a:srgbClr val="3EAF7C"/>
-                      </a:solidFill>
-                      <a:prstDash val="solid"/>
-                    </a:lnL>
-                    <a:lnR w="28575">
-                      <a:solidFill>
-                        <a:srgbClr val="3EAF7C"/>
-                      </a:solidFill>
-                      <a:prstDash val="solid"/>
-                    </a:lnR>
-                    <a:lnT w="12700">
-                      <a:solidFill>
-                        <a:srgbClr val="3EAF7C"/>
-                      </a:solidFill>
-                      <a:prstDash val="sysDot"/>
-                    </a:lnT>
-                    <a:lnB w="12700">
-                      <a:solidFill>
-                        <a:srgbClr val="3EAF7C"/>
-                      </a:solidFill>
-                      <a:prstDash val="sysDot"/>
-                    </a:lnB>
-                    <a:noFill/>
-                  </a:tcPr>
-                </a:tc>
-                <a:tc hMerge="1">
-                  <a:tcPr>
-                    <a:lnL w="28575">
-                      <a:solidFill>
-                        <a:srgbClr val="3EAF7C"/>
-                      </a:solidFill>
-                      <a:prstDash val="solid"/>
-                    </a:lnL>
-                    <a:lnR w="28575">
-                      <a:solidFill>
-                        <a:srgbClr val="3EAF7C"/>
-                      </a:solidFill>
-                      <a:prstDash val="solid"/>
-                    </a:lnR>
-                    <a:lnT w="12700">
-                      <a:solidFill>
-                        <a:srgbClr val="3EAF7C"/>
-                      </a:solidFill>
-                      <a:prstDash val="sysDot"/>
-                    </a:lnT>
-                    <a:lnB w="12700">
-                      <a:solidFill>
-                        <a:srgbClr val="3EAF7C"/>
-                      </a:solidFill>
-                      <a:prstDash val="sysDot"/>
-                    </a:lnB>
-                    <a:noFill/>
-                  </a:tcPr>
-                </a:tc>
-                <a:tc hMerge="1">
-                  <a:tcPr>
-                    <a:lnL w="28575">
-                      <a:solidFill>
-                        <a:srgbClr val="3EAF7C"/>
-                      </a:solidFill>
-                      <a:prstDash val="solid"/>
-                    </a:lnL>
-                    <a:lnR w="28575">
-                      <a:solidFill>
-                        <a:srgbClr val="3EAF7C"/>
-                      </a:solidFill>
-                      <a:prstDash val="solid"/>
-                    </a:lnR>
-                    <a:lnT w="12700">
-                      <a:solidFill>
-                        <a:srgbClr val="3EAF7C"/>
-                      </a:solidFill>
-                      <a:prstDash val="sysDot"/>
-                    </a:lnT>
-                    <a:lnB w="12700">
-                      <a:solidFill>
-                        <a:srgbClr val="3EAF7C"/>
-                      </a:solidFill>
-                      <a:prstDash val="sysDot"/>
-                    </a:lnB>
-                    <a:noFill/>
-                  </a:tcPr>
-                </a:tc>
-                <a:tc hMerge="1">
-                  <a:tcPr>
-                    <a:lnL w="28575">
-                      <a:solidFill>
-                        <a:srgbClr val="3EAF7C"/>
-                      </a:solidFill>
-                      <a:prstDash val="solid"/>
-                    </a:lnL>
-                    <a:lnR w="28575">
-                      <a:solidFill>
-                        <a:srgbClr val="3EAF7C"/>
-                      </a:solidFill>
-                      <a:prstDash val="solid"/>
-                    </a:lnR>
-                    <a:lnT w="12700">
-                      <a:solidFill>
-                        <a:srgbClr val="3EAF7C"/>
-                      </a:solidFill>
-                      <a:prstDash val="sysDot"/>
-                    </a:lnT>
-                    <a:lnB w="12700">
-                      <a:solidFill>
-                        <a:srgbClr val="3EAF7C"/>
-                      </a:solidFill>
-                      <a:prstDash val="sysDot"/>
-                    </a:lnB>
-                    <a:noFill/>
-                  </a:tcPr>
-                </a:tc>
-                <a:tc hMerge="1">
+                <a:tc hMerge="true">
+                  <a:tcPr>
+                    <a:lnL w="28575">
+                      <a:solidFill>
+                        <a:srgbClr val="3EAF7C"/>
+                      </a:solidFill>
+                      <a:prstDash val="solid"/>
+                    </a:lnL>
+                    <a:lnR w="28575">
+                      <a:solidFill>
+                        <a:srgbClr val="3EAF7C"/>
+                      </a:solidFill>
+                      <a:prstDash val="solid"/>
+                    </a:lnR>
+                    <a:lnT w="12700">
+                      <a:solidFill>
+                        <a:srgbClr val="3EAF7C"/>
+                      </a:solidFill>
+                      <a:prstDash val="sysDot"/>
+                    </a:lnT>
+                    <a:lnB w="12700">
+                      <a:solidFill>
+                        <a:srgbClr val="3EAF7C"/>
+                      </a:solidFill>
+                      <a:prstDash val="sysDot"/>
+                    </a:lnB>
+                    <a:noFill/>
+                  </a:tcPr>
+                </a:tc>
+                <a:tc hMerge="true">
+                  <a:tcPr>
+                    <a:lnL w="28575">
+                      <a:solidFill>
+                        <a:srgbClr val="3EAF7C"/>
+                      </a:solidFill>
+                      <a:prstDash val="solid"/>
+                    </a:lnL>
+                    <a:lnR w="28575">
+                      <a:solidFill>
+                        <a:srgbClr val="3EAF7C"/>
+                      </a:solidFill>
+                      <a:prstDash val="solid"/>
+                    </a:lnR>
+                    <a:lnT w="12700">
+                      <a:solidFill>
+                        <a:srgbClr val="3EAF7C"/>
+                      </a:solidFill>
+                      <a:prstDash val="sysDot"/>
+                    </a:lnT>
+                    <a:lnB w="12700">
+                      <a:solidFill>
+                        <a:srgbClr val="3EAF7C"/>
+                      </a:solidFill>
+                      <a:prstDash val="sysDot"/>
+                    </a:lnB>
+                    <a:noFill/>
+                  </a:tcPr>
+                </a:tc>
+                <a:tc hMerge="true">
+                  <a:tcPr>
+                    <a:lnL w="28575">
+                      <a:solidFill>
+                        <a:srgbClr val="3EAF7C"/>
+                      </a:solidFill>
+                      <a:prstDash val="solid"/>
+                    </a:lnL>
+                    <a:lnR w="28575">
+                      <a:solidFill>
+                        <a:srgbClr val="3EAF7C"/>
+                      </a:solidFill>
+                      <a:prstDash val="solid"/>
+                    </a:lnR>
+                    <a:lnT w="12700">
+                      <a:solidFill>
+                        <a:srgbClr val="3EAF7C"/>
+                      </a:solidFill>
+                      <a:prstDash val="sysDot"/>
+                    </a:lnT>
+                    <a:lnB w="12700">
+                      <a:solidFill>
+                        <a:srgbClr val="3EAF7C"/>
+                      </a:solidFill>
+                      <a:prstDash val="sysDot"/>
+                    </a:lnB>
+                    <a:noFill/>
+                  </a:tcPr>
+                </a:tc>
+                <a:tc hMerge="true">
+                  <a:tcPr>
+                    <a:lnL w="28575">
+                      <a:solidFill>
+                        <a:srgbClr val="3EAF7C"/>
+                      </a:solidFill>
+                      <a:prstDash val="solid"/>
+                    </a:lnL>
+                    <a:lnR w="28575">
+                      <a:solidFill>
+                        <a:srgbClr val="3EAF7C"/>
+                      </a:solidFill>
+                      <a:prstDash val="solid"/>
+                    </a:lnR>
+                    <a:lnT w="12700">
+                      <a:solidFill>
+                        <a:srgbClr val="3EAF7C"/>
+                      </a:solidFill>
+                      <a:prstDash val="sysDot"/>
+                    </a:lnT>
+                    <a:lnB w="12700">
+                      <a:solidFill>
+                        <a:srgbClr val="3EAF7C"/>
+                      </a:solidFill>
+                      <a:prstDash val="sysDot"/>
+                    </a:lnB>
+                    <a:noFill/>
+                  </a:tcPr>
+                </a:tc>
+                <a:tc hMerge="true">
+                  <a:tcPr>
+                    <a:lnL w="28575">
+                      <a:solidFill>
+                        <a:srgbClr val="3EAF7C"/>
+                      </a:solidFill>
+                      <a:prstDash val="solid"/>
+                    </a:lnL>
+                    <a:lnR w="28575">
+                      <a:solidFill>
+                        <a:srgbClr val="3EAF7C"/>
+                      </a:solidFill>
+                      <a:prstDash val="solid"/>
+                    </a:lnR>
+                    <a:lnT w="12700">
+                      <a:solidFill>
+                        <a:srgbClr val="3EAF7C"/>
+                      </a:solidFill>
+                      <a:prstDash val="sysDot"/>
+                    </a:lnT>
+                    <a:lnB w="12700">
+                      <a:solidFill>
+                        <a:srgbClr val="3EAF7C"/>
+                      </a:solidFill>
+                      <a:prstDash val="sysDot"/>
+                    </a:lnB>
+                    <a:noFill/>
+                  </a:tcPr>
+                </a:tc>
+                <a:tc hMerge="true">
+                  <a:tcPr>
+                    <a:lnL w="28575">
+                      <a:solidFill>
+                        <a:srgbClr val="3EAF7C"/>
+                      </a:solidFill>
+                      <a:prstDash val="solid"/>
+                    </a:lnL>
+                    <a:lnR w="28575">
+                      <a:solidFill>
+                        <a:srgbClr val="3EAF7C"/>
+                      </a:solidFill>
+                      <a:prstDash val="solid"/>
+                    </a:lnR>
+                    <a:lnT w="12700">
+                      <a:solidFill>
+                        <a:srgbClr val="3EAF7C"/>
+                      </a:solidFill>
+                      <a:prstDash val="sysDot"/>
+                    </a:lnT>
+                    <a:lnB w="12700">
+                      <a:solidFill>
+                        <a:srgbClr val="3EAF7C"/>
+                      </a:solidFill>
+                      <a:prstDash val="sysDot"/>
+                    </a:lnB>
+                    <a:noFill/>
+                  </a:tcPr>
+                </a:tc>
+                <a:tc hMerge="true">
+                  <a:tcPr>
+                    <a:lnL w="28575">
+                      <a:solidFill>
+                        <a:srgbClr val="3EAF7C"/>
+                      </a:solidFill>
+                      <a:prstDash val="solid"/>
+                    </a:lnL>
+                    <a:lnR w="28575">
+                      <a:solidFill>
+                        <a:srgbClr val="3EAF7C"/>
+                      </a:solidFill>
+                      <a:prstDash val="solid"/>
+                    </a:lnR>
+                    <a:lnT w="12700">
+                      <a:solidFill>
+                        <a:srgbClr val="3EAF7C"/>
+                      </a:solidFill>
+                      <a:prstDash val="sysDot"/>
+                    </a:lnT>
+                    <a:lnB w="12700">
+                      <a:solidFill>
+                        <a:srgbClr val="3EAF7C"/>
+                      </a:solidFill>
+                      <a:prstDash val="sysDot"/>
+                    </a:lnB>
+                    <a:noFill/>
+                  </a:tcPr>
+                </a:tc>
+                <a:tc hMerge="true">
+                  <a:tcPr>
+                    <a:lnL w="28575">
+                      <a:solidFill>
+                        <a:srgbClr val="3EAF7C"/>
+                      </a:solidFill>
+                      <a:prstDash val="solid"/>
+                    </a:lnL>
+                    <a:lnR w="28575">
+                      <a:solidFill>
+                        <a:srgbClr val="3EAF7C"/>
+                      </a:solidFill>
+                      <a:prstDash val="solid"/>
+                    </a:lnR>
+                    <a:lnT w="12700">
+                      <a:solidFill>
+                        <a:srgbClr val="3EAF7C"/>
+                      </a:solidFill>
+                      <a:prstDash val="sysDot"/>
+                    </a:lnT>
+                    <a:lnB w="12700">
+                      <a:solidFill>
+                        <a:srgbClr val="3EAF7C"/>
+                      </a:solidFill>
+                      <a:prstDash val="sysDot"/>
+                    </a:lnB>
+                    <a:noFill/>
+                  </a:tcPr>
+                </a:tc>
+                <a:tc hMerge="true">
                   <a:tcPr>
                     <a:lnL w="28575">
                       <a:solidFill>
@@ -5990,14 +5992,14 @@
                         <a:buNone/>
                       </a:pPr>
                       <a:r>
-                        <a:rPr lang="" altLang="zh-CN" sz="600" b="1">
+                        <a:rPr lang="en-US" altLang="zh-CN" sz="600" b="1">
                           <a:solidFill>
                             <a:srgbClr val="2C3E50"/>
                           </a:solidFill>
                         </a:rPr>
                         <a:t>boot_cpuid_phys</a:t>
                       </a:r>
-                      <a:endParaRPr lang="" altLang="zh-CN" sz="600" b="1">
+                      <a:endParaRPr lang="en-US" altLang="zh-CN" sz="600" b="1">
                         <a:solidFill>
                           <a:srgbClr val="2C3E50"/>
                         </a:solidFill>
@@ -6032,239 +6034,239 @@
                     <a:noFill/>
                   </a:tcPr>
                 </a:tc>
-                <a:tc hMerge="1">
-                  <a:tcPr>
-                    <a:lnL w="28575">
-                      <a:solidFill>
-                        <a:srgbClr val="3EAF7C"/>
-                      </a:solidFill>
-                      <a:prstDash val="solid"/>
-                    </a:lnL>
-                    <a:lnR w="28575">
-                      <a:solidFill>
-                        <a:srgbClr val="3EAF7C"/>
-                      </a:solidFill>
-                      <a:prstDash val="solid"/>
-                    </a:lnR>
-                    <a:lnT w="12700">
-                      <a:solidFill>
-                        <a:srgbClr val="3EAF7C"/>
-                      </a:solidFill>
-                      <a:prstDash val="sysDot"/>
-                    </a:lnT>
-                    <a:lnB w="12700">
-                      <a:solidFill>
-                        <a:srgbClr val="3EAF7C"/>
-                      </a:solidFill>
-                      <a:prstDash val="sysDot"/>
-                    </a:lnB>
-                    <a:noFill/>
-                  </a:tcPr>
-                </a:tc>
-                <a:tc hMerge="1">
-                  <a:tcPr>
-                    <a:lnL w="28575">
-                      <a:solidFill>
-                        <a:srgbClr val="3EAF7C"/>
-                      </a:solidFill>
-                      <a:prstDash val="solid"/>
-                    </a:lnL>
-                    <a:lnR w="28575">
-                      <a:solidFill>
-                        <a:srgbClr val="3EAF7C"/>
-                      </a:solidFill>
-                      <a:prstDash val="solid"/>
-                    </a:lnR>
-                    <a:lnT w="12700">
-                      <a:solidFill>
-                        <a:srgbClr val="3EAF7C"/>
-                      </a:solidFill>
-                      <a:prstDash val="sysDot"/>
-                    </a:lnT>
-                    <a:lnB w="12700">
-                      <a:solidFill>
-                        <a:srgbClr val="3EAF7C"/>
-                      </a:solidFill>
-                      <a:prstDash val="sysDot"/>
-                    </a:lnB>
-                    <a:noFill/>
-                  </a:tcPr>
-                </a:tc>
-                <a:tc hMerge="1">
-                  <a:tcPr>
-                    <a:lnL w="28575">
-                      <a:solidFill>
-                        <a:srgbClr val="3EAF7C"/>
-                      </a:solidFill>
-                      <a:prstDash val="solid"/>
-                    </a:lnL>
-                    <a:lnR w="28575">
-                      <a:solidFill>
-                        <a:srgbClr val="3EAF7C"/>
-                      </a:solidFill>
-                      <a:prstDash val="solid"/>
-                    </a:lnR>
-                    <a:lnT w="12700">
-                      <a:solidFill>
-                        <a:srgbClr val="3EAF7C"/>
-                      </a:solidFill>
-                      <a:prstDash val="sysDot"/>
-                    </a:lnT>
-                    <a:lnB w="12700">
-                      <a:solidFill>
-                        <a:srgbClr val="3EAF7C"/>
-                      </a:solidFill>
-                      <a:prstDash val="sysDot"/>
-                    </a:lnB>
-                    <a:noFill/>
-                  </a:tcPr>
-                </a:tc>
-                <a:tc hMerge="1">
-                  <a:tcPr>
-                    <a:lnL w="28575">
-                      <a:solidFill>
-                        <a:srgbClr val="3EAF7C"/>
-                      </a:solidFill>
-                      <a:prstDash val="solid"/>
-                    </a:lnL>
-                    <a:lnR w="28575">
-                      <a:solidFill>
-                        <a:srgbClr val="3EAF7C"/>
-                      </a:solidFill>
-                      <a:prstDash val="solid"/>
-                    </a:lnR>
-                    <a:lnT w="12700">
-                      <a:solidFill>
-                        <a:srgbClr val="3EAF7C"/>
-                      </a:solidFill>
-                      <a:prstDash val="sysDot"/>
-                    </a:lnT>
-                    <a:lnB w="12700">
-                      <a:solidFill>
-                        <a:srgbClr val="3EAF7C"/>
-                      </a:solidFill>
-                      <a:prstDash val="sysDot"/>
-                    </a:lnB>
-                    <a:noFill/>
-                  </a:tcPr>
-                </a:tc>
-                <a:tc hMerge="1">
-                  <a:tcPr>
-                    <a:lnL w="28575">
-                      <a:solidFill>
-                        <a:srgbClr val="3EAF7C"/>
-                      </a:solidFill>
-                      <a:prstDash val="solid"/>
-                    </a:lnL>
-                    <a:lnR w="28575">
-                      <a:solidFill>
-                        <a:srgbClr val="3EAF7C"/>
-                      </a:solidFill>
-                      <a:prstDash val="solid"/>
-                    </a:lnR>
-                    <a:lnT w="12700">
-                      <a:solidFill>
-                        <a:srgbClr val="3EAF7C"/>
-                      </a:solidFill>
-                      <a:prstDash val="sysDot"/>
-                    </a:lnT>
-                    <a:lnB w="12700">
-                      <a:solidFill>
-                        <a:srgbClr val="3EAF7C"/>
-                      </a:solidFill>
-                      <a:prstDash val="sysDot"/>
-                    </a:lnB>
-                    <a:noFill/>
-                  </a:tcPr>
-                </a:tc>
-                <a:tc hMerge="1">
-                  <a:tcPr>
-                    <a:lnL w="28575">
-                      <a:solidFill>
-                        <a:srgbClr val="3EAF7C"/>
-                      </a:solidFill>
-                      <a:prstDash val="solid"/>
-                    </a:lnL>
-                    <a:lnR w="28575">
-                      <a:solidFill>
-                        <a:srgbClr val="3EAF7C"/>
-                      </a:solidFill>
-                      <a:prstDash val="solid"/>
-                    </a:lnR>
-                    <a:lnT w="12700">
-                      <a:solidFill>
-                        <a:srgbClr val="3EAF7C"/>
-                      </a:solidFill>
-                      <a:prstDash val="sysDot"/>
-                    </a:lnT>
-                    <a:lnB w="12700">
-                      <a:solidFill>
-                        <a:srgbClr val="3EAF7C"/>
-                      </a:solidFill>
-                      <a:prstDash val="sysDot"/>
-                    </a:lnB>
-                    <a:noFill/>
-                  </a:tcPr>
-                </a:tc>
-                <a:tc hMerge="1">
-                  <a:tcPr>
-                    <a:lnL w="28575">
-                      <a:solidFill>
-                        <a:srgbClr val="3EAF7C"/>
-                      </a:solidFill>
-                      <a:prstDash val="solid"/>
-                    </a:lnL>
-                    <a:lnR w="28575">
-                      <a:solidFill>
-                        <a:srgbClr val="3EAF7C"/>
-                      </a:solidFill>
-                      <a:prstDash val="solid"/>
-                    </a:lnR>
-                    <a:lnT w="12700">
-                      <a:solidFill>
-                        <a:srgbClr val="3EAF7C"/>
-                      </a:solidFill>
-                      <a:prstDash val="sysDot"/>
-                    </a:lnT>
-                    <a:lnB w="12700">
-                      <a:solidFill>
-                        <a:srgbClr val="3EAF7C"/>
-                      </a:solidFill>
-                      <a:prstDash val="sysDot"/>
-                    </a:lnB>
-                    <a:noFill/>
-                  </a:tcPr>
-                </a:tc>
-                <a:tc hMerge="1">
-                  <a:tcPr>
-                    <a:lnL w="28575">
-                      <a:solidFill>
-                        <a:srgbClr val="3EAF7C"/>
-                      </a:solidFill>
-                      <a:prstDash val="solid"/>
-                    </a:lnL>
-                    <a:lnR w="28575">
-                      <a:solidFill>
-                        <a:srgbClr val="3EAF7C"/>
-                      </a:solidFill>
-                      <a:prstDash val="solid"/>
-                    </a:lnR>
-                    <a:lnT w="12700">
-                      <a:solidFill>
-                        <a:srgbClr val="3EAF7C"/>
-                      </a:solidFill>
-                      <a:prstDash val="sysDot"/>
-                    </a:lnT>
-                    <a:lnB w="12700">
-                      <a:solidFill>
-                        <a:srgbClr val="3EAF7C"/>
-                      </a:solidFill>
-                      <a:prstDash val="sysDot"/>
-                    </a:lnB>
-                    <a:noFill/>
-                  </a:tcPr>
-                </a:tc>
-                <a:tc hMerge="1">
+                <a:tc hMerge="true">
+                  <a:tcPr>
+                    <a:lnL w="28575">
+                      <a:solidFill>
+                        <a:srgbClr val="3EAF7C"/>
+                      </a:solidFill>
+                      <a:prstDash val="solid"/>
+                    </a:lnL>
+                    <a:lnR w="28575">
+                      <a:solidFill>
+                        <a:srgbClr val="3EAF7C"/>
+                      </a:solidFill>
+                      <a:prstDash val="solid"/>
+                    </a:lnR>
+                    <a:lnT w="12700">
+                      <a:solidFill>
+                        <a:srgbClr val="3EAF7C"/>
+                      </a:solidFill>
+                      <a:prstDash val="sysDot"/>
+                    </a:lnT>
+                    <a:lnB w="12700">
+                      <a:solidFill>
+                        <a:srgbClr val="3EAF7C"/>
+                      </a:solidFill>
+                      <a:prstDash val="sysDot"/>
+                    </a:lnB>
+                    <a:noFill/>
+                  </a:tcPr>
+                </a:tc>
+                <a:tc hMerge="true">
+                  <a:tcPr>
+                    <a:lnL w="28575">
+                      <a:solidFill>
+                        <a:srgbClr val="3EAF7C"/>
+                      </a:solidFill>
+                      <a:prstDash val="solid"/>
+                    </a:lnL>
+                    <a:lnR w="28575">
+                      <a:solidFill>
+                        <a:srgbClr val="3EAF7C"/>
+                      </a:solidFill>
+                      <a:prstDash val="solid"/>
+                    </a:lnR>
+                    <a:lnT w="12700">
+                      <a:solidFill>
+                        <a:srgbClr val="3EAF7C"/>
+                      </a:solidFill>
+                      <a:prstDash val="sysDot"/>
+                    </a:lnT>
+                    <a:lnB w="12700">
+                      <a:solidFill>
+                        <a:srgbClr val="3EAF7C"/>
+                      </a:solidFill>
+                      <a:prstDash val="sysDot"/>
+                    </a:lnB>
+                    <a:noFill/>
+                  </a:tcPr>
+                </a:tc>
+                <a:tc hMerge="true">
+                  <a:tcPr>
+                    <a:lnL w="28575">
+                      <a:solidFill>
+                        <a:srgbClr val="3EAF7C"/>
+                      </a:solidFill>
+                      <a:prstDash val="solid"/>
+                    </a:lnL>
+                    <a:lnR w="28575">
+                      <a:solidFill>
+                        <a:srgbClr val="3EAF7C"/>
+                      </a:solidFill>
+                      <a:prstDash val="solid"/>
+                    </a:lnR>
+                    <a:lnT w="12700">
+                      <a:solidFill>
+                        <a:srgbClr val="3EAF7C"/>
+                      </a:solidFill>
+                      <a:prstDash val="sysDot"/>
+                    </a:lnT>
+                    <a:lnB w="12700">
+                      <a:solidFill>
+                        <a:srgbClr val="3EAF7C"/>
+                      </a:solidFill>
+                      <a:prstDash val="sysDot"/>
+                    </a:lnB>
+                    <a:noFill/>
+                  </a:tcPr>
+                </a:tc>
+                <a:tc hMerge="true">
+                  <a:tcPr>
+                    <a:lnL w="28575">
+                      <a:solidFill>
+                        <a:srgbClr val="3EAF7C"/>
+                      </a:solidFill>
+                      <a:prstDash val="solid"/>
+                    </a:lnL>
+                    <a:lnR w="28575">
+                      <a:solidFill>
+                        <a:srgbClr val="3EAF7C"/>
+                      </a:solidFill>
+                      <a:prstDash val="solid"/>
+                    </a:lnR>
+                    <a:lnT w="12700">
+                      <a:solidFill>
+                        <a:srgbClr val="3EAF7C"/>
+                      </a:solidFill>
+                      <a:prstDash val="sysDot"/>
+                    </a:lnT>
+                    <a:lnB w="12700">
+                      <a:solidFill>
+                        <a:srgbClr val="3EAF7C"/>
+                      </a:solidFill>
+                      <a:prstDash val="sysDot"/>
+                    </a:lnB>
+                    <a:noFill/>
+                  </a:tcPr>
+                </a:tc>
+                <a:tc hMerge="true">
+                  <a:tcPr>
+                    <a:lnL w="28575">
+                      <a:solidFill>
+                        <a:srgbClr val="3EAF7C"/>
+                      </a:solidFill>
+                      <a:prstDash val="solid"/>
+                    </a:lnL>
+                    <a:lnR w="28575">
+                      <a:solidFill>
+                        <a:srgbClr val="3EAF7C"/>
+                      </a:solidFill>
+                      <a:prstDash val="solid"/>
+                    </a:lnR>
+                    <a:lnT w="12700">
+                      <a:solidFill>
+                        <a:srgbClr val="3EAF7C"/>
+                      </a:solidFill>
+                      <a:prstDash val="sysDot"/>
+                    </a:lnT>
+                    <a:lnB w="12700">
+                      <a:solidFill>
+                        <a:srgbClr val="3EAF7C"/>
+                      </a:solidFill>
+                      <a:prstDash val="sysDot"/>
+                    </a:lnB>
+                    <a:noFill/>
+                  </a:tcPr>
+                </a:tc>
+                <a:tc hMerge="true">
+                  <a:tcPr>
+                    <a:lnL w="28575">
+                      <a:solidFill>
+                        <a:srgbClr val="3EAF7C"/>
+                      </a:solidFill>
+                      <a:prstDash val="solid"/>
+                    </a:lnL>
+                    <a:lnR w="28575">
+                      <a:solidFill>
+                        <a:srgbClr val="3EAF7C"/>
+                      </a:solidFill>
+                      <a:prstDash val="solid"/>
+                    </a:lnR>
+                    <a:lnT w="12700">
+                      <a:solidFill>
+                        <a:srgbClr val="3EAF7C"/>
+                      </a:solidFill>
+                      <a:prstDash val="sysDot"/>
+                    </a:lnT>
+                    <a:lnB w="12700">
+                      <a:solidFill>
+                        <a:srgbClr val="3EAF7C"/>
+                      </a:solidFill>
+                      <a:prstDash val="sysDot"/>
+                    </a:lnB>
+                    <a:noFill/>
+                  </a:tcPr>
+                </a:tc>
+                <a:tc hMerge="true">
+                  <a:tcPr>
+                    <a:lnL w="28575">
+                      <a:solidFill>
+                        <a:srgbClr val="3EAF7C"/>
+                      </a:solidFill>
+                      <a:prstDash val="solid"/>
+                    </a:lnL>
+                    <a:lnR w="28575">
+                      <a:solidFill>
+                        <a:srgbClr val="3EAF7C"/>
+                      </a:solidFill>
+                      <a:prstDash val="solid"/>
+                    </a:lnR>
+                    <a:lnT w="12700">
+                      <a:solidFill>
+                        <a:srgbClr val="3EAF7C"/>
+                      </a:solidFill>
+                      <a:prstDash val="sysDot"/>
+                    </a:lnT>
+                    <a:lnB w="12700">
+                      <a:solidFill>
+                        <a:srgbClr val="3EAF7C"/>
+                      </a:solidFill>
+                      <a:prstDash val="sysDot"/>
+                    </a:lnB>
+                    <a:noFill/>
+                  </a:tcPr>
+                </a:tc>
+                <a:tc hMerge="true">
+                  <a:tcPr>
+                    <a:lnL w="28575">
+                      <a:solidFill>
+                        <a:srgbClr val="3EAF7C"/>
+                      </a:solidFill>
+                      <a:prstDash val="solid"/>
+                    </a:lnL>
+                    <a:lnR w="28575">
+                      <a:solidFill>
+                        <a:srgbClr val="3EAF7C"/>
+                      </a:solidFill>
+                      <a:prstDash val="solid"/>
+                    </a:lnR>
+                    <a:lnT w="12700">
+                      <a:solidFill>
+                        <a:srgbClr val="3EAF7C"/>
+                      </a:solidFill>
+                      <a:prstDash val="sysDot"/>
+                    </a:lnT>
+                    <a:lnB w="12700">
+                      <a:solidFill>
+                        <a:srgbClr val="3EAF7C"/>
+                      </a:solidFill>
+                      <a:prstDash val="sysDot"/>
+                    </a:lnB>
+                    <a:noFill/>
+                  </a:tcPr>
+                </a:tc>
+                <a:tc hMerge="true">
                   <a:tcPr>
                     <a:lnL w="28575">
                       <a:solidFill>
@@ -6303,14 +6305,14 @@
                         <a:buNone/>
                       </a:pPr>
                       <a:r>
-                        <a:rPr lang="" altLang="zh-CN" sz="600" b="1">
+                        <a:rPr lang="en-US" altLang="zh-CN" sz="600" b="1">
                           <a:solidFill>
                             <a:srgbClr val="2C3E50"/>
                           </a:solidFill>
                         </a:rPr>
                         <a:t>size_dt_strings</a:t>
                       </a:r>
-                      <a:endParaRPr lang="" altLang="zh-CN" sz="600" b="1">
+                      <a:endParaRPr lang="en-US" altLang="zh-CN" sz="600" b="1">
                         <a:solidFill>
                           <a:srgbClr val="2C3E50"/>
                         </a:solidFill>
@@ -6345,239 +6347,239 @@
                     <a:noFill/>
                   </a:tcPr>
                 </a:tc>
-                <a:tc hMerge="1">
-                  <a:tcPr>
-                    <a:lnL w="28575">
-                      <a:solidFill>
-                        <a:srgbClr val="3EAF7C"/>
-                      </a:solidFill>
-                      <a:prstDash val="solid"/>
-                    </a:lnL>
-                    <a:lnR w="28575">
-                      <a:solidFill>
-                        <a:srgbClr val="3EAF7C"/>
-                      </a:solidFill>
-                      <a:prstDash val="solid"/>
-                    </a:lnR>
-                    <a:lnT w="12700">
-                      <a:solidFill>
-                        <a:srgbClr val="3EAF7C"/>
-                      </a:solidFill>
-                      <a:prstDash val="sysDot"/>
-                    </a:lnT>
-                    <a:lnB w="12700">
-                      <a:solidFill>
-                        <a:srgbClr val="3EAF7C"/>
-                      </a:solidFill>
-                      <a:prstDash val="sysDot"/>
-                    </a:lnB>
-                    <a:noFill/>
-                  </a:tcPr>
-                </a:tc>
-                <a:tc hMerge="1">
-                  <a:tcPr>
-                    <a:lnL w="28575">
-                      <a:solidFill>
-                        <a:srgbClr val="3EAF7C"/>
-                      </a:solidFill>
-                      <a:prstDash val="solid"/>
-                    </a:lnL>
-                    <a:lnR w="28575">
-                      <a:solidFill>
-                        <a:srgbClr val="3EAF7C"/>
-                      </a:solidFill>
-                      <a:prstDash val="solid"/>
-                    </a:lnR>
-                    <a:lnT w="12700">
-                      <a:solidFill>
-                        <a:srgbClr val="3EAF7C"/>
-                      </a:solidFill>
-                      <a:prstDash val="sysDot"/>
-                    </a:lnT>
-                    <a:lnB w="12700">
-                      <a:solidFill>
-                        <a:srgbClr val="3EAF7C"/>
-                      </a:solidFill>
-                      <a:prstDash val="sysDot"/>
-                    </a:lnB>
-                    <a:noFill/>
-                  </a:tcPr>
-                </a:tc>
-                <a:tc hMerge="1">
-                  <a:tcPr>
-                    <a:lnL w="28575">
-                      <a:solidFill>
-                        <a:srgbClr val="3EAF7C"/>
-                      </a:solidFill>
-                      <a:prstDash val="solid"/>
-                    </a:lnL>
-                    <a:lnR w="28575">
-                      <a:solidFill>
-                        <a:srgbClr val="3EAF7C"/>
-                      </a:solidFill>
-                      <a:prstDash val="solid"/>
-                    </a:lnR>
-                    <a:lnT w="12700">
-                      <a:solidFill>
-                        <a:srgbClr val="3EAF7C"/>
-                      </a:solidFill>
-                      <a:prstDash val="sysDot"/>
-                    </a:lnT>
-                    <a:lnB w="12700">
-                      <a:solidFill>
-                        <a:srgbClr val="3EAF7C"/>
-                      </a:solidFill>
-                      <a:prstDash val="sysDot"/>
-                    </a:lnB>
-                    <a:noFill/>
-                  </a:tcPr>
-                </a:tc>
-                <a:tc hMerge="1">
-                  <a:tcPr>
-                    <a:lnL w="28575">
-                      <a:solidFill>
-                        <a:srgbClr val="3EAF7C"/>
-                      </a:solidFill>
-                      <a:prstDash val="solid"/>
-                    </a:lnL>
-                    <a:lnR w="28575">
-                      <a:solidFill>
-                        <a:srgbClr val="3EAF7C"/>
-                      </a:solidFill>
-                      <a:prstDash val="solid"/>
-                    </a:lnR>
-                    <a:lnT w="12700">
-                      <a:solidFill>
-                        <a:srgbClr val="3EAF7C"/>
-                      </a:solidFill>
-                      <a:prstDash val="sysDot"/>
-                    </a:lnT>
-                    <a:lnB w="12700">
-                      <a:solidFill>
-                        <a:srgbClr val="3EAF7C"/>
-                      </a:solidFill>
-                      <a:prstDash val="sysDot"/>
-                    </a:lnB>
-                    <a:noFill/>
-                  </a:tcPr>
-                </a:tc>
-                <a:tc hMerge="1">
-                  <a:tcPr>
-                    <a:lnL w="28575">
-                      <a:solidFill>
-                        <a:srgbClr val="3EAF7C"/>
-                      </a:solidFill>
-                      <a:prstDash val="solid"/>
-                    </a:lnL>
-                    <a:lnR w="28575">
-                      <a:solidFill>
-                        <a:srgbClr val="3EAF7C"/>
-                      </a:solidFill>
-                      <a:prstDash val="solid"/>
-                    </a:lnR>
-                    <a:lnT w="12700">
-                      <a:solidFill>
-                        <a:srgbClr val="3EAF7C"/>
-                      </a:solidFill>
-                      <a:prstDash val="sysDot"/>
-                    </a:lnT>
-                    <a:lnB w="12700">
-                      <a:solidFill>
-                        <a:srgbClr val="3EAF7C"/>
-                      </a:solidFill>
-                      <a:prstDash val="sysDot"/>
-                    </a:lnB>
-                    <a:noFill/>
-                  </a:tcPr>
-                </a:tc>
-                <a:tc hMerge="1">
-                  <a:tcPr>
-                    <a:lnL w="28575">
-                      <a:solidFill>
-                        <a:srgbClr val="3EAF7C"/>
-                      </a:solidFill>
-                      <a:prstDash val="solid"/>
-                    </a:lnL>
-                    <a:lnR w="28575">
-                      <a:solidFill>
-                        <a:srgbClr val="3EAF7C"/>
-                      </a:solidFill>
-                      <a:prstDash val="solid"/>
-                    </a:lnR>
-                    <a:lnT w="12700">
-                      <a:solidFill>
-                        <a:srgbClr val="3EAF7C"/>
-                      </a:solidFill>
-                      <a:prstDash val="sysDot"/>
-                    </a:lnT>
-                    <a:lnB w="12700">
-                      <a:solidFill>
-                        <a:srgbClr val="3EAF7C"/>
-                      </a:solidFill>
-                      <a:prstDash val="sysDot"/>
-                    </a:lnB>
-                    <a:noFill/>
-                  </a:tcPr>
-                </a:tc>
-                <a:tc hMerge="1">
-                  <a:tcPr>
-                    <a:lnL w="28575">
-                      <a:solidFill>
-                        <a:srgbClr val="3EAF7C"/>
-                      </a:solidFill>
-                      <a:prstDash val="solid"/>
-                    </a:lnL>
-                    <a:lnR w="28575">
-                      <a:solidFill>
-                        <a:srgbClr val="3EAF7C"/>
-                      </a:solidFill>
-                      <a:prstDash val="solid"/>
-                    </a:lnR>
-                    <a:lnT w="12700">
-                      <a:solidFill>
-                        <a:srgbClr val="3EAF7C"/>
-                      </a:solidFill>
-                      <a:prstDash val="sysDot"/>
-                    </a:lnT>
-                    <a:lnB w="12700">
-                      <a:solidFill>
-                        <a:srgbClr val="3EAF7C"/>
-                      </a:solidFill>
-                      <a:prstDash val="sysDot"/>
-                    </a:lnB>
-                    <a:noFill/>
-                  </a:tcPr>
-                </a:tc>
-                <a:tc hMerge="1">
-                  <a:tcPr>
-                    <a:lnL w="28575">
-                      <a:solidFill>
-                        <a:srgbClr val="3EAF7C"/>
-                      </a:solidFill>
-                      <a:prstDash val="solid"/>
-                    </a:lnL>
-                    <a:lnR w="28575">
-                      <a:solidFill>
-                        <a:srgbClr val="3EAF7C"/>
-                      </a:solidFill>
-                      <a:prstDash val="solid"/>
-                    </a:lnR>
-                    <a:lnT w="12700">
-                      <a:solidFill>
-                        <a:srgbClr val="3EAF7C"/>
-                      </a:solidFill>
-                      <a:prstDash val="sysDot"/>
-                    </a:lnT>
-                    <a:lnB w="12700">
-                      <a:solidFill>
-                        <a:srgbClr val="3EAF7C"/>
-                      </a:solidFill>
-                      <a:prstDash val="sysDot"/>
-                    </a:lnB>
-                    <a:noFill/>
-                  </a:tcPr>
-                </a:tc>
-                <a:tc hMerge="1">
+                <a:tc hMerge="true">
+                  <a:tcPr>
+                    <a:lnL w="28575">
+                      <a:solidFill>
+                        <a:srgbClr val="3EAF7C"/>
+                      </a:solidFill>
+                      <a:prstDash val="solid"/>
+                    </a:lnL>
+                    <a:lnR w="28575">
+                      <a:solidFill>
+                        <a:srgbClr val="3EAF7C"/>
+                      </a:solidFill>
+                      <a:prstDash val="solid"/>
+                    </a:lnR>
+                    <a:lnT w="12700">
+                      <a:solidFill>
+                        <a:srgbClr val="3EAF7C"/>
+                      </a:solidFill>
+                      <a:prstDash val="sysDot"/>
+                    </a:lnT>
+                    <a:lnB w="12700">
+                      <a:solidFill>
+                        <a:srgbClr val="3EAF7C"/>
+                      </a:solidFill>
+                      <a:prstDash val="sysDot"/>
+                    </a:lnB>
+                    <a:noFill/>
+                  </a:tcPr>
+                </a:tc>
+                <a:tc hMerge="true">
+                  <a:tcPr>
+                    <a:lnL w="28575">
+                      <a:solidFill>
+                        <a:srgbClr val="3EAF7C"/>
+                      </a:solidFill>
+                      <a:prstDash val="solid"/>
+                    </a:lnL>
+                    <a:lnR w="28575">
+                      <a:solidFill>
+                        <a:srgbClr val="3EAF7C"/>
+                      </a:solidFill>
+                      <a:prstDash val="solid"/>
+                    </a:lnR>
+                    <a:lnT w="12700">
+                      <a:solidFill>
+                        <a:srgbClr val="3EAF7C"/>
+                      </a:solidFill>
+                      <a:prstDash val="sysDot"/>
+                    </a:lnT>
+                    <a:lnB w="12700">
+                      <a:solidFill>
+                        <a:srgbClr val="3EAF7C"/>
+                      </a:solidFill>
+                      <a:prstDash val="sysDot"/>
+                    </a:lnB>
+                    <a:noFill/>
+                  </a:tcPr>
+                </a:tc>
+                <a:tc hMerge="true">
+                  <a:tcPr>
+                    <a:lnL w="28575">
+                      <a:solidFill>
+                        <a:srgbClr val="3EAF7C"/>
+                      </a:solidFill>
+                      <a:prstDash val="solid"/>
+                    </a:lnL>
+                    <a:lnR w="28575">
+                      <a:solidFill>
+                        <a:srgbClr val="3EAF7C"/>
+                      </a:solidFill>
+                      <a:prstDash val="solid"/>
+                    </a:lnR>
+                    <a:lnT w="12700">
+                      <a:solidFill>
+                        <a:srgbClr val="3EAF7C"/>
+                      </a:solidFill>
+                      <a:prstDash val="sysDot"/>
+                    </a:lnT>
+                    <a:lnB w="12700">
+                      <a:solidFill>
+                        <a:srgbClr val="3EAF7C"/>
+                      </a:solidFill>
+                      <a:prstDash val="sysDot"/>
+                    </a:lnB>
+                    <a:noFill/>
+                  </a:tcPr>
+                </a:tc>
+                <a:tc hMerge="true">
+                  <a:tcPr>
+                    <a:lnL w="28575">
+                      <a:solidFill>
+                        <a:srgbClr val="3EAF7C"/>
+                      </a:solidFill>
+                      <a:prstDash val="solid"/>
+                    </a:lnL>
+                    <a:lnR w="28575">
+                      <a:solidFill>
+                        <a:srgbClr val="3EAF7C"/>
+                      </a:solidFill>
+                      <a:prstDash val="solid"/>
+                    </a:lnR>
+                    <a:lnT w="12700">
+                      <a:solidFill>
+                        <a:srgbClr val="3EAF7C"/>
+                      </a:solidFill>
+                      <a:prstDash val="sysDot"/>
+                    </a:lnT>
+                    <a:lnB w="12700">
+                      <a:solidFill>
+                        <a:srgbClr val="3EAF7C"/>
+                      </a:solidFill>
+                      <a:prstDash val="sysDot"/>
+                    </a:lnB>
+                    <a:noFill/>
+                  </a:tcPr>
+                </a:tc>
+                <a:tc hMerge="true">
+                  <a:tcPr>
+                    <a:lnL w="28575">
+                      <a:solidFill>
+                        <a:srgbClr val="3EAF7C"/>
+                      </a:solidFill>
+                      <a:prstDash val="solid"/>
+                    </a:lnL>
+                    <a:lnR w="28575">
+                      <a:solidFill>
+                        <a:srgbClr val="3EAF7C"/>
+                      </a:solidFill>
+                      <a:prstDash val="solid"/>
+                    </a:lnR>
+                    <a:lnT w="12700">
+                      <a:solidFill>
+                        <a:srgbClr val="3EAF7C"/>
+                      </a:solidFill>
+                      <a:prstDash val="sysDot"/>
+                    </a:lnT>
+                    <a:lnB w="12700">
+                      <a:solidFill>
+                        <a:srgbClr val="3EAF7C"/>
+                      </a:solidFill>
+                      <a:prstDash val="sysDot"/>
+                    </a:lnB>
+                    <a:noFill/>
+                  </a:tcPr>
+                </a:tc>
+                <a:tc hMerge="true">
+                  <a:tcPr>
+                    <a:lnL w="28575">
+                      <a:solidFill>
+                        <a:srgbClr val="3EAF7C"/>
+                      </a:solidFill>
+                      <a:prstDash val="solid"/>
+                    </a:lnL>
+                    <a:lnR w="28575">
+                      <a:solidFill>
+                        <a:srgbClr val="3EAF7C"/>
+                      </a:solidFill>
+                      <a:prstDash val="solid"/>
+                    </a:lnR>
+                    <a:lnT w="12700">
+                      <a:solidFill>
+                        <a:srgbClr val="3EAF7C"/>
+                      </a:solidFill>
+                      <a:prstDash val="sysDot"/>
+                    </a:lnT>
+                    <a:lnB w="12700">
+                      <a:solidFill>
+                        <a:srgbClr val="3EAF7C"/>
+                      </a:solidFill>
+                      <a:prstDash val="sysDot"/>
+                    </a:lnB>
+                    <a:noFill/>
+                  </a:tcPr>
+                </a:tc>
+                <a:tc hMerge="true">
+                  <a:tcPr>
+                    <a:lnL w="28575">
+                      <a:solidFill>
+                        <a:srgbClr val="3EAF7C"/>
+                      </a:solidFill>
+                      <a:prstDash val="solid"/>
+                    </a:lnL>
+                    <a:lnR w="28575">
+                      <a:solidFill>
+                        <a:srgbClr val="3EAF7C"/>
+                      </a:solidFill>
+                      <a:prstDash val="solid"/>
+                    </a:lnR>
+                    <a:lnT w="12700">
+                      <a:solidFill>
+                        <a:srgbClr val="3EAF7C"/>
+                      </a:solidFill>
+                      <a:prstDash val="sysDot"/>
+                    </a:lnT>
+                    <a:lnB w="12700">
+                      <a:solidFill>
+                        <a:srgbClr val="3EAF7C"/>
+                      </a:solidFill>
+                      <a:prstDash val="sysDot"/>
+                    </a:lnB>
+                    <a:noFill/>
+                  </a:tcPr>
+                </a:tc>
+                <a:tc hMerge="true">
+                  <a:tcPr>
+                    <a:lnL w="28575">
+                      <a:solidFill>
+                        <a:srgbClr val="3EAF7C"/>
+                      </a:solidFill>
+                      <a:prstDash val="solid"/>
+                    </a:lnL>
+                    <a:lnR w="28575">
+                      <a:solidFill>
+                        <a:srgbClr val="3EAF7C"/>
+                      </a:solidFill>
+                      <a:prstDash val="solid"/>
+                    </a:lnR>
+                    <a:lnT w="12700">
+                      <a:solidFill>
+                        <a:srgbClr val="3EAF7C"/>
+                      </a:solidFill>
+                      <a:prstDash val="sysDot"/>
+                    </a:lnT>
+                    <a:lnB w="12700">
+                      <a:solidFill>
+                        <a:srgbClr val="3EAF7C"/>
+                      </a:solidFill>
+                      <a:prstDash val="sysDot"/>
+                    </a:lnB>
+                    <a:noFill/>
+                  </a:tcPr>
+                </a:tc>
+                <a:tc hMerge="true">
                   <a:tcPr>
                     <a:lnL w="28575">
                       <a:solidFill>
@@ -6616,14 +6618,14 @@
                         <a:buNone/>
                       </a:pPr>
                       <a:r>
-                        <a:rPr lang="" altLang="zh-CN" sz="600" b="1">
+                        <a:rPr lang="en-US" altLang="zh-CN" sz="600" b="1">
                           <a:solidFill>
                             <a:srgbClr val="2C3E50"/>
                           </a:solidFill>
                         </a:rPr>
                         <a:t>size_dt_struct</a:t>
                       </a:r>
-                      <a:endParaRPr lang="" altLang="zh-CN" sz="600" b="1">
+                      <a:endParaRPr lang="en-US" altLang="zh-CN" sz="600" b="1">
                         <a:solidFill>
                           <a:srgbClr val="2C3E50"/>
                         </a:solidFill>
@@ -6658,7 +6660,7 @@
                     <a:noFill/>
                   </a:tcPr>
                 </a:tc>
-                <a:tc hMerge="1">
+                <a:tc hMerge="true">
                   <a:tcPr>
                     <a:lnL w="28575">
                       <a:solidFill>
@@ -6687,7 +6689,7 @@
                     <a:noFill/>
                   </a:tcPr>
                 </a:tc>
-                <a:tc hMerge="1">
+                <a:tc hMerge="true">
                   <a:tcPr>
                     <a:lnL w="28575">
                       <a:solidFill>
@@ -6716,7 +6718,7 @@
                     <a:noFill/>
                   </a:tcPr>
                 </a:tc>
-                <a:tc hMerge="1">
+                <a:tc hMerge="true">
                   <a:tcPr>
                     <a:lnL w="28575">
                       <a:solidFill>
@@ -6745,7 +6747,7 @@
                     <a:noFill/>
                   </a:tcPr>
                 </a:tc>
-                <a:tc hMerge="1">
+                <a:tc hMerge="true">
                   <a:tcPr>
                     <a:lnL w="28575">
                       <a:solidFill>
@@ -6774,7 +6776,7 @@
                     <a:noFill/>
                   </a:tcPr>
                 </a:tc>
-                <a:tc hMerge="1">
+                <a:tc hMerge="true">
                   <a:tcPr>
                     <a:lnL w="28575">
                       <a:solidFill>
@@ -6803,7 +6805,7 @@
                     <a:noFill/>
                   </a:tcPr>
                 </a:tc>
-                <a:tc hMerge="1">
+                <a:tc hMerge="true">
                   <a:tcPr>
                     <a:lnL w="28575">
                       <a:solidFill>
@@ -6832,7 +6834,7 @@
                     <a:noFill/>
                   </a:tcPr>
                 </a:tc>
-                <a:tc hMerge="1">
+                <a:tc hMerge="true">
                   <a:tcPr>
                     <a:lnL w="28575">
                       <a:solidFill>
@@ -6861,7 +6863,7 @@
                     <a:noFill/>
                   </a:tcPr>
                 </a:tc>
-                <a:tc hMerge="1">
+                <a:tc hMerge="true">
                   <a:tcPr>
                     <a:lnL w="28575">
                       <a:solidFill>
@@ -6890,7 +6892,7 @@
                     <a:noFill/>
                   </a:tcPr>
                 </a:tc>
-                <a:tc hMerge="1">
+                <a:tc hMerge="true">
                   <a:tcPr>
                     <a:lnL w="28575">
                       <a:solidFill>
@@ -6929,14 +6931,14 @@
                         <a:buNone/>
                       </a:pPr>
                       <a:r>
-                        <a:rPr lang="" altLang="zh-CN" sz="600" b="1">
+                        <a:rPr lang="en-US" altLang="zh-CN" sz="600" b="1">
                           <a:solidFill>
                             <a:srgbClr val="2C3E50"/>
                           </a:solidFill>
                         </a:rPr>
                         <a:t>00 00 00 ...</a:t>
                       </a:r>
-                      <a:endParaRPr lang="" altLang="zh-CN" sz="600" b="1">
+                      <a:endParaRPr lang="en-US" altLang="zh-CN" sz="600" b="1">
                         <a:solidFill>
                           <a:srgbClr val="2C3E50"/>
                         </a:solidFill>
@@ -6971,7 +6973,7 @@
                     <a:noFill/>
                   </a:tcPr>
                 </a:tc>
-                <a:tc hMerge="1">
+                <a:tc hMerge="true">
                   <a:tcPr>
                     <a:lnL w="28575">
                       <a:solidFill>
@@ -7000,7 +7002,7 @@
                     <a:noFill/>
                   </a:tcPr>
                 </a:tc>
-                <a:tc hMerge="1">
+                <a:tc hMerge="true">
                   <a:tcPr>
                     <a:lnL w="28575">
                       <a:solidFill>
@@ -7029,7 +7031,7 @@
                     <a:noFill/>
                   </a:tcPr>
                 </a:tc>
-                <a:tc hMerge="1">
+                <a:tc hMerge="true">
                   <a:tcPr>
                     <a:lnL w="28575">
                       <a:solidFill>
@@ -7058,7 +7060,7 @@
                     <a:noFill/>
                   </a:tcPr>
                 </a:tc>
-                <a:tc hMerge="1">
+                <a:tc hMerge="true">
                   <a:tcPr>
                     <a:lnL w="28575">
                       <a:solidFill>
@@ -7087,7 +7089,7 @@
                     <a:noFill/>
                   </a:tcPr>
                 </a:tc>
-                <a:tc hMerge="1">
+                <a:tc hMerge="true">
                   <a:tcPr>
                     <a:lnL w="28575">
                       <a:solidFill>
@@ -7116,7 +7118,7 @@
                     <a:noFill/>
                   </a:tcPr>
                 </a:tc>
-                <a:tc hMerge="1">
+                <a:tc hMerge="true">
                   <a:tcPr>
                     <a:lnL w="28575">
                       <a:solidFill>
@@ -7145,7 +7147,7 @@
                     <a:noFill/>
                   </a:tcPr>
                 </a:tc>
-                <a:tc hMerge="1">
+                <a:tc hMerge="true">
                   <a:tcPr>
                     <a:lnL w="28575">
                       <a:solidFill>
@@ -7174,7 +7176,7 @@
                     <a:noFill/>
                   </a:tcPr>
                 </a:tc>
-                <a:tc hMerge="1">
+                <a:tc hMerge="true">
                   <a:tcPr>
                     <a:lnL w="28575">
                       <a:solidFill>
@@ -7203,7 +7205,7 @@
                     <a:noFill/>
                   </a:tcPr>
                 </a:tc>
-                <a:tc hMerge="1">
+                <a:tc hMerge="true">
                   <a:tcPr>
                     <a:lnL w="28575">
                       <a:solidFill>
@@ -7242,14 +7244,14 @@
                         <a:buNone/>
                       </a:pPr>
                       <a:r>
-                        <a:rPr lang="" altLang="zh-CN" sz="600" b="1">
+                        <a:rPr lang="en-US" altLang="zh-CN" sz="600" b="1">
                           <a:solidFill>
                             <a:srgbClr val="2C3E50"/>
                           </a:solidFill>
                         </a:rPr>
                         <a:t>FDT_BEGIN_NODE</a:t>
                       </a:r>
-                      <a:endParaRPr lang="" altLang="zh-CN" sz="600" b="1">
+                      <a:endParaRPr lang="en-US" altLang="zh-CN" sz="600" b="1">
                         <a:solidFill>
                           <a:srgbClr val="2C3E50"/>
                         </a:solidFill>
@@ -7284,7 +7286,7 @@
                     <a:noFill/>
                   </a:tcPr>
                 </a:tc>
-                <a:tc hMerge="1">
+                <a:tc hMerge="true">
                   <a:tcPr>
                     <a:lnL w="28575">
                       <a:solidFill>
@@ -7321,14 +7323,14 @@
                         <a:buNone/>
                       </a:pPr>
                       <a:r>
-                        <a:rPr lang="" altLang="zh-CN" sz="600" b="1">
+                        <a:rPr lang="en-US" altLang="zh-CN" sz="600" b="1">
                           <a:solidFill>
                             <a:srgbClr val="2C3E50"/>
                           </a:solidFill>
                         </a:rPr>
                         <a:t>FDT_NODE_NAME</a:t>
                       </a:r>
-                      <a:endParaRPr lang="" altLang="zh-CN" sz="600" b="1">
+                      <a:endParaRPr lang="en-US" altLang="zh-CN" sz="600" b="1">
                         <a:solidFill>
                           <a:srgbClr val="2C3E50"/>
                         </a:solidFill>
@@ -7363,7 +7365,7 @@
                     <a:noFill/>
                   </a:tcPr>
                 </a:tc>
-                <a:tc hMerge="1">
+                <a:tc hMerge="true">
                   <a:tcPr>
                     <a:lnL w="28575">
                       <a:solidFill>
@@ -7392,7 +7394,7 @@
                     <a:noFill/>
                   </a:tcPr>
                 </a:tc>
-                <a:tc hMerge="1">
+                <a:tc hMerge="true">
                   <a:tcPr>
                     <a:lnL w="28575">
                       <a:solidFill>
@@ -7428,7 +7430,7 @@
                       <a:pPr algn="ctr">
                         <a:buNone/>
                       </a:pPr>
-                      <a:endParaRPr lang="" altLang="zh-CN" sz="600" b="1">
+                      <a:endParaRPr lang="en-US" altLang="zh-CN" sz="600" b="1">
                         <a:solidFill>
                           <a:srgbClr val="2C3E50"/>
                         </a:solidFill>
@@ -7463,7 +7465,7 @@
                     <a:noFill/>
                   </a:tcPr>
                 </a:tc>
-                <a:tc hMerge="1">
+                <a:tc hMerge="true">
                   <a:tcPr>
                     <a:lnL w="28575">
                       <a:solidFill>
@@ -7492,7 +7494,7 @@
                     <a:noFill/>
                   </a:tcPr>
                 </a:tc>
-                <a:tc hMerge="1">
+                <a:tc hMerge="true">
                   <a:tcPr>
                     <a:lnL w="28575">
                       <a:solidFill>
@@ -7521,7 +7523,7 @@
                     <a:noFill/>
                   </a:tcPr>
                 </a:tc>
-                <a:tc hMerge="1">
+                <a:tc hMerge="true">
                   <a:tcPr>
                     <a:lnL w="28575">
                       <a:solidFill>
@@ -7550,7 +7552,7 @@
                     <a:noFill/>
                   </a:tcPr>
                 </a:tc>
-                <a:tc hMerge="1">
+                <a:tc hMerge="true">
                   <a:tcPr>
                     <a:lnL w="28575">
                       <a:solidFill>
@@ -7674,7 +7676,7 @@
                     <a:noFill/>
                   </a:tcPr>
                 </a:tc>
-                <a:tc hMerge="1">
+                <a:tc hMerge="true">
                   <a:tcPr>
                     <a:lnL w="28575">
                       <a:solidFill>
@@ -7754,7 +7756,7 @@
                     <a:noFill/>
                   </a:tcPr>
                 </a:tc>
-                <a:tc hMerge="1">
+                <a:tc hMerge="true">
                   <a:tcPr>
                     <a:lnL w="12700">
                       <a:solidFill>
@@ -7783,7 +7785,7 @@
                     <a:noFill/>
                   </a:tcPr>
                 </a:tc>
-                <a:tc hMerge="1">
+                <a:tc hMerge="true">
                   <a:tcPr>
                     <a:lnL w="28575">
                       <a:solidFill>
@@ -7854,65 +7856,65 @@
                     <a:noFill/>
                   </a:tcPr>
                 </a:tc>
-                <a:tc hMerge="1">
-                  <a:tcPr>
-                    <a:lnL w="28575">
-                      <a:solidFill>
-                        <a:srgbClr val="3EAF7C"/>
-                      </a:solidFill>
-                      <a:prstDash val="solid"/>
-                    </a:lnL>
-                    <a:lnR w="28575">
-                      <a:solidFill>
-                        <a:srgbClr val="3EAF7C"/>
-                      </a:solidFill>
-                      <a:prstDash val="solid"/>
-                    </a:lnR>
-                    <a:lnT w="12700">
-                      <a:solidFill>
-                        <a:srgbClr val="3EAF7C"/>
-                      </a:solidFill>
-                      <a:prstDash val="sysDot"/>
-                    </a:lnT>
-                    <a:lnB w="12700">
-                      <a:solidFill>
-                        <a:srgbClr val="3EAF7C"/>
-                      </a:solidFill>
-                      <a:prstDash val="sysDot"/>
-                    </a:lnB>
-                    <a:noFill/>
-                  </a:tcPr>
-                </a:tc>
-                <a:tc hMerge="1">
-                  <a:tcPr>
-                    <a:lnL w="28575">
-                      <a:solidFill>
-                        <a:srgbClr val="3EAF7C"/>
-                      </a:solidFill>
-                      <a:prstDash val="solid"/>
-                    </a:lnL>
-                    <a:lnR w="28575">
-                      <a:solidFill>
-                        <a:srgbClr val="3EAF7C"/>
-                      </a:solidFill>
-                      <a:prstDash val="solid"/>
-                    </a:lnR>
-                    <a:lnT w="12700">
-                      <a:solidFill>
-                        <a:srgbClr val="3EAF7C"/>
-                      </a:solidFill>
-                      <a:prstDash val="sysDot"/>
-                    </a:lnT>
-                    <a:lnB w="12700">
-                      <a:solidFill>
-                        <a:srgbClr val="3EAF7C"/>
-                      </a:solidFill>
-                      <a:prstDash val="sysDot"/>
-                    </a:lnB>
-                    <a:noFill/>
-                  </a:tcPr>
-                </a:tc>
-                <a:tc hMerge="1">
+                <a:tc hMerge="true">
+                  <a:tcPr>
+                    <a:lnL w="28575">
+                      <a:solidFill>
+                        <a:srgbClr val="3EAF7C"/>
+                      </a:solidFill>
+                      <a:prstDash val="solid"/>
+                    </a:lnL>
+                    <a:lnR w="28575">
+                      <a:solidFill>
+                        <a:srgbClr val="3EAF7C"/>
+                      </a:solidFill>
+                      <a:prstDash val="solid"/>
+                    </a:lnR>
+                    <a:lnT w="12700">
+                      <a:solidFill>
+                        <a:srgbClr val="3EAF7C"/>
+                      </a:solidFill>
+                      <a:prstDash val="sysDot"/>
+                    </a:lnT>
+                    <a:lnB w="12700">
+                      <a:solidFill>
+                        <a:srgbClr val="3EAF7C"/>
+                      </a:solidFill>
+                      <a:prstDash val="sysDot"/>
+                    </a:lnB>
+                    <a:noFill/>
+                  </a:tcPr>
+                </a:tc>
+                <a:tc hMerge="true">
+                  <a:tcPr>
+                    <a:lnL w="28575">
+                      <a:solidFill>
+                        <a:srgbClr val="3EAF7C"/>
+                      </a:solidFill>
+                      <a:prstDash val="solid"/>
+                    </a:lnL>
+                    <a:lnR w="28575">
+                      <a:solidFill>
+                        <a:srgbClr val="3EAF7C"/>
+                      </a:solidFill>
+                      <a:prstDash val="solid"/>
+                    </a:lnR>
+                    <a:lnT w="12700">
+                      <a:solidFill>
+                        <a:srgbClr val="3EAF7C"/>
+                      </a:solidFill>
+                      <a:prstDash val="sysDot"/>
+                    </a:lnT>
+                    <a:lnB w="12700">
+                      <a:solidFill>
+                        <a:srgbClr val="3EAF7C"/>
+                      </a:solidFill>
+                      <a:prstDash val="sysDot"/>
+                    </a:lnB>
+                    <a:noFill/>
+                  </a:tcPr>
+                </a:tc>
+                <a:tc hMerge="true">
                   <a:tcPr>
                     <a:lnL w="28575">
                       <a:solidFill>
@@ -7985,429 +7987,7 @@
                     <a:noFill/>
                   </a:tcPr>
                 </a:tc>
-                <a:tc hMerge="1">
-                  <a:tcPr>
-                    <a:lnL w="28575">
-                      <a:solidFill>
-                        <a:srgbClr val="3EAF7C"/>
-                      </a:solidFill>
-                      <a:prstDash val="solid"/>
-                    </a:lnL>
-                    <a:lnR w="12700">
-                      <a:solidFill>
-                        <a:srgbClr val="3EAF7C"/>
-                      </a:solidFill>
-                      <a:prstDash val="sysDot"/>
-                    </a:lnR>
-                    <a:lnT w="12700">
-                      <a:solidFill>
-                        <a:srgbClr val="3EAF7C"/>
-                      </a:solidFill>
-                      <a:prstDash val="sysDot"/>
-                    </a:lnT>
-                    <a:lnB w="12700">
-                      <a:solidFill>
-                        <a:srgbClr val="3EAF7C"/>
-                      </a:solidFill>
-                      <a:prstDash val="sysDot"/>
-                    </a:lnB>
-                    <a:noFill/>
-                  </a:tcPr>
-                </a:tc>
-                <a:tc gridSpan="3">
-                  <a:txBody>
-                    <a:bodyPr/>
-                    <a:p>
-                      <a:pPr algn="ctr">
-                        <a:buNone/>
-                      </a:pPr>
-                      <a:r>
-                        <a:rPr lang="" altLang="zh-CN" sz="500" b="1">
-                          <a:solidFill>
-                            <a:srgbClr val="2C3E50"/>
-                          </a:solidFill>
-                        </a:rPr>
-                        <a:t>FDT_PROP</a:t>
-                      </a:r>
-                      <a:endParaRPr lang="" altLang="zh-CN" sz="500" b="1">
-                        <a:solidFill>
-                          <a:srgbClr val="2C3E50"/>
-                        </a:solidFill>
-                      </a:endParaRPr>
-                    </a:p>
-                  </a:txBody>
-                  <a:tcPr>
-                    <a:lnL w="12700">
-                      <a:solidFill>
-                        <a:srgbClr val="3EAF7C"/>
-                      </a:solidFill>
-                      <a:prstDash val="sysDot"/>
-                    </a:lnL>
-                    <a:lnR w="12700">
-                      <a:solidFill>
-                        <a:srgbClr val="3EAF7C"/>
-                      </a:solidFill>
-                      <a:prstDash val="sysDot"/>
-                    </a:lnR>
-                    <a:lnT w="12700">
-                      <a:solidFill>
-                        <a:srgbClr val="3EAF7C"/>
-                      </a:solidFill>
-                      <a:prstDash val="sysDot"/>
-                    </a:lnT>
-                    <a:lnB w="12700">
-                      <a:solidFill>
-                        <a:srgbClr val="3EAF7C"/>
-                      </a:solidFill>
-                      <a:prstDash val="sysDot"/>
-                    </a:lnB>
-                    <a:noFill/>
-                  </a:tcPr>
-                </a:tc>
-                <a:tc hMerge="1">
-                  <a:tcPr>
-                    <a:lnL w="28575">
-                      <a:solidFill>
-                        <a:srgbClr val="3EAF7C"/>
-                      </a:solidFill>
-                      <a:prstDash val="solid"/>
-                    </a:lnL>
-                    <a:lnR w="12700">
-                      <a:solidFill>
-                        <a:srgbClr val="3EAF7C"/>
-                      </a:solidFill>
-                      <a:prstDash val="sysDot"/>
-                    </a:lnR>
-                    <a:lnT w="12700">
-                      <a:solidFill>
-                        <a:srgbClr val="3EAF7C"/>
-                      </a:solidFill>
-                      <a:prstDash val="sysDot"/>
-                    </a:lnT>
-                    <a:lnB w="12700">
-                      <a:solidFill>
-                        <a:srgbClr val="3EAF7C"/>
-                      </a:solidFill>
-                      <a:prstDash val="sysDot"/>
-                    </a:lnB>
-                    <a:noFill/>
-                  </a:tcPr>
-                </a:tc>
-                <a:tc hMerge="1">
-                  <a:tcPr>
-                    <a:lnL w="28575">
-                      <a:solidFill>
-                        <a:srgbClr val="3EAF7C"/>
-                      </a:solidFill>
-                      <a:prstDash val="solid"/>
-                    </a:lnL>
-                    <a:lnR w="12700">
-                      <a:solidFill>
-                        <a:srgbClr val="3EAF7C"/>
-                      </a:solidFill>
-                      <a:prstDash val="sysDot"/>
-                    </a:lnR>
-                    <a:lnT w="12700">
-                      <a:solidFill>
-                        <a:srgbClr val="3EAF7C"/>
-                      </a:solidFill>
-                      <a:prstDash val="sysDot"/>
-                    </a:lnT>
-                    <a:lnB w="12700">
-                      <a:solidFill>
-                        <a:srgbClr val="3EAF7C"/>
-                      </a:solidFill>
-                      <a:prstDash val="sysDot"/>
-                    </a:lnB>
-                    <a:noFill/>
-                  </a:tcPr>
-                </a:tc>
-                <a:tc gridSpan="2">
-                  <a:txBody>
-                    <a:bodyPr/>
-                    <a:p>
-                      <a:pPr algn="ctr">
-                        <a:buNone/>
-                      </a:pPr>
-                      <a:r>
-                        <a:rPr lang="en-US" altLang="zh-CN" sz="500" b="1">
-                          <a:solidFill>
-                            <a:srgbClr val="2C3E50"/>
-                          </a:solidFill>
-                          <a:sym typeface="+mn-ea"/>
-                        </a:rPr>
-                        <a:t>FDT_PROP</a:t>
-                      </a:r>
-                      <a:r>
-                        <a:rPr lang="" altLang="en-US" sz="500" b="1">
-                          <a:solidFill>
-                            <a:srgbClr val="2C3E50"/>
-                          </a:solidFill>
-                          <a:sym typeface="+mn-ea"/>
-                        </a:rPr>
-                        <a:t>_LEN</a:t>
-                      </a:r>
-                      <a:endParaRPr lang="" altLang="en-US" sz="500" b="1">
-                        <a:solidFill>
-                          <a:srgbClr val="2C3E50"/>
-                        </a:solidFill>
-                        <a:sym typeface="+mn-ea"/>
-                      </a:endParaRPr>
-                    </a:p>
-                  </a:txBody>
-                  <a:tcPr>
-                    <a:lnL w="12700">
-                      <a:solidFill>
-                        <a:srgbClr val="3EAF7C"/>
-                      </a:solidFill>
-                      <a:prstDash val="sysDot"/>
-                    </a:lnL>
-                    <a:lnR w="12700">
-                      <a:solidFill>
-                        <a:srgbClr val="3EAF7C"/>
-                      </a:solidFill>
-                      <a:prstDash val="sysDot"/>
-                    </a:lnR>
-                    <a:lnT w="12700">
-                      <a:solidFill>
-                        <a:srgbClr val="3EAF7C"/>
-                      </a:solidFill>
-                      <a:prstDash val="sysDot"/>
-                    </a:lnT>
-                    <a:lnB w="12700">
-                      <a:solidFill>
-                        <a:srgbClr val="3EAF7C"/>
-                      </a:solidFill>
-                      <a:prstDash val="sysDot"/>
-                    </a:lnB>
-                    <a:noFill/>
-                  </a:tcPr>
-                </a:tc>
-                <a:tc hMerge="1">
-                  <a:tcPr>
-                    <a:lnL w="28575">
-                      <a:solidFill>
-                        <a:srgbClr val="3EAF7C"/>
-                      </a:solidFill>
-                      <a:prstDash val="solid"/>
-                    </a:lnL>
-                    <a:lnR w="12700">
-                      <a:solidFill>
-                        <a:srgbClr val="3EAF7C"/>
-                      </a:solidFill>
-                      <a:prstDash val="sysDot"/>
-                    </a:lnR>
-                    <a:lnT w="12700">
-                      <a:solidFill>
-                        <a:srgbClr val="3EAF7C"/>
-                      </a:solidFill>
-                      <a:prstDash val="sysDot"/>
-                    </a:lnT>
-                    <a:lnB w="12700">
-                      <a:solidFill>
-                        <a:srgbClr val="3EAF7C"/>
-                      </a:solidFill>
-                      <a:prstDash val="sysDot"/>
-                    </a:lnB>
-                    <a:noFill/>
-                  </a:tcPr>
-                </a:tc>
-                <a:tc gridSpan="2">
-                  <a:txBody>
-                    <a:bodyPr/>
-                    <a:p>
-                      <a:pPr algn="ctr">
-                        <a:buNone/>
-                      </a:pPr>
-                      <a:r>
-                        <a:rPr lang="en-US" altLang="zh-CN" sz="500" b="1">
-                          <a:solidFill>
-                            <a:srgbClr val="2C3E50"/>
-                          </a:solidFill>
-                          <a:sym typeface="+mn-ea"/>
-                        </a:rPr>
-                        <a:t>FDT_PROP</a:t>
-                      </a:r>
-                      <a:r>
-                        <a:rPr lang="" altLang="en-US" sz="500" b="1">
-                          <a:solidFill>
-                            <a:srgbClr val="2C3E50"/>
-                          </a:solidFill>
-                          <a:sym typeface="+mn-ea"/>
-                        </a:rPr>
-                        <a:t>_NAMEOFF</a:t>
-                      </a:r>
-                      <a:endParaRPr lang="" altLang="en-US" sz="500" b="1">
-                        <a:solidFill>
-                          <a:srgbClr val="2C3E50"/>
-                        </a:solidFill>
-                        <a:sym typeface="+mn-ea"/>
-                      </a:endParaRPr>
-                    </a:p>
-                  </a:txBody>
-                  <a:tcPr>
-                    <a:lnL w="12700">
-                      <a:solidFill>
-                        <a:srgbClr val="3EAF7C"/>
-                      </a:solidFill>
-                      <a:prstDash val="sysDot"/>
-                    </a:lnL>
-                    <a:lnR w="12700">
-                      <a:solidFill>
-                        <a:srgbClr val="3EAF7C"/>
-                      </a:solidFill>
-                      <a:prstDash val="sysDot"/>
-                    </a:lnR>
-                    <a:lnT w="12700">
-                      <a:solidFill>
-                        <a:srgbClr val="3EAF7C"/>
-                      </a:solidFill>
-                      <a:prstDash val="sysDot"/>
-                    </a:lnT>
-                    <a:lnB w="12700">
-                      <a:solidFill>
-                        <a:srgbClr val="3EAF7C"/>
-                      </a:solidFill>
-                      <a:prstDash val="sysDot"/>
-                    </a:lnB>
-                    <a:noFill/>
-                  </a:tcPr>
-                </a:tc>
-                <a:tc hMerge="1">
-                  <a:tcPr>
-                    <a:lnL w="12700">
-                      <a:solidFill>
-                        <a:srgbClr val="3EAF7C"/>
-                      </a:solidFill>
-                      <a:prstDash val="sysDot"/>
-                    </a:lnL>
-                    <a:lnR w="12700">
-                      <a:solidFill>
-                        <a:srgbClr val="3EAF7C"/>
-                      </a:solidFill>
-                      <a:prstDash val="sysDot"/>
-                    </a:lnR>
-                    <a:lnT w="12700">
-                      <a:solidFill>
-                        <a:srgbClr val="3EAF7C"/>
-                      </a:solidFill>
-                      <a:prstDash val="sysDot"/>
-                    </a:lnT>
-                    <a:lnB w="12700">
-                      <a:solidFill>
-                        <a:srgbClr val="3EAF7C"/>
-                      </a:solidFill>
-                      <a:prstDash val="sysDot"/>
-                    </a:lnB>
-                    <a:noFill/>
-                  </a:tcPr>
-                </a:tc>
-                <a:tc>
-                  <a:txBody>
-                    <a:bodyPr/>
-                    <a:p>
-                      <a:pPr algn="ctr">
-                        <a:buNone/>
-                      </a:pPr>
-                      <a:r>
-                        <a:rPr lang="en-US" altLang="zh-CN" sz="500" b="1">
-                          <a:solidFill>
-                            <a:srgbClr val="2C3E50"/>
-                          </a:solidFill>
-                          <a:sym typeface="+mn-ea"/>
-                        </a:rPr>
-                        <a:t>FDT_PROP</a:t>
-                      </a:r>
-                      <a:r>
-                        <a:rPr lang="" altLang="en-US" sz="500" b="1">
-                          <a:solidFill>
-                            <a:srgbClr val="2C3E50"/>
-                          </a:solidFill>
-                          <a:sym typeface="+mn-ea"/>
-                        </a:rPr>
-                        <a:t>_DATA[]</a:t>
-                      </a:r>
-                      <a:endParaRPr lang="" altLang="en-US" sz="500" b="1">
-                        <a:solidFill>
-                          <a:srgbClr val="2C3E50"/>
-                        </a:solidFill>
-                        <a:sym typeface="+mn-ea"/>
-                      </a:endParaRPr>
-                    </a:p>
-                  </a:txBody>
-                  <a:tcPr>
-                    <a:lnL w="12700">
-                      <a:solidFill>
-                        <a:srgbClr val="3EAF7C"/>
-                      </a:solidFill>
-                      <a:prstDash val="sysDot"/>
-                    </a:lnL>
-                    <a:lnR w="28575">
-                      <a:solidFill>
-                        <a:srgbClr val="3EAF7C"/>
-                      </a:solidFill>
-                      <a:prstDash val="solid"/>
-                    </a:lnR>
-                    <a:lnT w="12700">
-                      <a:solidFill>
-                        <a:srgbClr val="3EAF7C"/>
-                      </a:solidFill>
-                      <a:prstDash val="sysDot"/>
-                    </a:lnT>
-                    <a:lnB w="12700">
-                      <a:solidFill>
-                        <a:srgbClr val="3EAF7C"/>
-                      </a:solidFill>
-                      <a:prstDash val="sysDot"/>
-                    </a:lnB>
-                    <a:noFill/>
-                  </a:tcPr>
-                </a:tc>
-              </a:tr>
-              <a:tr h="179070">
-                <a:tc gridSpan="2">
-                  <a:txBody>
-                    <a:bodyPr/>
-                    <a:p>
-                      <a:pPr algn="ctr">
-                        <a:buNone/>
-                      </a:pPr>
-                      <a:endParaRPr lang="zh-CN" altLang="en-US" sz="500" b="1">
-                        <a:solidFill>
-                          <a:srgbClr val="2C3E50"/>
-                        </a:solidFill>
-                      </a:endParaRPr>
-                    </a:p>
-                  </a:txBody>
-                  <a:tcPr>
-                    <a:lnL w="28575">
-                      <a:solidFill>
-                        <a:srgbClr val="3EAF7C"/>
-                      </a:solidFill>
-                      <a:prstDash val="solid"/>
-                    </a:lnL>
-                    <a:lnR w="12700">
-                      <a:solidFill>
-                        <a:srgbClr val="3EAF7C"/>
-                      </a:solidFill>
-                      <a:prstDash val="sysDot"/>
-                    </a:lnR>
-                    <a:lnT w="12700">
-                      <a:solidFill>
-                        <a:srgbClr val="3EAF7C"/>
-                      </a:solidFill>
-                      <a:prstDash val="sysDot"/>
-                    </a:lnT>
-                    <a:lnB w="12700">
-                      <a:solidFill>
-                        <a:srgbClr val="3EAF7C"/>
-                      </a:solidFill>
-                      <a:prstDash val="sysDot"/>
-                    </a:lnB>
-                    <a:noFill/>
-                  </a:tcPr>
-                </a:tc>
-                <a:tc hMerge="1">
+                <a:tc hMerge="true">
                   <a:tcPr>
                     <a:lnL w="28575">
                       <a:solidFill>
@@ -8448,33 +8028,13 @@
                           <a:solidFill>
                             <a:srgbClr val="2C3E50"/>
                           </a:solidFill>
-                          <a:sym typeface="+mn-ea"/>
                         </a:rPr>
-                        <a:t>FDT_PR</a:t>
+                        <a:t>FDT_PROP</a:t>
                       </a:r>
-                      <a:r>
-                        <a:rPr lang="" altLang="en-US" sz="500" b="1">
-                          <a:solidFill>
-                            <a:srgbClr val="2C3E50"/>
-                          </a:solidFill>
-                          <a:sym typeface="+mn-ea"/>
-                        </a:rPr>
-                        <a:t>O</a:t>
-                      </a:r>
-                      <a:r>
-                        <a:rPr lang="en-US" altLang="zh-CN" sz="500" b="1">
-                          <a:solidFill>
-                            <a:srgbClr val="2C3E50"/>
-                          </a:solidFill>
-                          <a:sym typeface="+mn-ea"/>
-                        </a:rPr>
-                        <a:t>P</a:t>
-                      </a:r>
-                      <a:endParaRPr lang="zh-CN" altLang="en-US" sz="500" b="1">
+                      <a:endParaRPr lang="en-US" altLang="zh-CN" sz="500" b="1">
                         <a:solidFill>
                           <a:srgbClr val="2C3E50"/>
                         </a:solidFill>
-                        <a:sym typeface="+mn-ea"/>
                       </a:endParaRPr>
                     </a:p>
                   </a:txBody>
@@ -8506,7 +8066,7 @@
                     <a:noFill/>
                   </a:tcPr>
                 </a:tc>
-                <a:tc hMerge="1">
+                <a:tc hMerge="true">
                   <a:tcPr>
                     <a:lnL w="28575">
                       <a:solidFill>
@@ -8535,7 +8095,7 @@
                     <a:noFill/>
                   </a:tcPr>
                 </a:tc>
-                <a:tc hMerge="1">
+                <a:tc hMerge="true">
                   <a:tcPr>
                     <a:lnL w="28575">
                       <a:solidFill>
@@ -8625,7 +8185,7 @@
                     <a:noFill/>
                   </a:tcPr>
                 </a:tc>
-                <a:tc hMerge="1">
+                <a:tc hMerge="true">
                   <a:tcPr>
                     <a:lnL w="28575">
                       <a:solidFill>
@@ -8715,7 +8275,7 @@
                     <a:noFill/>
                   </a:tcPr>
                 </a:tc>
-                <a:tc hMerge="1">
+                <a:tc hMerge="true">
                   <a:tcPr>
                     <a:lnL w="12700">
                       <a:solidFill>
@@ -8806,6 +8366,448 @@
                   </a:tcPr>
                 </a:tc>
               </a:tr>
+              <a:tr h="179070">
+                <a:tc gridSpan="2">
+                  <a:txBody>
+                    <a:bodyPr/>
+                    <a:p>
+                      <a:pPr algn="ctr">
+                        <a:buNone/>
+                      </a:pPr>
+                      <a:endParaRPr lang="zh-CN" altLang="en-US" sz="500" b="1">
+                        <a:solidFill>
+                          <a:srgbClr val="2C3E50"/>
+                        </a:solidFill>
+                      </a:endParaRPr>
+                    </a:p>
+                  </a:txBody>
+                  <a:tcPr>
+                    <a:lnL w="28575">
+                      <a:solidFill>
+                        <a:srgbClr val="3EAF7C"/>
+                      </a:solidFill>
+                      <a:prstDash val="solid"/>
+                    </a:lnL>
+                    <a:lnR w="12700">
+                      <a:solidFill>
+                        <a:srgbClr val="3EAF7C"/>
+                      </a:solidFill>
+                      <a:prstDash val="sysDot"/>
+                    </a:lnR>
+                    <a:lnT w="12700">
+                      <a:solidFill>
+                        <a:srgbClr val="3EAF7C"/>
+                      </a:solidFill>
+                      <a:prstDash val="sysDot"/>
+                    </a:lnT>
+                    <a:lnB w="12700">
+                      <a:solidFill>
+                        <a:srgbClr val="3EAF7C"/>
+                      </a:solidFill>
+                      <a:prstDash val="sysDot"/>
+                    </a:lnB>
+                    <a:noFill/>
+                  </a:tcPr>
+                </a:tc>
+                <a:tc hMerge="true">
+                  <a:tcPr>
+                    <a:lnL w="28575">
+                      <a:solidFill>
+                        <a:srgbClr val="3EAF7C"/>
+                      </a:solidFill>
+                      <a:prstDash val="solid"/>
+                    </a:lnL>
+                    <a:lnR w="12700">
+                      <a:solidFill>
+                        <a:srgbClr val="3EAF7C"/>
+                      </a:solidFill>
+                      <a:prstDash val="sysDot"/>
+                    </a:lnR>
+                    <a:lnT w="12700">
+                      <a:solidFill>
+                        <a:srgbClr val="3EAF7C"/>
+                      </a:solidFill>
+                      <a:prstDash val="sysDot"/>
+                    </a:lnT>
+                    <a:lnB w="12700">
+                      <a:solidFill>
+                        <a:srgbClr val="3EAF7C"/>
+                      </a:solidFill>
+                      <a:prstDash val="sysDot"/>
+                    </a:lnB>
+                    <a:noFill/>
+                  </a:tcPr>
+                </a:tc>
+                <a:tc gridSpan="3">
+                  <a:txBody>
+                    <a:bodyPr/>
+                    <a:p>
+                      <a:pPr algn="ctr">
+                        <a:buNone/>
+                      </a:pPr>
+                      <a:r>
+                        <a:rPr lang="en-US" altLang="zh-CN" sz="500" b="1">
+                          <a:solidFill>
+                            <a:srgbClr val="2C3E50"/>
+                          </a:solidFill>
+                          <a:sym typeface="+mn-ea"/>
+                        </a:rPr>
+                        <a:t>FDT_PR</a:t>
+                      </a:r>
+                      <a:r>
+                        <a:rPr lang="en-US" altLang="en-US" sz="500" b="1">
+                          <a:solidFill>
+                            <a:srgbClr val="2C3E50"/>
+                          </a:solidFill>
+                          <a:sym typeface="+mn-ea"/>
+                        </a:rPr>
+                        <a:t>O</a:t>
+                      </a:r>
+                      <a:r>
+                        <a:rPr lang="en-US" altLang="zh-CN" sz="500" b="1">
+                          <a:solidFill>
+                            <a:srgbClr val="2C3E50"/>
+                          </a:solidFill>
+                          <a:sym typeface="+mn-ea"/>
+                        </a:rPr>
+                        <a:t>P</a:t>
+                      </a:r>
+                      <a:endParaRPr lang="zh-CN" altLang="en-US" sz="500" b="1">
+                        <a:solidFill>
+                          <a:srgbClr val="2C3E50"/>
+                        </a:solidFill>
+                        <a:sym typeface="+mn-ea"/>
+                      </a:endParaRPr>
+                    </a:p>
+                  </a:txBody>
+                  <a:tcPr>
+                    <a:lnL w="12700">
+                      <a:solidFill>
+                        <a:srgbClr val="3EAF7C"/>
+                      </a:solidFill>
+                      <a:prstDash val="sysDot"/>
+                    </a:lnL>
+                    <a:lnR w="12700">
+                      <a:solidFill>
+                        <a:srgbClr val="3EAF7C"/>
+                      </a:solidFill>
+                      <a:prstDash val="sysDot"/>
+                    </a:lnR>
+                    <a:lnT w="12700">
+                      <a:solidFill>
+                        <a:srgbClr val="3EAF7C"/>
+                      </a:solidFill>
+                      <a:prstDash val="sysDot"/>
+                    </a:lnT>
+                    <a:lnB w="12700">
+                      <a:solidFill>
+                        <a:srgbClr val="3EAF7C"/>
+                      </a:solidFill>
+                      <a:prstDash val="sysDot"/>
+                    </a:lnB>
+                    <a:noFill/>
+                  </a:tcPr>
+                </a:tc>
+                <a:tc hMerge="true">
+                  <a:tcPr>
+                    <a:lnL w="28575">
+                      <a:solidFill>
+                        <a:srgbClr val="3EAF7C"/>
+                      </a:solidFill>
+                      <a:prstDash val="solid"/>
+                    </a:lnL>
+                    <a:lnR w="12700">
+                      <a:solidFill>
+                        <a:srgbClr val="3EAF7C"/>
+                      </a:solidFill>
+                      <a:prstDash val="sysDot"/>
+                    </a:lnR>
+                    <a:lnT w="12700">
+                      <a:solidFill>
+                        <a:srgbClr val="3EAF7C"/>
+                      </a:solidFill>
+                      <a:prstDash val="sysDot"/>
+                    </a:lnT>
+                    <a:lnB w="12700">
+                      <a:solidFill>
+                        <a:srgbClr val="3EAF7C"/>
+                      </a:solidFill>
+                      <a:prstDash val="sysDot"/>
+                    </a:lnB>
+                    <a:noFill/>
+                  </a:tcPr>
+                </a:tc>
+                <a:tc hMerge="true">
+                  <a:tcPr>
+                    <a:lnL w="28575">
+                      <a:solidFill>
+                        <a:srgbClr val="3EAF7C"/>
+                      </a:solidFill>
+                      <a:prstDash val="solid"/>
+                    </a:lnL>
+                    <a:lnR w="12700">
+                      <a:solidFill>
+                        <a:srgbClr val="3EAF7C"/>
+                      </a:solidFill>
+                      <a:prstDash val="sysDot"/>
+                    </a:lnR>
+                    <a:lnT w="12700">
+                      <a:solidFill>
+                        <a:srgbClr val="3EAF7C"/>
+                      </a:solidFill>
+                      <a:prstDash val="sysDot"/>
+                    </a:lnT>
+                    <a:lnB w="12700">
+                      <a:solidFill>
+                        <a:srgbClr val="3EAF7C"/>
+                      </a:solidFill>
+                      <a:prstDash val="sysDot"/>
+                    </a:lnB>
+                    <a:noFill/>
+                  </a:tcPr>
+                </a:tc>
+                <a:tc gridSpan="2">
+                  <a:txBody>
+                    <a:bodyPr/>
+                    <a:p>
+                      <a:pPr algn="ctr">
+                        <a:buNone/>
+                      </a:pPr>
+                      <a:r>
+                        <a:rPr lang="en-US" altLang="zh-CN" sz="500" b="1">
+                          <a:solidFill>
+                            <a:srgbClr val="2C3E50"/>
+                          </a:solidFill>
+                          <a:sym typeface="+mn-ea"/>
+                        </a:rPr>
+                        <a:t>FDT_PROP</a:t>
+                      </a:r>
+                      <a:r>
+                        <a:rPr lang="en-US" altLang="en-US" sz="500" b="1">
+                          <a:solidFill>
+                            <a:srgbClr val="2C3E50"/>
+                          </a:solidFill>
+                          <a:sym typeface="+mn-ea"/>
+                        </a:rPr>
+                        <a:t>_LEN</a:t>
+                      </a:r>
+                      <a:endParaRPr lang="en-US" altLang="en-US" sz="500" b="1">
+                        <a:solidFill>
+                          <a:srgbClr val="2C3E50"/>
+                        </a:solidFill>
+                        <a:sym typeface="+mn-ea"/>
+                      </a:endParaRPr>
+                    </a:p>
+                  </a:txBody>
+                  <a:tcPr>
+                    <a:lnL w="12700">
+                      <a:solidFill>
+                        <a:srgbClr val="3EAF7C"/>
+                      </a:solidFill>
+                      <a:prstDash val="sysDot"/>
+                    </a:lnL>
+                    <a:lnR w="12700">
+                      <a:solidFill>
+                        <a:srgbClr val="3EAF7C"/>
+                      </a:solidFill>
+                      <a:prstDash val="sysDot"/>
+                    </a:lnR>
+                    <a:lnT w="12700">
+                      <a:solidFill>
+                        <a:srgbClr val="3EAF7C"/>
+                      </a:solidFill>
+                      <a:prstDash val="sysDot"/>
+                    </a:lnT>
+                    <a:lnB w="12700">
+                      <a:solidFill>
+                        <a:srgbClr val="3EAF7C"/>
+                      </a:solidFill>
+                      <a:prstDash val="sysDot"/>
+                    </a:lnB>
+                    <a:noFill/>
+                  </a:tcPr>
+                </a:tc>
+                <a:tc hMerge="true">
+                  <a:tcPr>
+                    <a:lnL w="28575">
+                      <a:solidFill>
+                        <a:srgbClr val="3EAF7C"/>
+                      </a:solidFill>
+                      <a:prstDash val="solid"/>
+                    </a:lnL>
+                    <a:lnR w="12700">
+                      <a:solidFill>
+                        <a:srgbClr val="3EAF7C"/>
+                      </a:solidFill>
+                      <a:prstDash val="sysDot"/>
+                    </a:lnR>
+                    <a:lnT w="12700">
+                      <a:solidFill>
+                        <a:srgbClr val="3EAF7C"/>
+                      </a:solidFill>
+                      <a:prstDash val="sysDot"/>
+                    </a:lnT>
+                    <a:lnB w="12700">
+                      <a:solidFill>
+                        <a:srgbClr val="3EAF7C"/>
+                      </a:solidFill>
+                      <a:prstDash val="sysDot"/>
+                    </a:lnB>
+                    <a:noFill/>
+                  </a:tcPr>
+                </a:tc>
+                <a:tc gridSpan="2">
+                  <a:txBody>
+                    <a:bodyPr/>
+                    <a:p>
+                      <a:pPr algn="ctr">
+                        <a:buNone/>
+                      </a:pPr>
+                      <a:r>
+                        <a:rPr lang="en-US" altLang="zh-CN" sz="500" b="1">
+                          <a:solidFill>
+                            <a:srgbClr val="2C3E50"/>
+                          </a:solidFill>
+                          <a:sym typeface="+mn-ea"/>
+                        </a:rPr>
+                        <a:t>FDT_PROP</a:t>
+                      </a:r>
+                      <a:r>
+                        <a:rPr lang="en-US" altLang="en-US" sz="500" b="1">
+                          <a:solidFill>
+                            <a:srgbClr val="2C3E50"/>
+                          </a:solidFill>
+                          <a:sym typeface="+mn-ea"/>
+                        </a:rPr>
+                        <a:t>_NAMEOFF</a:t>
+                      </a:r>
+                      <a:endParaRPr lang="en-US" altLang="en-US" sz="500" b="1">
+                        <a:solidFill>
+                          <a:srgbClr val="2C3E50"/>
+                        </a:solidFill>
+                        <a:sym typeface="+mn-ea"/>
+                      </a:endParaRPr>
+                    </a:p>
+                  </a:txBody>
+                  <a:tcPr>
+                    <a:lnL w="12700">
+                      <a:solidFill>
+                        <a:srgbClr val="3EAF7C"/>
+                      </a:solidFill>
+                      <a:prstDash val="sysDot"/>
+                    </a:lnL>
+                    <a:lnR w="12700">
+                      <a:solidFill>
+                        <a:srgbClr val="3EAF7C"/>
+                      </a:solidFill>
+                      <a:prstDash val="sysDot"/>
+                    </a:lnR>
+                    <a:lnT w="12700">
+                      <a:solidFill>
+                        <a:srgbClr val="3EAF7C"/>
+                      </a:solidFill>
+                      <a:prstDash val="sysDot"/>
+                    </a:lnT>
+                    <a:lnB w="12700">
+                      <a:solidFill>
+                        <a:srgbClr val="3EAF7C"/>
+                      </a:solidFill>
+                      <a:prstDash val="sysDot"/>
+                    </a:lnB>
+                    <a:noFill/>
+                  </a:tcPr>
+                </a:tc>
+                <a:tc hMerge="true">
+                  <a:tcPr>
+                    <a:lnL w="12700">
+                      <a:solidFill>
+                        <a:srgbClr val="3EAF7C"/>
+                      </a:solidFill>
+                      <a:prstDash val="sysDot"/>
+                    </a:lnL>
+                    <a:lnR w="12700">
+                      <a:solidFill>
+                        <a:srgbClr val="3EAF7C"/>
+                      </a:solidFill>
+                      <a:prstDash val="sysDot"/>
+                    </a:lnR>
+                    <a:lnT w="12700">
+                      <a:solidFill>
+                        <a:srgbClr val="3EAF7C"/>
+                      </a:solidFill>
+                      <a:prstDash val="sysDot"/>
+                    </a:lnT>
+                    <a:lnB w="12700">
+                      <a:solidFill>
+                        <a:srgbClr val="3EAF7C"/>
+                      </a:solidFill>
+                      <a:prstDash val="sysDot"/>
+                    </a:lnB>
+                    <a:noFill/>
+                  </a:tcPr>
+                </a:tc>
+                <a:tc>
+                  <a:txBody>
+                    <a:bodyPr/>
+                    <a:p>
+                      <a:pPr algn="ctr">
+                        <a:buNone/>
+                      </a:pPr>
+                      <a:r>
+                        <a:rPr lang="en-US" altLang="zh-CN" sz="500" b="1">
+                          <a:solidFill>
+                            <a:srgbClr val="2C3E50"/>
+                          </a:solidFill>
+                          <a:sym typeface="+mn-ea"/>
+                        </a:rPr>
+                        <a:t>FDT_PROP</a:t>
+                      </a:r>
+                      <a:r>
+                        <a:rPr lang="en-US" altLang="en-US" sz="500" b="1">
+                          <a:solidFill>
+                            <a:srgbClr val="2C3E50"/>
+                          </a:solidFill>
+                          <a:sym typeface="+mn-ea"/>
+                        </a:rPr>
+                        <a:t>_DATA[]</a:t>
+                      </a:r>
+                      <a:endParaRPr lang="en-US" altLang="en-US" sz="500" b="1">
+                        <a:solidFill>
+                          <a:srgbClr val="2C3E50"/>
+                        </a:solidFill>
+                        <a:sym typeface="+mn-ea"/>
+                      </a:endParaRPr>
+                    </a:p>
+                  </a:txBody>
+                  <a:tcPr>
+                    <a:lnL w="12700">
+                      <a:solidFill>
+                        <a:srgbClr val="3EAF7C"/>
+                      </a:solidFill>
+                      <a:prstDash val="sysDot"/>
+                    </a:lnL>
+                    <a:lnR w="28575">
+                      <a:solidFill>
+                        <a:srgbClr val="3EAF7C"/>
+                      </a:solidFill>
+                      <a:prstDash val="solid"/>
+                    </a:lnR>
+                    <a:lnT w="12700">
+                      <a:solidFill>
+                        <a:srgbClr val="3EAF7C"/>
+                      </a:solidFill>
+                      <a:prstDash val="sysDot"/>
+                    </a:lnT>
+                    <a:lnB w="12700">
+                      <a:solidFill>
+                        <a:srgbClr val="3EAF7C"/>
+                      </a:solidFill>
+                      <a:prstDash val="sysDot"/>
+                    </a:lnB>
+                    <a:noFill/>
+                  </a:tcPr>
+                </a:tc>
+              </a:tr>
               <a:tr h="195580">
                 <a:tc>
                   <a:txBody>
@@ -8900,7 +8902,7 @@
                     <a:noFill/>
                   </a:tcPr>
                 </a:tc>
-                <a:tc hMerge="1">
+                <a:tc hMerge="true">
                   <a:tcPr>
                     <a:lnL w="28575">
                       <a:solidFill>
@@ -8971,7 +8973,7 @@
                     <a:noFill/>
                   </a:tcPr>
                 </a:tc>
-                <a:tc hMerge="1">
+                <a:tc hMerge="true">
                   <a:tcPr>
                     <a:lnL w="12700">
                       <a:solidFill>
@@ -9000,7 +9002,7 @@
                     <a:noFill/>
                   </a:tcPr>
                 </a:tc>
-                <a:tc hMerge="1">
+                <a:tc hMerge="true">
                   <a:tcPr>
                     <a:lnL w="28575">
                       <a:solidFill>
@@ -9029,7 +9031,7 @@
                     <a:noFill/>
                   </a:tcPr>
                 </a:tc>
-                <a:tc hMerge="1">
+                <a:tc hMerge="true">
                   <a:tcPr>
                     <a:lnL w="12700">
                       <a:solidFill>
@@ -9058,65 +9060,65 @@
                     <a:noFill/>
                   </a:tcPr>
                 </a:tc>
-                <a:tc hMerge="1">
-                  <a:tcPr>
-                    <a:lnL w="28575">
-                      <a:solidFill>
-                        <a:srgbClr val="3EAF7C"/>
-                      </a:solidFill>
-                      <a:prstDash val="solid"/>
-                    </a:lnL>
-                    <a:lnR w="28575">
-                      <a:solidFill>
-                        <a:srgbClr val="3EAF7C"/>
-                      </a:solidFill>
-                      <a:prstDash val="solid"/>
-                    </a:lnR>
-                    <a:lnT w="12700">
-                      <a:solidFill>
-                        <a:srgbClr val="3EAF7C"/>
-                      </a:solidFill>
-                      <a:prstDash val="sysDot"/>
-                    </a:lnT>
-                    <a:lnB w="12700">
-                      <a:solidFill>
-                        <a:srgbClr val="3EAF7C"/>
-                      </a:solidFill>
-                      <a:prstDash val="sysDot"/>
-                    </a:lnB>
-                    <a:noFill/>
-                  </a:tcPr>
-                </a:tc>
-                <a:tc hMerge="1">
-                  <a:tcPr>
-                    <a:lnL w="28575">
-                      <a:solidFill>
-                        <a:srgbClr val="3EAF7C"/>
-                      </a:solidFill>
-                      <a:prstDash val="solid"/>
-                    </a:lnL>
-                    <a:lnR w="28575">
-                      <a:solidFill>
-                        <a:srgbClr val="3EAF7C"/>
-                      </a:solidFill>
-                      <a:prstDash val="solid"/>
-                    </a:lnR>
-                    <a:lnT w="12700">
-                      <a:solidFill>
-                        <a:srgbClr val="3EAF7C"/>
-                      </a:solidFill>
-                      <a:prstDash val="sysDot"/>
-                    </a:lnT>
-                    <a:lnB w="12700">
-                      <a:solidFill>
-                        <a:srgbClr val="3EAF7C"/>
-                      </a:solidFill>
-                      <a:prstDash val="sysDot"/>
-                    </a:lnB>
-                    <a:noFill/>
-                  </a:tcPr>
-                </a:tc>
-                <a:tc hMerge="1">
+                <a:tc hMerge="true">
+                  <a:tcPr>
+                    <a:lnL w="28575">
+                      <a:solidFill>
+                        <a:srgbClr val="3EAF7C"/>
+                      </a:solidFill>
+                      <a:prstDash val="solid"/>
+                    </a:lnL>
+                    <a:lnR w="28575">
+                      <a:solidFill>
+                        <a:srgbClr val="3EAF7C"/>
+                      </a:solidFill>
+                      <a:prstDash val="solid"/>
+                    </a:lnR>
+                    <a:lnT w="12700">
+                      <a:solidFill>
+                        <a:srgbClr val="3EAF7C"/>
+                      </a:solidFill>
+                      <a:prstDash val="sysDot"/>
+                    </a:lnT>
+                    <a:lnB w="12700">
+                      <a:solidFill>
+                        <a:srgbClr val="3EAF7C"/>
+                      </a:solidFill>
+                      <a:prstDash val="sysDot"/>
+                    </a:lnB>
+                    <a:noFill/>
+                  </a:tcPr>
+                </a:tc>
+                <a:tc hMerge="true">
+                  <a:tcPr>
+                    <a:lnL w="28575">
+                      <a:solidFill>
+                        <a:srgbClr val="3EAF7C"/>
+                      </a:solidFill>
+                      <a:prstDash val="solid"/>
+                    </a:lnL>
+                    <a:lnR w="28575">
+                      <a:solidFill>
+                        <a:srgbClr val="3EAF7C"/>
+                      </a:solidFill>
+                      <a:prstDash val="solid"/>
+                    </a:lnR>
+                    <a:lnT w="12700">
+                      <a:solidFill>
+                        <a:srgbClr val="3EAF7C"/>
+                      </a:solidFill>
+                      <a:prstDash val="sysDot"/>
+                    </a:lnT>
+                    <a:lnB w="12700">
+                      <a:solidFill>
+                        <a:srgbClr val="3EAF7C"/>
+                      </a:solidFill>
+                      <a:prstDash val="sysDot"/>
+                    </a:lnB>
+                    <a:noFill/>
+                  </a:tcPr>
+                </a:tc>
+                <a:tc hMerge="true">
                   <a:tcPr>
                     <a:lnL w="28575">
                       <a:solidFill>
@@ -9155,14 +9157,14 @@
                         <a:buNone/>
                       </a:pPr>
                       <a:r>
-                        <a:rPr lang="" altLang="zh-CN" sz="800" b="1">
+                        <a:rPr lang="en-US" altLang="zh-CN" sz="800" b="1">
                           <a:solidFill>
                             <a:srgbClr val="2C3E50"/>
                           </a:solidFill>
                         </a:rPr>
                         <a:t>.</a:t>
                       </a:r>
-                      <a:endParaRPr lang="" altLang="zh-CN" sz="800" b="1">
+                      <a:endParaRPr lang="en-US" altLang="zh-CN" sz="800" b="1">
                         <a:solidFill>
                           <a:srgbClr val="2C3E50"/>
                         </a:solidFill>
@@ -9173,14 +9175,14 @@
                         <a:buNone/>
                       </a:pPr>
                       <a:r>
-                        <a:rPr lang="" altLang="zh-CN" sz="800" b="1">
+                        <a:rPr lang="en-US" altLang="zh-CN" sz="800" b="1">
                           <a:solidFill>
                             <a:srgbClr val="2C3E50"/>
                           </a:solidFill>
                         </a:rPr>
                         <a:t>.</a:t>
                       </a:r>
-                      <a:endParaRPr lang="" altLang="zh-CN" sz="800" b="1">
+                      <a:endParaRPr lang="en-US" altLang="zh-CN" sz="800" b="1">
                         <a:solidFill>
                           <a:srgbClr val="2C3E50"/>
                         </a:solidFill>
@@ -9191,14 +9193,14 @@
                         <a:buNone/>
                       </a:pPr>
                       <a:r>
-                        <a:rPr lang="" altLang="zh-CN" sz="800" b="1">
+                        <a:rPr lang="en-US" altLang="zh-CN" sz="800" b="1">
                           <a:solidFill>
                             <a:srgbClr val="2C3E50"/>
                           </a:solidFill>
                         </a:rPr>
                         <a:t>.</a:t>
                       </a:r>
-                      <a:endParaRPr lang="" altLang="zh-CN" sz="800" b="1">
+                      <a:endParaRPr lang="en-US" altLang="zh-CN" sz="800" b="1">
                         <a:solidFill>
                           <a:srgbClr val="2C3E50"/>
                         </a:solidFill>
@@ -9233,7 +9235,7 @@
                     <a:noFill/>
                   </a:tcPr>
                 </a:tc>
-                <a:tc hMerge="1">
+                <a:tc hMerge="true">
                   <a:tcPr>
                     <a:lnL w="12700">
                       <a:solidFill>
@@ -9262,7 +9264,7 @@
                     <a:noFill/>
                   </a:tcPr>
                 </a:tc>
-                <a:tc hMerge="1">
+                <a:tc hMerge="true">
                   <a:tcPr>
                     <a:lnL w="28575">
                       <a:solidFill>
@@ -9291,7 +9293,7 @@
                     <a:noFill/>
                   </a:tcPr>
                 </a:tc>
-                <a:tc hMerge="1">
+                <a:tc hMerge="true">
                   <a:tcPr>
                     <a:lnL w="12700">
                       <a:solidFill>
@@ -9320,7 +9322,7 @@
                     <a:noFill/>
                   </a:tcPr>
                 </a:tc>
-                <a:tc hMerge="1">
+                <a:tc hMerge="true">
                   <a:tcPr>
                     <a:lnL w="12700">
                       <a:solidFill>
@@ -9349,7 +9351,7 @@
                     <a:noFill/>
                   </a:tcPr>
                 </a:tc>
-                <a:tc hMerge="1">
+                <a:tc hMerge="true">
                   <a:tcPr>
                     <a:lnL w="28575">
                       <a:solidFill>
@@ -9378,7 +9380,7 @@
                     <a:noFill/>
                   </a:tcPr>
                 </a:tc>
-                <a:tc hMerge="1">
+                <a:tc hMerge="true">
                   <a:tcPr>
                     <a:lnL w="12700">
                       <a:solidFill>
@@ -9407,65 +9409,65 @@
                     <a:noFill/>
                   </a:tcPr>
                 </a:tc>
-                <a:tc hMerge="1">
-                  <a:tcPr>
-                    <a:lnL w="28575">
-                      <a:solidFill>
-                        <a:srgbClr val="3EAF7C"/>
-                      </a:solidFill>
-                      <a:prstDash val="solid"/>
-                    </a:lnL>
-                    <a:lnR w="28575">
-                      <a:solidFill>
-                        <a:srgbClr val="3EAF7C"/>
-                      </a:solidFill>
-                      <a:prstDash val="solid"/>
-                    </a:lnR>
-                    <a:lnT w="12700">
-                      <a:solidFill>
-                        <a:srgbClr val="3EAF7C"/>
-                      </a:solidFill>
-                      <a:prstDash val="sysDot"/>
-                    </a:lnT>
-                    <a:lnB w="12700">
-                      <a:solidFill>
-                        <a:srgbClr val="3EAF7C"/>
-                      </a:solidFill>
-                      <a:prstDash val="sysDot"/>
-                    </a:lnB>
-                    <a:noFill/>
-                  </a:tcPr>
-                </a:tc>
-                <a:tc hMerge="1">
-                  <a:tcPr>
-                    <a:lnL w="28575">
-                      <a:solidFill>
-                        <a:srgbClr val="3EAF7C"/>
-                      </a:solidFill>
-                      <a:prstDash val="solid"/>
-                    </a:lnL>
-                    <a:lnR w="28575">
-                      <a:solidFill>
-                        <a:srgbClr val="3EAF7C"/>
-                      </a:solidFill>
-                      <a:prstDash val="solid"/>
-                    </a:lnR>
-                    <a:lnT w="12700">
-                      <a:solidFill>
-                        <a:srgbClr val="3EAF7C"/>
-                      </a:solidFill>
-                      <a:prstDash val="sysDot"/>
-                    </a:lnT>
-                    <a:lnB w="12700">
-                      <a:solidFill>
-                        <a:srgbClr val="3EAF7C"/>
-                      </a:solidFill>
-                      <a:prstDash val="sysDot"/>
-                    </a:lnB>
-                    <a:noFill/>
-                  </a:tcPr>
-                </a:tc>
-                <a:tc hMerge="1">
+                <a:tc hMerge="true">
+                  <a:tcPr>
+                    <a:lnL w="28575">
+                      <a:solidFill>
+                        <a:srgbClr val="3EAF7C"/>
+                      </a:solidFill>
+                      <a:prstDash val="solid"/>
+                    </a:lnL>
+                    <a:lnR w="28575">
+                      <a:solidFill>
+                        <a:srgbClr val="3EAF7C"/>
+                      </a:solidFill>
+                      <a:prstDash val="solid"/>
+                    </a:lnR>
+                    <a:lnT w="12700">
+                      <a:solidFill>
+                        <a:srgbClr val="3EAF7C"/>
+                      </a:solidFill>
+                      <a:prstDash val="sysDot"/>
+                    </a:lnT>
+                    <a:lnB w="12700">
+                      <a:solidFill>
+                        <a:srgbClr val="3EAF7C"/>
+                      </a:solidFill>
+                      <a:prstDash val="sysDot"/>
+                    </a:lnB>
+                    <a:noFill/>
+                  </a:tcPr>
+                </a:tc>
+                <a:tc hMerge="true">
+                  <a:tcPr>
+                    <a:lnL w="28575">
+                      <a:solidFill>
+                        <a:srgbClr val="3EAF7C"/>
+                      </a:solidFill>
+                      <a:prstDash val="solid"/>
+                    </a:lnL>
+                    <a:lnR w="28575">
+                      <a:solidFill>
+                        <a:srgbClr val="3EAF7C"/>
+                      </a:solidFill>
+                      <a:prstDash val="solid"/>
+                    </a:lnR>
+                    <a:lnT w="12700">
+                      <a:solidFill>
+                        <a:srgbClr val="3EAF7C"/>
+                      </a:solidFill>
+                      <a:prstDash val="sysDot"/>
+                    </a:lnT>
+                    <a:lnB w="12700">
+                      <a:solidFill>
+                        <a:srgbClr val="3EAF7C"/>
+                      </a:solidFill>
+                      <a:prstDash val="sysDot"/>
+                    </a:lnB>
+                    <a:noFill/>
+                  </a:tcPr>
+                </a:tc>
+                <a:tc hMerge="true">
                   <a:tcPr>
                     <a:lnL w="28575">
                       <a:solidFill>
@@ -9589,7 +9591,7 @@
                     <a:noFill/>
                   </a:tcPr>
                 </a:tc>
-                <a:tc hMerge="1">
+                <a:tc hMerge="true">
                   <a:tcPr>
                     <a:lnL w="28575">
                       <a:solidFill>
@@ -9669,7 +9671,7 @@
                     <a:noFill/>
                   </a:tcPr>
                 </a:tc>
-                <a:tc hMerge="1">
+                <a:tc hMerge="true">
                   <a:tcPr>
                     <a:lnL w="12700">
                       <a:solidFill>
@@ -9698,7 +9700,7 @@
                     <a:noFill/>
                   </a:tcPr>
                 </a:tc>
-                <a:tc hMerge="1">
+                <a:tc hMerge="true">
                   <a:tcPr>
                     <a:lnL w="28575">
                       <a:solidFill>
@@ -9769,65 +9771,65 @@
                     <a:noFill/>
                   </a:tcPr>
                 </a:tc>
-                <a:tc hMerge="1">
-                  <a:tcPr>
-                    <a:lnL w="28575">
-                      <a:solidFill>
-                        <a:srgbClr val="3EAF7C"/>
-                      </a:solidFill>
-                      <a:prstDash val="solid"/>
-                    </a:lnL>
-                    <a:lnR w="28575">
-                      <a:solidFill>
-                        <a:srgbClr val="3EAF7C"/>
-                      </a:solidFill>
-                      <a:prstDash val="solid"/>
-                    </a:lnR>
-                    <a:lnT w="12700">
-                      <a:solidFill>
-                        <a:srgbClr val="3EAF7C"/>
-                      </a:solidFill>
-                      <a:prstDash val="sysDot"/>
-                    </a:lnT>
-                    <a:lnB w="12700">
-                      <a:solidFill>
-                        <a:srgbClr val="3EAF7C"/>
-                      </a:solidFill>
-                      <a:prstDash val="sysDot"/>
-                    </a:lnB>
-                    <a:noFill/>
-                  </a:tcPr>
-                </a:tc>
-                <a:tc hMerge="1">
-                  <a:tcPr>
-                    <a:lnL w="28575">
-                      <a:solidFill>
-                        <a:srgbClr val="3EAF7C"/>
-                      </a:solidFill>
-                      <a:prstDash val="solid"/>
-                    </a:lnL>
-                    <a:lnR w="28575">
-                      <a:solidFill>
-                        <a:srgbClr val="3EAF7C"/>
-                      </a:solidFill>
-                      <a:prstDash val="solid"/>
-                    </a:lnR>
-                    <a:lnT w="12700">
-                      <a:solidFill>
-                        <a:srgbClr val="3EAF7C"/>
-                      </a:solidFill>
-                      <a:prstDash val="sysDot"/>
-                    </a:lnT>
-                    <a:lnB w="12700">
-                      <a:solidFill>
-                        <a:srgbClr val="3EAF7C"/>
-                      </a:solidFill>
-                      <a:prstDash val="sysDot"/>
-                    </a:lnB>
-                    <a:noFill/>
-                  </a:tcPr>
-                </a:tc>
-                <a:tc hMerge="1">
+                <a:tc hMerge="true">
+                  <a:tcPr>
+                    <a:lnL w="28575">
+                      <a:solidFill>
+                        <a:srgbClr val="3EAF7C"/>
+                      </a:solidFill>
+                      <a:prstDash val="solid"/>
+                    </a:lnL>
+                    <a:lnR w="28575">
+                      <a:solidFill>
+                        <a:srgbClr val="3EAF7C"/>
+                      </a:solidFill>
+                      <a:prstDash val="solid"/>
+                    </a:lnR>
+                    <a:lnT w="12700">
+                      <a:solidFill>
+                        <a:srgbClr val="3EAF7C"/>
+                      </a:solidFill>
+                      <a:prstDash val="sysDot"/>
+                    </a:lnT>
+                    <a:lnB w="12700">
+                      <a:solidFill>
+                        <a:srgbClr val="3EAF7C"/>
+                      </a:solidFill>
+                      <a:prstDash val="sysDot"/>
+                    </a:lnB>
+                    <a:noFill/>
+                  </a:tcPr>
+                </a:tc>
+                <a:tc hMerge="true">
+                  <a:tcPr>
+                    <a:lnL w="28575">
+                      <a:solidFill>
+                        <a:srgbClr val="3EAF7C"/>
+                      </a:solidFill>
+                      <a:prstDash val="solid"/>
+                    </a:lnL>
+                    <a:lnR w="28575">
+                      <a:solidFill>
+                        <a:srgbClr val="3EAF7C"/>
+                      </a:solidFill>
+                      <a:prstDash val="solid"/>
+                    </a:lnR>
+                    <a:lnT w="12700">
+                      <a:solidFill>
+                        <a:srgbClr val="3EAF7C"/>
+                      </a:solidFill>
+                      <a:prstDash val="sysDot"/>
+                    </a:lnT>
+                    <a:lnB w="12700">
+                      <a:solidFill>
+                        <a:srgbClr val="3EAF7C"/>
+                      </a:solidFill>
+                      <a:prstDash val="sysDot"/>
+                    </a:lnB>
+                    <a:noFill/>
+                  </a:tcPr>
+                </a:tc>
+                <a:tc hMerge="true">
                   <a:tcPr>
                     <a:lnL w="28575">
                       <a:solidFill>
@@ -9900,7 +9902,7 @@
                     <a:noFill/>
                   </a:tcPr>
                 </a:tc>
-                <a:tc hMerge="1">
+                <a:tc hMerge="true">
                   <a:tcPr>
                     <a:lnL w="28575">
                       <a:solidFill>
@@ -9980,7 +9982,7 @@
                     <a:noFill/>
                   </a:tcPr>
                 </a:tc>
-                <a:tc hMerge="1">
+                <a:tc hMerge="true">
                   <a:tcPr>
                     <a:lnL w="28575">
                       <a:solidFill>
@@ -10009,7 +10011,7 @@
                     <a:noFill/>
                   </a:tcPr>
                 </a:tc>
-                <a:tc hMerge="1">
+                <a:tc hMerge="true">
                   <a:tcPr>
                     <a:lnL w="28575">
                       <a:solidFill>
@@ -10098,7 +10100,7 @@
                     <a:noFill/>
                   </a:tcPr>
                 </a:tc>
-                <a:tc hMerge="1">
+                <a:tc hMerge="true">
                   <a:tcPr>
                     <a:lnL w="28575">
                       <a:solidFill>
@@ -10187,7 +10189,7 @@
                     <a:noFill/>
                   </a:tcPr>
                 </a:tc>
-                <a:tc hMerge="1">
+                <a:tc hMerge="true">
                   <a:tcPr>
                     <a:lnL w="12700">
                       <a:solidFill>
@@ -10320,7 +10322,7 @@
                     <a:noFill/>
                   </a:tcPr>
                 </a:tc>
-                <a:tc hMerge="1">
+                <a:tc hMerge="true">
                   <a:tcPr>
                     <a:lnL w="28575">
                       <a:solidFill>
@@ -10400,7 +10402,7 @@
                     <a:noFill/>
                   </a:tcPr>
                 </a:tc>
-                <a:tc hMerge="1">
+                <a:tc hMerge="true">
                   <a:tcPr>
                     <a:lnL w="28575">
                       <a:solidFill>
@@ -10429,7 +10431,7 @@
                     <a:noFill/>
                   </a:tcPr>
                 </a:tc>
-                <a:tc hMerge="1">
+                <a:tc hMerge="true">
                   <a:tcPr>
                     <a:lnL w="28575">
                       <a:solidFill>
@@ -10518,7 +10520,7 @@
                     <a:noFill/>
                   </a:tcPr>
                 </a:tc>
-                <a:tc hMerge="1">
+                <a:tc hMerge="true">
                   <a:tcPr>
                     <a:lnL w="28575">
                       <a:solidFill>
@@ -10607,7 +10609,7 @@
                     <a:noFill/>
                   </a:tcPr>
                 </a:tc>
-                <a:tc hMerge="1">
+                <a:tc hMerge="true">
                   <a:tcPr>
                     <a:lnL w="12700">
                       <a:solidFill>
@@ -10791,7 +10793,7 @@
                     <a:noFill/>
                   </a:tcPr>
                 </a:tc>
-                <a:tc hMerge="1">
+                <a:tc hMerge="true">
                   <a:tcPr>
                     <a:lnL w="28575">
                       <a:solidFill>
@@ -10862,7 +10864,7 @@
                     <a:noFill/>
                   </a:tcPr>
                 </a:tc>
-                <a:tc hMerge="1">
+                <a:tc hMerge="true">
                   <a:tcPr>
                     <a:lnL w="12700">
                       <a:solidFill>
@@ -10891,7 +10893,7 @@
                     <a:noFill/>
                   </a:tcPr>
                 </a:tc>
-                <a:tc hMerge="1">
+                <a:tc hMerge="true">
                   <a:tcPr>
                     <a:lnL w="28575">
                       <a:solidFill>
@@ -10920,7 +10922,7 @@
                     <a:noFill/>
                   </a:tcPr>
                 </a:tc>
-                <a:tc hMerge="1">
+                <a:tc hMerge="true">
                   <a:tcPr>
                     <a:lnL w="12700">
                       <a:solidFill>
@@ -10949,65 +10951,65 @@
                     <a:noFill/>
                   </a:tcPr>
                 </a:tc>
-                <a:tc hMerge="1">
-                  <a:tcPr>
-                    <a:lnL w="28575">
-                      <a:solidFill>
-                        <a:srgbClr val="3EAF7C"/>
-                      </a:solidFill>
-                      <a:prstDash val="solid"/>
-                    </a:lnL>
-                    <a:lnR w="28575">
-                      <a:solidFill>
-                        <a:srgbClr val="3EAF7C"/>
-                      </a:solidFill>
-                      <a:prstDash val="solid"/>
-                    </a:lnR>
-                    <a:lnT w="12700">
-                      <a:solidFill>
-                        <a:srgbClr val="3EAF7C"/>
-                      </a:solidFill>
-                      <a:prstDash val="sysDot"/>
-                    </a:lnT>
-                    <a:lnB w="12700">
-                      <a:solidFill>
-                        <a:srgbClr val="3EAF7C"/>
-                      </a:solidFill>
-                      <a:prstDash val="sysDot"/>
-                    </a:lnB>
-                    <a:noFill/>
-                  </a:tcPr>
-                </a:tc>
-                <a:tc hMerge="1">
-                  <a:tcPr>
-                    <a:lnL w="28575">
-                      <a:solidFill>
-                        <a:srgbClr val="3EAF7C"/>
-                      </a:solidFill>
-                      <a:prstDash val="solid"/>
-                    </a:lnL>
-                    <a:lnR w="28575">
-                      <a:solidFill>
-                        <a:srgbClr val="3EAF7C"/>
-                      </a:solidFill>
-                      <a:prstDash val="solid"/>
-                    </a:lnR>
-                    <a:lnT w="12700">
-                      <a:solidFill>
-                        <a:srgbClr val="3EAF7C"/>
-                      </a:solidFill>
-                      <a:prstDash val="sysDot"/>
-                    </a:lnT>
-                    <a:lnB w="12700">
-                      <a:solidFill>
-                        <a:srgbClr val="3EAF7C"/>
-                      </a:solidFill>
-                      <a:prstDash val="sysDot"/>
-                    </a:lnB>
-                    <a:noFill/>
-                  </a:tcPr>
-                </a:tc>
-                <a:tc hMerge="1">
+                <a:tc hMerge="true">
+                  <a:tcPr>
+                    <a:lnL w="28575">
+                      <a:solidFill>
+                        <a:srgbClr val="3EAF7C"/>
+                      </a:solidFill>
+                      <a:prstDash val="solid"/>
+                    </a:lnL>
+                    <a:lnR w="28575">
+                      <a:solidFill>
+                        <a:srgbClr val="3EAF7C"/>
+                      </a:solidFill>
+                      <a:prstDash val="solid"/>
+                    </a:lnR>
+                    <a:lnT w="12700">
+                      <a:solidFill>
+                        <a:srgbClr val="3EAF7C"/>
+                      </a:solidFill>
+                      <a:prstDash val="sysDot"/>
+                    </a:lnT>
+                    <a:lnB w="12700">
+                      <a:solidFill>
+                        <a:srgbClr val="3EAF7C"/>
+                      </a:solidFill>
+                      <a:prstDash val="sysDot"/>
+                    </a:lnB>
+                    <a:noFill/>
+                  </a:tcPr>
+                </a:tc>
+                <a:tc hMerge="true">
+                  <a:tcPr>
+                    <a:lnL w="28575">
+                      <a:solidFill>
+                        <a:srgbClr val="3EAF7C"/>
+                      </a:solidFill>
+                      <a:prstDash val="solid"/>
+                    </a:lnL>
+                    <a:lnR w="28575">
+                      <a:solidFill>
+                        <a:srgbClr val="3EAF7C"/>
+                      </a:solidFill>
+                      <a:prstDash val="solid"/>
+                    </a:lnR>
+                    <a:lnT w="12700">
+                      <a:solidFill>
+                        <a:srgbClr val="3EAF7C"/>
+                      </a:solidFill>
+                      <a:prstDash val="sysDot"/>
+                    </a:lnT>
+                    <a:lnB w="12700">
+                      <a:solidFill>
+                        <a:srgbClr val="3EAF7C"/>
+                      </a:solidFill>
+                      <a:prstDash val="sysDot"/>
+                    </a:lnB>
+                    <a:noFill/>
+                  </a:tcPr>
+                </a:tc>
+                <a:tc hMerge="true">
                   <a:tcPr>
                     <a:lnL w="28575">
                       <a:solidFill>
@@ -11089,7 +11091,7 @@
                     <a:noFill/>
                   </a:tcPr>
                 </a:tc>
-                <a:tc hMerge="1">
+                <a:tc hMerge="true">
                   <a:tcPr>
                     <a:lnL w="28575">
                       <a:solidFill>
@@ -11160,7 +11162,7 @@
                     <a:noFill/>
                   </a:tcPr>
                 </a:tc>
-                <a:tc hMerge="1">
+                <a:tc hMerge="true">
                   <a:tcPr>
                     <a:lnL w="28575">
                       <a:solidFill>
@@ -11189,7 +11191,7 @@
                     <a:noFill/>
                   </a:tcPr>
                 </a:tc>
-                <a:tc hMerge="1">
+                <a:tc hMerge="true">
                   <a:tcPr>
                     <a:lnL w="28575">
                       <a:solidFill>
@@ -11260,94 +11262,94 @@
                     <a:noFill/>
                   </a:tcPr>
                 </a:tc>
-                <a:tc hMerge="1">
-                  <a:tcPr>
-                    <a:lnL w="28575">
-                      <a:solidFill>
-                        <a:srgbClr val="3EAF7C"/>
-                      </a:solidFill>
-                      <a:prstDash val="solid"/>
-                    </a:lnL>
-                    <a:lnR w="28575">
-                      <a:solidFill>
-                        <a:srgbClr val="3EAF7C"/>
-                      </a:solidFill>
-                      <a:prstDash val="solid"/>
-                    </a:lnR>
-                    <a:lnT w="12700">
-                      <a:solidFill>
-                        <a:srgbClr val="3EAF7C"/>
-                      </a:solidFill>
-                      <a:prstDash val="sysDot"/>
-                    </a:lnT>
-                    <a:lnB w="12700">
-                      <a:solidFill>
-                        <a:srgbClr val="3EAF7C"/>
-                      </a:solidFill>
-                      <a:prstDash val="sysDot"/>
-                    </a:lnB>
-                    <a:noFill/>
-                  </a:tcPr>
-                </a:tc>
-                <a:tc hMerge="1">
-                  <a:tcPr>
-                    <a:lnL w="28575">
-                      <a:solidFill>
-                        <a:srgbClr val="3EAF7C"/>
-                      </a:solidFill>
-                      <a:prstDash val="solid"/>
-                    </a:lnL>
-                    <a:lnR w="28575">
-                      <a:solidFill>
-                        <a:srgbClr val="3EAF7C"/>
-                      </a:solidFill>
-                      <a:prstDash val="solid"/>
-                    </a:lnR>
-                    <a:lnT w="12700">
-                      <a:solidFill>
-                        <a:srgbClr val="3EAF7C"/>
-                      </a:solidFill>
-                      <a:prstDash val="sysDot"/>
-                    </a:lnT>
-                    <a:lnB w="12700">
-                      <a:solidFill>
-                        <a:srgbClr val="3EAF7C"/>
-                      </a:solidFill>
-                      <a:prstDash val="sysDot"/>
-                    </a:lnB>
-                    <a:noFill/>
-                  </a:tcPr>
-                </a:tc>
-                <a:tc hMerge="1">
-                  <a:tcPr>
-                    <a:lnL w="28575">
-                      <a:solidFill>
-                        <a:srgbClr val="3EAF7C"/>
-                      </a:solidFill>
-                      <a:prstDash val="solid"/>
-                    </a:lnL>
-                    <a:lnR w="28575">
-                      <a:solidFill>
-                        <a:srgbClr val="3EAF7C"/>
-                      </a:solidFill>
-                      <a:prstDash val="solid"/>
-                    </a:lnR>
-                    <a:lnT w="12700">
-                      <a:solidFill>
-                        <a:srgbClr val="3EAF7C"/>
-                      </a:solidFill>
-                      <a:prstDash val="sysDot"/>
-                    </a:lnT>
-                    <a:lnB w="12700">
-                      <a:solidFill>
-                        <a:srgbClr val="3EAF7C"/>
-                      </a:solidFill>
-                      <a:prstDash val="sysDot"/>
-                    </a:lnB>
-                    <a:noFill/>
-                  </a:tcPr>
-                </a:tc>
-                <a:tc hMerge="1">
+                <a:tc hMerge="true">
+                  <a:tcPr>
+                    <a:lnL w="28575">
+                      <a:solidFill>
+                        <a:srgbClr val="3EAF7C"/>
+                      </a:solidFill>
+                      <a:prstDash val="solid"/>
+                    </a:lnL>
+                    <a:lnR w="28575">
+                      <a:solidFill>
+                        <a:srgbClr val="3EAF7C"/>
+                      </a:solidFill>
+                      <a:prstDash val="solid"/>
+                    </a:lnR>
+                    <a:lnT w="12700">
+                      <a:solidFill>
+                        <a:srgbClr val="3EAF7C"/>
+                      </a:solidFill>
+                      <a:prstDash val="sysDot"/>
+                    </a:lnT>
+                    <a:lnB w="12700">
+                      <a:solidFill>
+                        <a:srgbClr val="3EAF7C"/>
+                      </a:solidFill>
+                      <a:prstDash val="sysDot"/>
+                    </a:lnB>
+                    <a:noFill/>
+                  </a:tcPr>
+                </a:tc>
+                <a:tc hMerge="true">
+                  <a:tcPr>
+                    <a:lnL w="28575">
+                      <a:solidFill>
+                        <a:srgbClr val="3EAF7C"/>
+                      </a:solidFill>
+                      <a:prstDash val="solid"/>
+                    </a:lnL>
+                    <a:lnR w="28575">
+                      <a:solidFill>
+                        <a:srgbClr val="3EAF7C"/>
+                      </a:solidFill>
+                      <a:prstDash val="solid"/>
+                    </a:lnR>
+                    <a:lnT w="12700">
+                      <a:solidFill>
+                        <a:srgbClr val="3EAF7C"/>
+                      </a:solidFill>
+                      <a:prstDash val="sysDot"/>
+                    </a:lnT>
+                    <a:lnB w="12700">
+                      <a:solidFill>
+                        <a:srgbClr val="3EAF7C"/>
+                      </a:solidFill>
+                      <a:prstDash val="sysDot"/>
+                    </a:lnB>
+                    <a:noFill/>
+                  </a:tcPr>
+                </a:tc>
+                <a:tc hMerge="true">
+                  <a:tcPr>
+                    <a:lnL w="28575">
+                      <a:solidFill>
+                        <a:srgbClr val="3EAF7C"/>
+                      </a:solidFill>
+                      <a:prstDash val="solid"/>
+                    </a:lnL>
+                    <a:lnR w="28575">
+                      <a:solidFill>
+                        <a:srgbClr val="3EAF7C"/>
+                      </a:solidFill>
+                      <a:prstDash val="solid"/>
+                    </a:lnR>
+                    <a:lnT w="12700">
+                      <a:solidFill>
+                        <a:srgbClr val="3EAF7C"/>
+                      </a:solidFill>
+                      <a:prstDash val="sysDot"/>
+                    </a:lnT>
+                    <a:lnB w="12700">
+                      <a:solidFill>
+                        <a:srgbClr val="3EAF7C"/>
+                      </a:solidFill>
+                      <a:prstDash val="sysDot"/>
+                    </a:lnB>
+                    <a:noFill/>
+                  </a:tcPr>
+                </a:tc>
+                <a:tc hMerge="true">
                   <a:tcPr>
                     <a:lnL w="28575">
                       <a:solidFill>
@@ -11386,7 +11388,7 @@
                         <a:buNone/>
                       </a:pPr>
                       <a:r>
-                        <a:rPr lang="" altLang="zh-CN" sz="600" b="1">
+                        <a:rPr lang="en-US" altLang="zh-CN" sz="600" b="1">
                           <a:solidFill>
                             <a:srgbClr val="2C3E50"/>
                           </a:solidFill>
@@ -11436,7 +11438,7 @@
                     <a:noFill/>
                   </a:tcPr>
                 </a:tc>
-                <a:tc hMerge="1">
+                <a:tc hMerge="true">
                   <a:tcPr>
                     <a:lnL w="28575">
                       <a:solidFill>
@@ -11465,7 +11467,7 @@
                     <a:noFill/>
                   </a:tcPr>
                 </a:tc>
-                <a:tc hMerge="1">
+                <a:tc hMerge="true">
                   <a:tcPr>
                     <a:lnL w="28575">
                       <a:solidFill>
@@ -11494,7 +11496,7 @@
                     <a:noFill/>
                   </a:tcPr>
                 </a:tc>
-                <a:tc hMerge="1">
+                <a:tc hMerge="true">
                   <a:tcPr>
                     <a:lnL w="28575">
                       <a:solidFill>
@@ -11523,7 +11525,7 @@
                     <a:noFill/>
                   </a:tcPr>
                 </a:tc>
-                <a:tc hMerge="1">
+                <a:tc hMerge="true">
                   <a:tcPr>
                     <a:lnL w="28575">
                       <a:solidFill>
@@ -11552,7 +11554,7 @@
                     <a:noFill/>
                   </a:tcPr>
                 </a:tc>
-                <a:tc hMerge="1">
+                <a:tc hMerge="true">
                   <a:tcPr>
                     <a:lnL w="28575">
                       <a:solidFill>
@@ -11581,7 +11583,7 @@
                     <a:noFill/>
                   </a:tcPr>
                 </a:tc>
-                <a:tc hMerge="1">
+                <a:tc hMerge="true">
                   <a:tcPr>
                     <a:lnL w="28575">
                       <a:solidFill>
@@ -11610,7 +11612,7 @@
                     <a:noFill/>
                   </a:tcPr>
                 </a:tc>
-                <a:tc hMerge="1">
+                <a:tc hMerge="true">
                   <a:tcPr>
                     <a:lnL w="28575">
                       <a:solidFill>
@@ -11639,7 +11641,7 @@
                     <a:noFill/>
                   </a:tcPr>
                 </a:tc>
-                <a:tc hMerge="1">
+                <a:tc hMerge="true">
                   <a:tcPr>
                     <a:lnL w="28575">
                       <a:solidFill>
@@ -11668,7 +11670,7 @@
                     <a:noFill/>
                   </a:tcPr>
                 </a:tc>
-                <a:tc hMerge="1">
+                <a:tc hMerge="true">
                   <a:tcPr>
                     <a:lnL w="28575">
                       <a:solidFill>
@@ -11749,7 +11751,7 @@
                     <a:noFill/>
                   </a:tcPr>
                 </a:tc>
-                <a:tc hMerge="1">
+                <a:tc hMerge="true">
                   <a:tcPr>
                     <a:lnL w="28575">
                       <a:solidFill>
@@ -11778,7 +11780,7 @@
                     <a:noFill/>
                   </a:tcPr>
                 </a:tc>
-                <a:tc hMerge="1">
+                <a:tc hMerge="true">
                   <a:tcPr>
                     <a:lnL w="28575">
                       <a:solidFill>
@@ -11807,7 +11809,7 @@
                     <a:noFill/>
                   </a:tcPr>
                 </a:tc>
-                <a:tc hMerge="1">
+                <a:tc hMerge="true">
                   <a:tcPr>
                     <a:lnL w="28575">
                       <a:solidFill>
@@ -11886,7 +11888,7 @@
                     <a:noFill/>
                   </a:tcPr>
                 </a:tc>
-                <a:tc hMerge="1">
+                <a:tc hMerge="true">
                   <a:tcPr>
                     <a:lnL w="28575">
                       <a:solidFill>
@@ -11915,7 +11917,7 @@
                     <a:noFill/>
                   </a:tcPr>
                 </a:tc>
-                <a:tc hMerge="1">
+                <a:tc hMerge="true">
                   <a:tcPr>
                     <a:lnL w="28575">
                       <a:solidFill>
@@ -11944,7 +11946,7 @@
                     <a:noFill/>
                   </a:tcPr>
                 </a:tc>
-                <a:tc hMerge="1">
+                <a:tc hMerge="true">
                   <a:tcPr>
                     <a:lnL w="28575">
                       <a:solidFill>
@@ -12023,7 +12025,7 @@
                     <a:noFill/>
                   </a:tcPr>
                 </a:tc>
-                <a:tc hMerge="1">
+                <a:tc hMerge="true">
                   <a:tcPr>
                     <a:lnL w="28575">
                       <a:solidFill>
@@ -12104,65 +12106,65 @@
                     <a:noFill/>
                   </a:tcPr>
                 </a:tc>
-                <a:tc hMerge="1">
-                  <a:tcPr>
-                    <a:lnL w="28575">
-                      <a:solidFill>
-                        <a:srgbClr val="3EAF7C"/>
-                      </a:solidFill>
-                      <a:prstDash val="solid"/>
-                    </a:lnL>
-                    <a:lnR w="28575">
-                      <a:solidFill>
-                        <a:srgbClr val="3EAF7C"/>
-                      </a:solidFill>
-                      <a:prstDash val="solid"/>
-                    </a:lnR>
-                    <a:lnT w="12700">
-                      <a:solidFill>
-                        <a:srgbClr val="3EAF7C"/>
-                      </a:solidFill>
-                      <a:prstDash val="sysDot"/>
-                    </a:lnT>
-                    <a:lnB w="12700">
-                      <a:solidFill>
-                        <a:srgbClr val="3EAF7C"/>
-                      </a:solidFill>
-                      <a:prstDash val="sysDot"/>
-                    </a:lnB>
-                    <a:noFill/>
-                  </a:tcPr>
-                </a:tc>
-                <a:tc hMerge="1">
-                  <a:tcPr>
-                    <a:lnL w="28575">
-                      <a:solidFill>
-                        <a:srgbClr val="3EAF7C"/>
-                      </a:solidFill>
-                      <a:prstDash val="solid"/>
-                    </a:lnL>
-                    <a:lnR w="28575">
-                      <a:solidFill>
-                        <a:srgbClr val="3EAF7C"/>
-                      </a:solidFill>
-                      <a:prstDash val="solid"/>
-                    </a:lnR>
-                    <a:lnT w="12700">
-                      <a:solidFill>
-                        <a:srgbClr val="3EAF7C"/>
-                      </a:solidFill>
-                      <a:prstDash val="sysDot"/>
-                    </a:lnT>
-                    <a:lnB w="12700">
-                      <a:solidFill>
-                        <a:srgbClr val="3EAF7C"/>
-                      </a:solidFill>
-                      <a:prstDash val="sysDot"/>
-                    </a:lnB>
-                    <a:noFill/>
-                  </a:tcPr>
-                </a:tc>
-                <a:tc hMerge="1">
+                <a:tc hMerge="true">
+                  <a:tcPr>
+                    <a:lnL w="28575">
+                      <a:solidFill>
+                        <a:srgbClr val="3EAF7C"/>
+                      </a:solidFill>
+                      <a:prstDash val="solid"/>
+                    </a:lnL>
+                    <a:lnR w="28575">
+                      <a:solidFill>
+                        <a:srgbClr val="3EAF7C"/>
+                      </a:solidFill>
+                      <a:prstDash val="solid"/>
+                    </a:lnR>
+                    <a:lnT w="12700">
+                      <a:solidFill>
+                        <a:srgbClr val="3EAF7C"/>
+                      </a:solidFill>
+                      <a:prstDash val="sysDot"/>
+                    </a:lnT>
+                    <a:lnB w="12700">
+                      <a:solidFill>
+                        <a:srgbClr val="3EAF7C"/>
+                      </a:solidFill>
+                      <a:prstDash val="sysDot"/>
+                    </a:lnB>
+                    <a:noFill/>
+                  </a:tcPr>
+                </a:tc>
+                <a:tc hMerge="true">
+                  <a:tcPr>
+                    <a:lnL w="28575">
+                      <a:solidFill>
+                        <a:srgbClr val="3EAF7C"/>
+                      </a:solidFill>
+                      <a:prstDash val="solid"/>
+                    </a:lnL>
+                    <a:lnR w="28575">
+                      <a:solidFill>
+                        <a:srgbClr val="3EAF7C"/>
+                      </a:solidFill>
+                      <a:prstDash val="solid"/>
+                    </a:lnR>
+                    <a:lnT w="12700">
+                      <a:solidFill>
+                        <a:srgbClr val="3EAF7C"/>
+                      </a:solidFill>
+                      <a:prstDash val="sysDot"/>
+                    </a:lnT>
+                    <a:lnB w="12700">
+                      <a:solidFill>
+                        <a:srgbClr val="3EAF7C"/>
+                      </a:solidFill>
+                      <a:prstDash val="sysDot"/>
+                    </a:lnB>
+                    <a:noFill/>
+                  </a:tcPr>
+                </a:tc>
+                <a:tc hMerge="true">
                   <a:tcPr>
                     <a:lnL w="28575">
                       <a:solidFill>
@@ -12241,65 +12243,65 @@
                     <a:noFill/>
                   </a:tcPr>
                 </a:tc>
-                <a:tc hMerge="1">
-                  <a:tcPr>
-                    <a:lnL w="28575">
-                      <a:solidFill>
-                        <a:srgbClr val="3EAF7C"/>
-                      </a:solidFill>
-                      <a:prstDash val="solid"/>
-                    </a:lnL>
-                    <a:lnR w="28575">
-                      <a:solidFill>
-                        <a:srgbClr val="3EAF7C"/>
-                      </a:solidFill>
-                      <a:prstDash val="solid"/>
-                    </a:lnR>
-                    <a:lnT w="12700">
-                      <a:solidFill>
-                        <a:srgbClr val="3EAF7C"/>
-                      </a:solidFill>
-                      <a:prstDash val="sysDot"/>
-                    </a:lnT>
-                    <a:lnB w="12700">
-                      <a:solidFill>
-                        <a:srgbClr val="3EAF7C"/>
-                      </a:solidFill>
-                      <a:prstDash val="sysDot"/>
-                    </a:lnB>
-                    <a:noFill/>
-                  </a:tcPr>
-                </a:tc>
-                <a:tc hMerge="1">
-                  <a:tcPr>
-                    <a:lnL w="28575">
-                      <a:solidFill>
-                        <a:srgbClr val="3EAF7C"/>
-                      </a:solidFill>
-                      <a:prstDash val="solid"/>
-                    </a:lnL>
-                    <a:lnR w="28575">
-                      <a:solidFill>
-                        <a:srgbClr val="3EAF7C"/>
-                      </a:solidFill>
-                      <a:prstDash val="solid"/>
-                    </a:lnR>
-                    <a:lnT w="12700">
-                      <a:solidFill>
-                        <a:srgbClr val="3EAF7C"/>
-                      </a:solidFill>
-                      <a:prstDash val="sysDot"/>
-                    </a:lnT>
-                    <a:lnB w="12700">
-                      <a:solidFill>
-                        <a:srgbClr val="3EAF7C"/>
-                      </a:solidFill>
-                      <a:prstDash val="sysDot"/>
-                    </a:lnB>
-                    <a:noFill/>
-                  </a:tcPr>
-                </a:tc>
-                <a:tc hMerge="1">
+                <a:tc hMerge="true">
+                  <a:tcPr>
+                    <a:lnL w="28575">
+                      <a:solidFill>
+                        <a:srgbClr val="3EAF7C"/>
+                      </a:solidFill>
+                      <a:prstDash val="solid"/>
+                    </a:lnL>
+                    <a:lnR w="28575">
+                      <a:solidFill>
+                        <a:srgbClr val="3EAF7C"/>
+                      </a:solidFill>
+                      <a:prstDash val="solid"/>
+                    </a:lnR>
+                    <a:lnT w="12700">
+                      <a:solidFill>
+                        <a:srgbClr val="3EAF7C"/>
+                      </a:solidFill>
+                      <a:prstDash val="sysDot"/>
+                    </a:lnT>
+                    <a:lnB w="12700">
+                      <a:solidFill>
+                        <a:srgbClr val="3EAF7C"/>
+                      </a:solidFill>
+                      <a:prstDash val="sysDot"/>
+                    </a:lnB>
+                    <a:noFill/>
+                  </a:tcPr>
+                </a:tc>
+                <a:tc hMerge="true">
+                  <a:tcPr>
+                    <a:lnL w="28575">
+                      <a:solidFill>
+                        <a:srgbClr val="3EAF7C"/>
+                      </a:solidFill>
+                      <a:prstDash val="solid"/>
+                    </a:lnL>
+                    <a:lnR w="28575">
+                      <a:solidFill>
+                        <a:srgbClr val="3EAF7C"/>
+                      </a:solidFill>
+                      <a:prstDash val="solid"/>
+                    </a:lnR>
+                    <a:lnT w="12700">
+                      <a:solidFill>
+                        <a:srgbClr val="3EAF7C"/>
+                      </a:solidFill>
+                      <a:prstDash val="sysDot"/>
+                    </a:lnT>
+                    <a:lnB w="12700">
+                      <a:solidFill>
+                        <a:srgbClr val="3EAF7C"/>
+                      </a:solidFill>
+                      <a:prstDash val="sysDot"/>
+                    </a:lnB>
+                    <a:noFill/>
+                  </a:tcPr>
+                </a:tc>
+                <a:tc hMerge="true">
                   <a:tcPr>
                     <a:lnL w="28575">
                       <a:solidFill>
@@ -12378,7 +12380,7 @@
                     <a:noFill/>
                   </a:tcPr>
                 </a:tc>
-                <a:tc hMerge="1">
+                <a:tc hMerge="true">
                   <a:tcPr>
                     <a:lnL w="28575">
                       <a:solidFill>
@@ -12459,65 +12461,65 @@
                     <a:noFill/>
                   </a:tcPr>
                 </a:tc>
-                <a:tc hMerge="1">
-                  <a:tcPr>
-                    <a:lnL w="28575">
-                      <a:solidFill>
-                        <a:srgbClr val="3EAF7C"/>
-                      </a:solidFill>
-                      <a:prstDash val="solid"/>
-                    </a:lnL>
-                    <a:lnR w="28575">
-                      <a:solidFill>
-                        <a:srgbClr val="3EAF7C"/>
-                      </a:solidFill>
-                      <a:prstDash val="solid"/>
-                    </a:lnR>
-                    <a:lnT w="12700">
-                      <a:solidFill>
-                        <a:srgbClr val="3EAF7C"/>
-                      </a:solidFill>
-                      <a:prstDash val="sysDot"/>
-                    </a:lnT>
-                    <a:lnB w="12700">
-                      <a:solidFill>
-                        <a:srgbClr val="3EAF7C"/>
-                      </a:solidFill>
-                      <a:prstDash val="sysDot"/>
-                    </a:lnB>
-                    <a:noFill/>
-                  </a:tcPr>
-                </a:tc>
-                <a:tc hMerge="1">
-                  <a:tcPr>
-                    <a:lnL w="28575">
-                      <a:solidFill>
-                        <a:srgbClr val="3EAF7C"/>
-                      </a:solidFill>
-                      <a:prstDash val="solid"/>
-                    </a:lnL>
-                    <a:lnR w="28575">
-                      <a:solidFill>
-                        <a:srgbClr val="3EAF7C"/>
-                      </a:solidFill>
-                      <a:prstDash val="solid"/>
-                    </a:lnR>
-                    <a:lnT w="12700">
-                      <a:solidFill>
-                        <a:srgbClr val="3EAF7C"/>
-                      </a:solidFill>
-                      <a:prstDash val="sysDot"/>
-                    </a:lnT>
-                    <a:lnB w="12700">
-                      <a:solidFill>
-                        <a:srgbClr val="3EAF7C"/>
-                      </a:solidFill>
-                      <a:prstDash val="sysDot"/>
-                    </a:lnB>
-                    <a:noFill/>
-                  </a:tcPr>
-                </a:tc>
-                <a:tc hMerge="1">
+                <a:tc hMerge="true">
+                  <a:tcPr>
+                    <a:lnL w="28575">
+                      <a:solidFill>
+                        <a:srgbClr val="3EAF7C"/>
+                      </a:solidFill>
+                      <a:prstDash val="solid"/>
+                    </a:lnL>
+                    <a:lnR w="28575">
+                      <a:solidFill>
+                        <a:srgbClr val="3EAF7C"/>
+                      </a:solidFill>
+                      <a:prstDash val="solid"/>
+                    </a:lnR>
+                    <a:lnT w="12700">
+                      <a:solidFill>
+                        <a:srgbClr val="3EAF7C"/>
+                      </a:solidFill>
+                      <a:prstDash val="sysDot"/>
+                    </a:lnT>
+                    <a:lnB w="12700">
+                      <a:solidFill>
+                        <a:srgbClr val="3EAF7C"/>
+                      </a:solidFill>
+                      <a:prstDash val="sysDot"/>
+                    </a:lnB>
+                    <a:noFill/>
+                  </a:tcPr>
+                </a:tc>
+                <a:tc hMerge="true">
+                  <a:tcPr>
+                    <a:lnL w="28575">
+                      <a:solidFill>
+                        <a:srgbClr val="3EAF7C"/>
+                      </a:solidFill>
+                      <a:prstDash val="solid"/>
+                    </a:lnL>
+                    <a:lnR w="28575">
+                      <a:solidFill>
+                        <a:srgbClr val="3EAF7C"/>
+                      </a:solidFill>
+                      <a:prstDash val="solid"/>
+                    </a:lnR>
+                    <a:lnT w="12700">
+                      <a:solidFill>
+                        <a:srgbClr val="3EAF7C"/>
+                      </a:solidFill>
+                      <a:prstDash val="sysDot"/>
+                    </a:lnT>
+                    <a:lnB w="12700">
+                      <a:solidFill>
+                        <a:srgbClr val="3EAF7C"/>
+                      </a:solidFill>
+                      <a:prstDash val="sysDot"/>
+                    </a:lnB>
+                    <a:noFill/>
+                  </a:tcPr>
+                </a:tc>
+                <a:tc hMerge="true">
                   <a:tcPr>
                     <a:lnL w="28575">
                       <a:solidFill>
@@ -12596,65 +12598,65 @@
                     <a:noFill/>
                   </a:tcPr>
                 </a:tc>
-                <a:tc hMerge="1">
-                  <a:tcPr>
-                    <a:lnL w="28575">
-                      <a:solidFill>
-                        <a:srgbClr val="3EAF7C"/>
-                      </a:solidFill>
-                      <a:prstDash val="solid"/>
-                    </a:lnL>
-                    <a:lnR w="28575">
-                      <a:solidFill>
-                        <a:srgbClr val="3EAF7C"/>
-                      </a:solidFill>
-                      <a:prstDash val="solid"/>
-                    </a:lnR>
-                    <a:lnT w="12700">
-                      <a:solidFill>
-                        <a:srgbClr val="3EAF7C"/>
-                      </a:solidFill>
-                      <a:prstDash val="sysDot"/>
-                    </a:lnT>
-                    <a:lnB w="12700">
-                      <a:solidFill>
-                        <a:srgbClr val="3EAF7C"/>
-                      </a:solidFill>
-                      <a:prstDash val="sysDot"/>
-                    </a:lnB>
-                    <a:noFill/>
-                  </a:tcPr>
-                </a:tc>
-                <a:tc hMerge="1">
-                  <a:tcPr>
-                    <a:lnL w="28575">
-                      <a:solidFill>
-                        <a:srgbClr val="3EAF7C"/>
-                      </a:solidFill>
-                      <a:prstDash val="solid"/>
-                    </a:lnL>
-                    <a:lnR w="28575">
-                      <a:solidFill>
-                        <a:srgbClr val="3EAF7C"/>
-                      </a:solidFill>
-                      <a:prstDash val="solid"/>
-                    </a:lnR>
-                    <a:lnT w="12700">
-                      <a:solidFill>
-                        <a:srgbClr val="3EAF7C"/>
-                      </a:solidFill>
-                      <a:prstDash val="sysDot"/>
-                    </a:lnT>
-                    <a:lnB w="12700">
-                      <a:solidFill>
-                        <a:srgbClr val="3EAF7C"/>
-                      </a:solidFill>
-                      <a:prstDash val="sysDot"/>
-                    </a:lnB>
-                    <a:noFill/>
-                  </a:tcPr>
-                </a:tc>
-                <a:tc hMerge="1">
+                <a:tc hMerge="true">
+                  <a:tcPr>
+                    <a:lnL w="28575">
+                      <a:solidFill>
+                        <a:srgbClr val="3EAF7C"/>
+                      </a:solidFill>
+                      <a:prstDash val="solid"/>
+                    </a:lnL>
+                    <a:lnR w="28575">
+                      <a:solidFill>
+                        <a:srgbClr val="3EAF7C"/>
+                      </a:solidFill>
+                      <a:prstDash val="solid"/>
+                    </a:lnR>
+                    <a:lnT w="12700">
+                      <a:solidFill>
+                        <a:srgbClr val="3EAF7C"/>
+                      </a:solidFill>
+                      <a:prstDash val="sysDot"/>
+                    </a:lnT>
+                    <a:lnB w="12700">
+                      <a:solidFill>
+                        <a:srgbClr val="3EAF7C"/>
+                      </a:solidFill>
+                      <a:prstDash val="sysDot"/>
+                    </a:lnB>
+                    <a:noFill/>
+                  </a:tcPr>
+                </a:tc>
+                <a:tc hMerge="true">
+                  <a:tcPr>
+                    <a:lnL w="28575">
+                      <a:solidFill>
+                        <a:srgbClr val="3EAF7C"/>
+                      </a:solidFill>
+                      <a:prstDash val="solid"/>
+                    </a:lnL>
+                    <a:lnR w="28575">
+                      <a:solidFill>
+                        <a:srgbClr val="3EAF7C"/>
+                      </a:solidFill>
+                      <a:prstDash val="solid"/>
+                    </a:lnR>
+                    <a:lnT w="12700">
+                      <a:solidFill>
+                        <a:srgbClr val="3EAF7C"/>
+                      </a:solidFill>
+                      <a:prstDash val="sysDot"/>
+                    </a:lnT>
+                    <a:lnB w="12700">
+                      <a:solidFill>
+                        <a:srgbClr val="3EAF7C"/>
+                      </a:solidFill>
+                      <a:prstDash val="sysDot"/>
+                    </a:lnB>
+                    <a:noFill/>
+                  </a:tcPr>
+                </a:tc>
+                <a:tc hMerge="true">
                   <a:tcPr>
                     <a:lnL w="28575">
                       <a:solidFill>
@@ -12733,7 +12735,7 @@
                     <a:noFill/>
                   </a:tcPr>
                 </a:tc>
-                <a:tc hMerge="1">
+                <a:tc hMerge="true">
                   <a:tcPr>
                     <a:lnL w="28575">
                       <a:solidFill>
@@ -12814,7 +12816,7 @@
                     <a:noFill/>
                   </a:tcPr>
                 </a:tc>
-                <a:tc hMerge="1">
+                <a:tc hMerge="true">
                   <a:tcPr>
                     <a:lnL w="28575">
                       <a:solidFill>
@@ -12843,7 +12845,7 @@
                     <a:noFill/>
                   </a:tcPr>
                 </a:tc>
-                <a:tc hMerge="1">
+                <a:tc hMerge="true">
                   <a:tcPr>
                     <a:lnL w="28575">
                       <a:solidFill>
@@ -12872,7 +12874,7 @@
                     <a:noFill/>
                   </a:tcPr>
                 </a:tc>
-                <a:tc hMerge="1">
+                <a:tc hMerge="true">
                   <a:tcPr>
                     <a:lnL w="28575">
                       <a:solidFill>
@@ -12951,7 +12953,7 @@
                     <a:noFill/>
                   </a:tcPr>
                 </a:tc>
-                <a:tc hMerge="1">
+                <a:tc hMerge="true">
                   <a:tcPr>
                     <a:lnL w="28575">
                       <a:solidFill>
@@ -12980,7 +12982,7 @@
                     <a:noFill/>
                   </a:tcPr>
                 </a:tc>
-                <a:tc hMerge="1">
+                <a:tc hMerge="true">
                   <a:tcPr>
                     <a:lnL w="28575">
                       <a:solidFill>
@@ -13009,7 +13011,7 @@
                     <a:noFill/>
                   </a:tcPr>
                 </a:tc>
-                <a:tc hMerge="1">
+                <a:tc hMerge="true">
                   <a:tcPr>
                     <a:lnL w="28575">
                       <a:solidFill>
@@ -13046,14 +13048,14 @@
                         <a:buNone/>
                       </a:pPr>
                       <a:r>
-                        <a:rPr lang="" altLang="zh-CN" sz="800" b="1">
+                        <a:rPr lang="en-US" altLang="zh-CN" sz="800" b="1">
                           <a:solidFill>
                             <a:srgbClr val="2C3E50"/>
                           </a:solidFill>
                         </a:rPr>
                         <a:t>cell</a:t>
                       </a:r>
-                      <a:endParaRPr lang="" altLang="zh-CN" sz="800" b="1">
+                      <a:endParaRPr lang="en-US" altLang="zh-CN" sz="800" b="1">
                         <a:solidFill>
                           <a:srgbClr val="2C3E50"/>
                         </a:solidFill>
@@ -13088,7 +13090,7 @@
                     <a:noFill/>
                   </a:tcPr>
                 </a:tc>
-                <a:tc hMerge="1">
+                <a:tc hMerge="true">
                   <a:tcPr>
                     <a:lnL w="28575">
                       <a:solidFill>
@@ -13293,7 +13295,7 @@
       <p:sp>
         <p:nvSpPr>
           <p:cNvPr id="17" name="文本框 16"/>
-          <p:cNvSpPr txBox="1"/>
+          <p:cNvSpPr txBox="true"/>
           <p:nvPr/>
         </p:nvSpPr>
         <p:spPr>
@@ -13312,17 +13314,17 @@
           </a:bodyPr>
           <a:p>
             <a:r>
-              <a:rPr lang="" altLang="zh-CN" sz="1200"/>
+              <a:rPr lang="en-US" altLang="zh-CN" sz="1200"/>
               <a:t>head</a:t>
             </a:r>
-            <a:endParaRPr lang="" altLang="zh-CN" sz="1200"/>
+            <a:endParaRPr lang="en-US" altLang="zh-CN" sz="1200"/>
           </a:p>
         </p:txBody>
       </p:sp>
       <p:sp>
         <p:nvSpPr>
           <p:cNvPr id="19" name="文本框 18"/>
-          <p:cNvSpPr txBox="1"/>
+          <p:cNvSpPr txBox="true"/>
           <p:nvPr/>
         </p:nvSpPr>
         <p:spPr>
@@ -13341,17 +13343,17 @@
           </a:bodyPr>
           <a:p>
             <a:r>
-              <a:rPr lang="" altLang="zh-CN" sz="1200"/>
+              <a:rPr lang="en-US" altLang="zh-CN" sz="1200"/>
               <a:t>fill_area</a:t>
             </a:r>
-            <a:endParaRPr lang="" altLang="zh-CN" sz="1200"/>
+            <a:endParaRPr lang="en-US" altLang="zh-CN" sz="1200"/>
           </a:p>
         </p:txBody>
       </p:sp>
       <p:sp>
         <p:nvSpPr>
           <p:cNvPr id="20" name="文本框 19"/>
-          <p:cNvSpPr txBox="1"/>
+          <p:cNvSpPr txBox="true"/>
           <p:nvPr/>
         </p:nvSpPr>
         <p:spPr>
@@ -13370,17 +13372,17 @@
           </a:bodyPr>
           <a:p>
             <a:r>
-              <a:rPr lang="" altLang="zh-CN" sz="1200"/>
+              <a:rPr lang="en-US" altLang="zh-CN" sz="1200"/>
               <a:t>dt_sturct</a:t>
             </a:r>
-            <a:endParaRPr lang="" altLang="zh-CN" sz="1200"/>
+            <a:endParaRPr lang="en-US" altLang="zh-CN" sz="1200"/>
           </a:p>
         </p:txBody>
       </p:sp>
       <p:sp>
         <p:nvSpPr>
           <p:cNvPr id="21" name="文本框 20"/>
-          <p:cNvSpPr txBox="1"/>
+          <p:cNvSpPr txBox="true"/>
           <p:nvPr/>
         </p:nvSpPr>
         <p:spPr>
@@ -13399,10 +13401,10 @@
           </a:bodyPr>
           <a:p>
             <a:r>
-              <a:rPr lang="" altLang="zh-CN" sz="1200"/>
+              <a:rPr lang="en-US" altLang="zh-CN" sz="1200"/>
               <a:t>dt_string</a:t>
             </a:r>
-            <a:endParaRPr lang="" altLang="zh-CN" sz="1200"/>
+            <a:endParaRPr lang="en-US" altLang="zh-CN" sz="1200"/>
           </a:p>
         </p:txBody>
       </p:sp>
@@ -13413,7 +13415,7 @@
           <p:nvPr/>
         </p:nvSpPr>
         <p:spPr>
-          <a:xfrm rot="5400000" flipV="1">
+          <a:xfrm rot="5400000" flipV="true">
             <a:off x="40005" y="2600325"/>
             <a:ext cx="1724660" cy="160655"/>
           </a:xfrm>
@@ -13477,7 +13479,7 @@
           <p:nvPr/>
         </p:nvSpPr>
         <p:spPr>
-          <a:xfrm rot="5400000" flipV="1">
+          <a:xfrm rot="5400000" flipV="true">
             <a:off x="-1268730" y="3916680"/>
             <a:ext cx="4139565" cy="405765"/>
           </a:xfrm>
@@ -13541,7 +13543,7 @@
           <p:nvPr/>
         </p:nvSpPr>
         <p:spPr>
-          <a:xfrm rot="5400000" flipV="1">
+          <a:xfrm rot="5400000" flipV="true">
             <a:off x="381635" y="2708910"/>
             <a:ext cx="1119505" cy="81915"/>
           </a:xfrm>
@@ -13592,6 +13594,1364 @@
           </a:p>
         </p:txBody>
       </p:sp>
+    </p:spTree>
+  </p:cSld>
+  <p:clrMapOvr>
+    <a:masterClrMapping/>
+  </p:clrMapOvr>
+</p:sld>
+</file>
+
+<file path=ppt/slides/slide2.xml><?xml version="1.0" encoding="utf-8"?>
+<p:sld xmlns:a="http://schemas.openxmlformats.org/drawingml/2006/main" xmlns:r="http://schemas.openxmlformats.org/officeDocument/2006/relationships" xmlns:p="http://schemas.openxmlformats.org/presentationml/2006/main">
+  <p:cSld>
+    <p:spTree>
+      <p:nvGrpSpPr>
+        <p:cNvPr id="1" name=""/>
+        <p:cNvGrpSpPr/>
+        <p:nvPr/>
+      </p:nvGrpSpPr>
+      <p:grpSpPr/>
+      <p:sp>
+        <p:nvSpPr>
+          <p:cNvPr id="4" name="文本框 3"/>
+          <p:cNvSpPr txBox="true"/>
+          <p:nvPr/>
+        </p:nvSpPr>
+        <p:spPr>
+          <a:xfrm>
+            <a:off x="1606550" y="4307205"/>
+            <a:ext cx="1811020" cy="583565"/>
+          </a:xfrm>
+          <a:prstGeom prst="rect">
+            <a:avLst/>
+          </a:prstGeom>
+          <a:noFill/>
+        </p:spPr>
+        <p:txBody>
+          <a:bodyPr wrap="none" rtlCol="0">
+            <a:spAutoFit/>
+          </a:bodyPr>
+          <a:p>
+            <a:r>
+              <a:rPr lang="zh-CN" altLang="en-US" sz="3200" b="1">
+                <a:solidFill>
+                  <a:srgbClr val="2C3E50"/>
+                </a:solidFill>
+              </a:rPr>
+              <a:t>字符设备</a:t>
+            </a:r>
+            <a:endParaRPr lang="zh-CN" altLang="en-US" sz="3200" b="1">
+              <a:solidFill>
+                <a:srgbClr val="2C3E50"/>
+              </a:solidFill>
+            </a:endParaRPr>
+          </a:p>
+        </p:txBody>
+      </p:sp>
+    </p:spTree>
+  </p:cSld>
+  <p:clrMapOvr>
+    <a:masterClrMapping/>
+  </p:clrMapOvr>
+</p:sld>
+</file>
+
+<file path=ppt/slides/slide3.xml><?xml version="1.0" encoding="utf-8"?>
+<p:sld xmlns:a="http://schemas.openxmlformats.org/drawingml/2006/main" xmlns:r="http://schemas.openxmlformats.org/officeDocument/2006/relationships" xmlns:p="http://schemas.openxmlformats.org/presentationml/2006/main">
+  <p:cSld>
+    <p:spTree>
+      <p:nvGrpSpPr>
+        <p:cNvPr id="1" name=""/>
+        <p:cNvGrpSpPr/>
+        <p:nvPr/>
+      </p:nvGrpSpPr>
+      <p:grpSpPr/>
+      <p:sp>
+        <p:nvSpPr>
+          <p:cNvPr id="2" name="文本框 1"/>
+          <p:cNvSpPr txBox="true"/>
+          <p:nvPr/>
+        </p:nvSpPr>
+        <p:spPr>
+          <a:xfrm>
+            <a:off x="290830" y="720725"/>
+            <a:ext cx="2355850" cy="368300"/>
+          </a:xfrm>
+          <a:prstGeom prst="rect">
+            <a:avLst/>
+          </a:prstGeom>
+          <a:noFill/>
+        </p:spPr>
+        <p:txBody>
+          <a:bodyPr wrap="square" rtlCol="0" anchor="t">
+            <a:spAutoFit/>
+          </a:bodyPr>
+          <a:p>
+            <a:r>
+              <a:rPr lang="zh-CN" altLang="en-US" b="1">
+                <a:solidFill>
+                  <a:srgbClr val="2C3E50"/>
+                </a:solidFill>
+              </a:rPr>
+              <a:t>struct kobj_map</a:t>
+            </a:r>
+            <a:endParaRPr lang="zh-CN" altLang="en-US" b="1">
+              <a:solidFill>
+                <a:srgbClr val="2C3E50"/>
+              </a:solidFill>
+            </a:endParaRPr>
+          </a:p>
+        </p:txBody>
+      </p:sp>
+      <p:graphicFrame>
+        <p:nvGraphicFramePr>
+          <p:cNvPr id="3" name="表格 2"/>
+          <p:cNvGraphicFramePr/>
+          <p:nvPr/>
+        </p:nvGraphicFramePr>
+        <p:xfrm>
+          <a:off x="389255" y="1254125"/>
+          <a:ext cx="2014855" cy="2747010"/>
+        </p:xfrm>
+        <a:graphic>
+          <a:graphicData uri="http://schemas.openxmlformats.org/drawingml/2006/table">
+            <a:tbl>
+              <a:tblPr firstRow="true" bandRow="true">
+                <a:tableStyleId>{5940675A-B579-460E-94D1-54222C63F5DA}</a:tableStyleId>
+              </a:tblPr>
+              <a:tblGrid>
+                <a:gridCol w="2014855"/>
+              </a:tblGrid>
+              <a:tr h="392430">
+                <a:tc>
+                  <a:txBody>
+                    <a:bodyPr/>
+                    <a:p>
+                      <a:pPr algn="ctr">
+                        <a:buNone/>
+                      </a:pPr>
+                      <a:r>
+                        <a:rPr lang="zh-CN" altLang="en-US" b="1">
+                          <a:solidFill>
+                            <a:srgbClr val="2C3E50"/>
+                          </a:solidFill>
+                        </a:rPr>
+                        <a:t>probe</a:t>
+                      </a:r>
+                      <a:r>
+                        <a:rPr lang="en-US" altLang="zh-CN" b="1">
+                          <a:solidFill>
+                            <a:srgbClr val="2C3E50"/>
+                          </a:solidFill>
+                        </a:rPr>
+                        <a:t>[0]</a:t>
+                      </a:r>
+                      <a:endParaRPr lang="en-US" altLang="zh-CN" b="1">
+                        <a:solidFill>
+                          <a:srgbClr val="2C3E50"/>
+                        </a:solidFill>
+                      </a:endParaRPr>
+                    </a:p>
+                  </a:txBody>
+                  <a:tcPr anchor="ctr" anchorCtr="false">
+                    <a:lnL w="28575">
+                      <a:solidFill>
+                        <a:srgbClr val="2C3E50"/>
+                      </a:solidFill>
+                      <a:prstDash val="solid"/>
+                    </a:lnL>
+                    <a:lnR w="28575">
+                      <a:solidFill>
+                        <a:srgbClr val="2C3E50"/>
+                      </a:solidFill>
+                      <a:prstDash val="solid"/>
+                    </a:lnR>
+                    <a:lnT w="28575">
+                      <a:solidFill>
+                        <a:srgbClr val="2C3E50"/>
+                      </a:solidFill>
+                      <a:prstDash val="solid"/>
+                    </a:lnT>
+                    <a:lnB w="28575">
+                      <a:solidFill>
+                        <a:srgbClr val="2C3E50"/>
+                      </a:solidFill>
+                      <a:prstDash val="solid"/>
+                    </a:lnB>
+                  </a:tcPr>
+                </a:tc>
+              </a:tr>
+              <a:tr h="392430">
+                <a:tc>
+                  <a:txBody>
+                    <a:bodyPr/>
+                    <a:p>
+                      <a:pPr algn="ctr">
+                        <a:buNone/>
+                      </a:pPr>
+                      <a:r>
+                        <a:rPr lang="zh-CN" altLang="en-US" sz="1350" b="1">
+                          <a:solidFill>
+                            <a:srgbClr val="2C3E50"/>
+                          </a:solidFill>
+                          <a:sym typeface="+mn-ea"/>
+                        </a:rPr>
+                        <a:t>probe</a:t>
+                      </a:r>
+                      <a:r>
+                        <a:rPr lang="en-US" altLang="zh-CN" sz="1350" b="1">
+                          <a:solidFill>
+                            <a:srgbClr val="2C3E50"/>
+                          </a:solidFill>
+                          <a:sym typeface="+mn-ea"/>
+                        </a:rPr>
+                        <a:t>[1]</a:t>
+                      </a:r>
+                      <a:endParaRPr lang="en-US" altLang="zh-CN" sz="1350" b="1">
+                        <a:solidFill>
+                          <a:srgbClr val="2C3E50"/>
+                        </a:solidFill>
+                        <a:sym typeface="+mn-ea"/>
+                      </a:endParaRPr>
+                    </a:p>
+                    <a:p>
+                      <a:pPr algn="ctr">
+                        <a:buNone/>
+                      </a:pPr>
+                      <a:endParaRPr lang="en-US" altLang="zh-CN" sz="1350" b="1">
+                        <a:solidFill>
+                          <a:srgbClr val="2C3E50"/>
+                        </a:solidFill>
+                        <a:sym typeface="+mn-ea"/>
+                      </a:endParaRPr>
+                    </a:p>
+                  </a:txBody>
+                  <a:tcPr anchor="ctr" anchorCtr="false">
+                    <a:lnL w="28575">
+                      <a:solidFill>
+                        <a:srgbClr val="2C3E50"/>
+                      </a:solidFill>
+                      <a:prstDash val="solid"/>
+                    </a:lnL>
+                    <a:lnR w="28575">
+                      <a:solidFill>
+                        <a:srgbClr val="2C3E50"/>
+                      </a:solidFill>
+                      <a:prstDash val="solid"/>
+                    </a:lnR>
+                    <a:lnT w="28575">
+                      <a:solidFill>
+                        <a:srgbClr val="2C3E50"/>
+                      </a:solidFill>
+                      <a:prstDash val="solid"/>
+                    </a:lnT>
+                    <a:lnB w="28575">
+                      <a:solidFill>
+                        <a:srgbClr val="2C3E50"/>
+                      </a:solidFill>
+                      <a:prstDash val="solid"/>
+                    </a:lnB>
+                  </a:tcPr>
+                </a:tc>
+              </a:tr>
+              <a:tr h="392430">
+                <a:tc>
+                  <a:txBody>
+                    <a:bodyPr/>
+                    <a:p>
+                      <a:pPr algn="ctr">
+                        <a:buNone/>
+                      </a:pPr>
+                      <a:r>
+                        <a:rPr lang="zh-CN" altLang="en-US" sz="1350" b="1">
+                          <a:solidFill>
+                            <a:srgbClr val="2C3E50"/>
+                          </a:solidFill>
+                          <a:sym typeface="+mn-ea"/>
+                        </a:rPr>
+                        <a:t>probe</a:t>
+                      </a:r>
+                      <a:r>
+                        <a:rPr lang="en-US" altLang="zh-CN" sz="1350" b="1">
+                          <a:solidFill>
+                            <a:srgbClr val="2C3E50"/>
+                          </a:solidFill>
+                          <a:sym typeface="+mn-ea"/>
+                        </a:rPr>
+                        <a:t>[2]</a:t>
+                      </a:r>
+                      <a:endParaRPr lang="en-US" altLang="zh-CN" sz="1350" b="1">
+                        <a:solidFill>
+                          <a:srgbClr val="2C3E50"/>
+                        </a:solidFill>
+                        <a:sym typeface="+mn-ea"/>
+                      </a:endParaRPr>
+                    </a:p>
+                    <a:p>
+                      <a:pPr algn="ctr">
+                        <a:buNone/>
+                      </a:pPr>
+                      <a:endParaRPr lang="en-US" altLang="zh-CN" sz="1350" b="1">
+                        <a:solidFill>
+                          <a:srgbClr val="2C3E50"/>
+                        </a:solidFill>
+                        <a:sym typeface="+mn-ea"/>
+                      </a:endParaRPr>
+                    </a:p>
+                  </a:txBody>
+                  <a:tcPr anchor="ctr" anchorCtr="false">
+                    <a:lnL w="28575">
+                      <a:solidFill>
+                        <a:srgbClr val="2C3E50"/>
+                      </a:solidFill>
+                      <a:prstDash val="solid"/>
+                    </a:lnL>
+                    <a:lnR w="28575">
+                      <a:solidFill>
+                        <a:srgbClr val="2C3E50"/>
+                      </a:solidFill>
+                      <a:prstDash val="solid"/>
+                    </a:lnR>
+                    <a:lnT w="28575">
+                      <a:solidFill>
+                        <a:srgbClr val="2C3E50"/>
+                      </a:solidFill>
+                      <a:prstDash val="solid"/>
+                    </a:lnT>
+                    <a:lnB w="28575">
+                      <a:solidFill>
+                        <a:srgbClr val="2C3E50"/>
+                      </a:solidFill>
+                      <a:prstDash val="solid"/>
+                    </a:lnB>
+                  </a:tcPr>
+                </a:tc>
+              </a:tr>
+              <a:tr h="784860">
+                <a:tc>
+                  <a:txBody>
+                    <a:bodyPr/>
+                    <a:p>
+                      <a:pPr algn="ctr">
+                        <a:buNone/>
+                      </a:pPr>
+                      <a:r>
+                        <a:rPr lang="en-US" altLang="zh-CN" sz="1350" b="1">
+                          <a:solidFill>
+                            <a:srgbClr val="2C3E50"/>
+                          </a:solidFill>
+                          <a:sym typeface="+mn-ea"/>
+                        </a:rPr>
+                        <a:t>.</a:t>
+                      </a:r>
+                      <a:endParaRPr lang="en-US" altLang="zh-CN" sz="1350" b="1">
+                        <a:solidFill>
+                          <a:srgbClr val="2C3E50"/>
+                        </a:solidFill>
+                        <a:sym typeface="+mn-ea"/>
+                      </a:endParaRPr>
+                    </a:p>
+                    <a:p>
+                      <a:pPr algn="ctr">
+                        <a:buNone/>
+                      </a:pPr>
+                      <a:r>
+                        <a:rPr lang="en-US" altLang="zh-CN" sz="1350" b="1">
+                          <a:solidFill>
+                            <a:srgbClr val="2C3E50"/>
+                          </a:solidFill>
+                          <a:sym typeface="+mn-ea"/>
+                        </a:rPr>
+                        <a:t>.</a:t>
+                      </a:r>
+                      <a:endParaRPr lang="en-US" altLang="zh-CN" sz="1350" b="1">
+                        <a:solidFill>
+                          <a:srgbClr val="2C3E50"/>
+                        </a:solidFill>
+                        <a:sym typeface="+mn-ea"/>
+                      </a:endParaRPr>
+                    </a:p>
+                    <a:p>
+                      <a:pPr algn="ctr">
+                        <a:buNone/>
+                      </a:pPr>
+                      <a:r>
+                        <a:rPr lang="en-US" altLang="zh-CN" sz="1350" b="1">
+                          <a:solidFill>
+                            <a:srgbClr val="2C3E50"/>
+                          </a:solidFill>
+                          <a:sym typeface="+mn-ea"/>
+                        </a:rPr>
+                        <a:t>.</a:t>
+                      </a:r>
+                      <a:endParaRPr lang="en-US" altLang="zh-CN" sz="1350" b="1">
+                        <a:solidFill>
+                          <a:srgbClr val="2C3E50"/>
+                        </a:solidFill>
+                        <a:sym typeface="+mn-ea"/>
+                      </a:endParaRPr>
+                    </a:p>
+                  </a:txBody>
+                  <a:tcPr anchor="ctr" anchorCtr="false">
+                    <a:lnL w="28575">
+                      <a:solidFill>
+                        <a:srgbClr val="2C3E50"/>
+                      </a:solidFill>
+                      <a:prstDash val="solid"/>
+                    </a:lnL>
+                    <a:lnR w="28575">
+                      <a:solidFill>
+                        <a:srgbClr val="2C3E50"/>
+                      </a:solidFill>
+                      <a:prstDash val="solid"/>
+                    </a:lnR>
+                    <a:lnT w="28575">
+                      <a:solidFill>
+                        <a:srgbClr val="2C3E50"/>
+                      </a:solidFill>
+                      <a:prstDash val="solid"/>
+                    </a:lnT>
+                    <a:lnB w="28575">
+                      <a:solidFill>
+                        <a:srgbClr val="2C3E50"/>
+                      </a:solidFill>
+                      <a:prstDash val="solid"/>
+                    </a:lnB>
+                  </a:tcPr>
+                </a:tc>
+              </a:tr>
+              <a:tr h="392430">
+                <a:tc>
+                  <a:txBody>
+                    <a:bodyPr/>
+                    <a:p>
+                      <a:pPr algn="ctr">
+                        <a:buNone/>
+                      </a:pPr>
+                      <a:r>
+                        <a:rPr lang="zh-CN" altLang="en-US" sz="1350" b="1">
+                          <a:solidFill>
+                            <a:srgbClr val="2C3E50"/>
+                          </a:solidFill>
+                          <a:sym typeface="+mn-ea"/>
+                        </a:rPr>
+                        <a:t>probe</a:t>
+                      </a:r>
+                      <a:r>
+                        <a:rPr lang="en-US" altLang="zh-CN" sz="1350" b="1">
+                          <a:solidFill>
+                            <a:srgbClr val="2C3E50"/>
+                          </a:solidFill>
+                          <a:sym typeface="+mn-ea"/>
+                        </a:rPr>
+                        <a:t>[255]</a:t>
+                      </a:r>
+                      <a:endParaRPr lang="en-US" altLang="zh-CN" sz="1350" b="1">
+                        <a:solidFill>
+                          <a:srgbClr val="2C3E50"/>
+                        </a:solidFill>
+                        <a:sym typeface="+mn-ea"/>
+                      </a:endParaRPr>
+                    </a:p>
+                  </a:txBody>
+                  <a:tcPr anchor="ctr" anchorCtr="false">
+                    <a:lnL w="28575">
+                      <a:solidFill>
+                        <a:srgbClr val="2C3E50"/>
+                      </a:solidFill>
+                      <a:prstDash val="solid"/>
+                    </a:lnL>
+                    <a:lnR w="28575">
+                      <a:solidFill>
+                        <a:srgbClr val="2C3E50"/>
+                      </a:solidFill>
+                      <a:prstDash val="solid"/>
+                    </a:lnR>
+                    <a:lnT w="28575">
+                      <a:solidFill>
+                        <a:srgbClr val="2C3E50"/>
+                      </a:solidFill>
+                      <a:prstDash val="solid"/>
+                    </a:lnT>
+                    <a:lnB w="28575">
+                      <a:solidFill>
+                        <a:srgbClr val="2C3E50"/>
+                      </a:solidFill>
+                      <a:prstDash val="solid"/>
+                    </a:lnB>
+                  </a:tcPr>
+                </a:tc>
+              </a:tr>
+              <a:tr h="392430">
+                <a:tc>
+                  <a:txBody>
+                    <a:bodyPr/>
+                    <a:p>
+                      <a:pPr algn="ctr">
+                        <a:buNone/>
+                      </a:pPr>
+                      <a:r>
+                        <a:rPr lang="zh-CN" altLang="en-US" b="1">
+                          <a:solidFill>
+                            <a:srgbClr val="2C3E50"/>
+                          </a:solidFill>
+                        </a:rPr>
+                        <a:t>struct mutex *lock</a:t>
+                      </a:r>
+                      <a:endParaRPr lang="zh-CN" altLang="en-US" b="1">
+                        <a:solidFill>
+                          <a:srgbClr val="2C3E50"/>
+                        </a:solidFill>
+                      </a:endParaRPr>
+                    </a:p>
+                  </a:txBody>
+                  <a:tcPr anchor="ctr" anchorCtr="false">
+                    <a:lnL w="28575">
+                      <a:solidFill>
+                        <a:srgbClr val="2C3E50"/>
+                      </a:solidFill>
+                      <a:prstDash val="solid"/>
+                    </a:lnL>
+                    <a:lnR w="28575">
+                      <a:solidFill>
+                        <a:srgbClr val="2C3E50"/>
+                      </a:solidFill>
+                      <a:prstDash val="solid"/>
+                    </a:lnR>
+                    <a:lnT w="28575">
+                      <a:solidFill>
+                        <a:srgbClr val="2C3E50"/>
+                      </a:solidFill>
+                      <a:prstDash val="solid"/>
+                    </a:lnT>
+                    <a:lnB w="28575">
+                      <a:solidFill>
+                        <a:srgbClr val="2C3E50"/>
+                      </a:solidFill>
+                      <a:prstDash val="solid"/>
+                    </a:lnB>
+                  </a:tcPr>
+                </a:tc>
+              </a:tr>
+            </a:tbl>
+          </a:graphicData>
+        </a:graphic>
+      </p:graphicFrame>
+      <p:sp>
+        <p:nvSpPr>
+          <p:cNvPr id="4" name="文本框 3"/>
+          <p:cNvSpPr txBox="true"/>
+          <p:nvPr/>
+        </p:nvSpPr>
+        <p:spPr>
+          <a:xfrm>
+            <a:off x="3561715" y="1130935"/>
+            <a:ext cx="1816735" cy="368300"/>
+          </a:xfrm>
+          <a:prstGeom prst="rect">
+            <a:avLst/>
+          </a:prstGeom>
+          <a:noFill/>
+        </p:spPr>
+        <p:txBody>
+          <a:bodyPr wrap="square" rtlCol="0" anchor="t">
+            <a:spAutoFit/>
+          </a:bodyPr>
+          <a:p>
+            <a:r>
+              <a:rPr lang="zh-CN" altLang="en-US" b="1">
+                <a:solidFill>
+                  <a:srgbClr val="2C3E50"/>
+                </a:solidFill>
+              </a:rPr>
+              <a:t>struct probe</a:t>
+            </a:r>
+            <a:endParaRPr lang="zh-CN" altLang="en-US" b="1">
+              <a:solidFill>
+                <a:srgbClr val="2C3E50"/>
+              </a:solidFill>
+            </a:endParaRPr>
+          </a:p>
+        </p:txBody>
+      </p:sp>
+      <p:graphicFrame>
+        <p:nvGraphicFramePr>
+          <p:cNvPr id="5" name="表格 4"/>
+          <p:cNvGraphicFramePr/>
+          <p:nvPr/>
+        </p:nvGraphicFramePr>
+        <p:xfrm>
+          <a:off x="3561715" y="1614805"/>
+          <a:ext cx="2571115" cy="3028315"/>
+        </p:xfrm>
+        <a:graphic>
+          <a:graphicData uri="http://schemas.openxmlformats.org/drawingml/2006/table">
+            <a:tbl>
+              <a:tblPr firstRow="true" bandRow="true">
+                <a:tableStyleId>{5940675A-B579-460E-94D1-54222C63F5DA}</a:tableStyleId>
+              </a:tblPr>
+              <a:tblGrid>
+                <a:gridCol w="2571115"/>
+              </a:tblGrid>
+              <a:tr h="421005">
+                <a:tc>
+                  <a:txBody>
+                    <a:bodyPr/>
+                    <a:p>
+                      <a:pPr>
+                        <a:buNone/>
+                      </a:pPr>
+                      <a:r>
+                        <a:rPr lang="zh-CN" altLang="en-US" b="1">
+                          <a:solidFill>
+                            <a:srgbClr val="2C3E50"/>
+                          </a:solidFill>
+                        </a:rPr>
+                        <a:t>struct probe *next</a:t>
+                      </a:r>
+                      <a:endParaRPr lang="zh-CN" altLang="en-US" b="1">
+                        <a:solidFill>
+                          <a:srgbClr val="2C3E50"/>
+                        </a:solidFill>
+                      </a:endParaRPr>
+                    </a:p>
+                  </a:txBody>
+                  <a:tcPr anchor="ctr" anchorCtr="false">
+                    <a:lnL w="28575" cmpd="sng">
+                      <a:solidFill>
+                        <a:srgbClr val="2C3E50"/>
+                      </a:solidFill>
+                      <a:prstDash val="solid"/>
+                    </a:lnL>
+                    <a:lnR w="28575" cmpd="sng">
+                      <a:solidFill>
+                        <a:srgbClr val="2C3E50"/>
+                      </a:solidFill>
+                      <a:prstDash val="solid"/>
+                    </a:lnR>
+                    <a:lnT w="28575" cmpd="sng">
+                      <a:solidFill>
+                        <a:srgbClr val="2C3E50"/>
+                      </a:solidFill>
+                      <a:prstDash val="solid"/>
+                    </a:lnT>
+                    <a:lnB w="28575" cmpd="sng">
+                      <a:solidFill>
+                        <a:srgbClr val="2C3E50"/>
+                      </a:solidFill>
+                      <a:prstDash val="solid"/>
+                    </a:lnB>
+                  </a:tcPr>
+                </a:tc>
+              </a:tr>
+              <a:tr h="421005">
+                <a:tc>
+                  <a:txBody>
+                    <a:bodyPr/>
+                    <a:p>
+                      <a:pPr>
+                        <a:buNone/>
+                      </a:pPr>
+                      <a:r>
+                        <a:rPr lang="zh-CN" altLang="en-US" b="1">
+                          <a:solidFill>
+                            <a:srgbClr val="2C3E50"/>
+                          </a:solidFill>
+                        </a:rPr>
+                        <a:t>dev_t dev</a:t>
+                      </a:r>
+                      <a:endParaRPr lang="zh-CN" altLang="en-US" b="1">
+                        <a:solidFill>
+                          <a:srgbClr val="2C3E50"/>
+                        </a:solidFill>
+                      </a:endParaRPr>
+                    </a:p>
+                  </a:txBody>
+                  <a:tcPr anchor="ctr" anchorCtr="false">
+                    <a:lnL w="28575" cmpd="sng">
+                      <a:solidFill>
+                        <a:srgbClr val="2C3E50"/>
+                      </a:solidFill>
+                      <a:prstDash val="solid"/>
+                    </a:lnL>
+                    <a:lnR w="28575" cmpd="sng">
+                      <a:solidFill>
+                        <a:srgbClr val="2C3E50"/>
+                      </a:solidFill>
+                      <a:prstDash val="solid"/>
+                    </a:lnR>
+                    <a:lnT w="28575" cmpd="sng">
+                      <a:solidFill>
+                        <a:srgbClr val="2C3E50"/>
+                      </a:solidFill>
+                      <a:prstDash val="solid"/>
+                    </a:lnT>
+                    <a:lnB w="28575" cmpd="sng">
+                      <a:solidFill>
+                        <a:srgbClr val="2C3E50"/>
+                      </a:solidFill>
+                      <a:prstDash val="solid"/>
+                    </a:lnB>
+                  </a:tcPr>
+                </a:tc>
+              </a:tr>
+              <a:tr h="421005">
+                <a:tc>
+                  <a:txBody>
+                    <a:bodyPr/>
+                    <a:p>
+                      <a:pPr>
+                        <a:buNone/>
+                      </a:pPr>
+                      <a:r>
+                        <a:rPr lang="zh-CN" altLang="en-US" b="1">
+                          <a:solidFill>
+                            <a:srgbClr val="2C3E50"/>
+                          </a:solidFill>
+                        </a:rPr>
+                        <a:t>unsigned long range</a:t>
+                      </a:r>
+                      <a:endParaRPr lang="zh-CN" altLang="en-US" b="1">
+                        <a:solidFill>
+                          <a:srgbClr val="2C3E50"/>
+                        </a:solidFill>
+                      </a:endParaRPr>
+                    </a:p>
+                  </a:txBody>
+                  <a:tcPr anchor="ctr" anchorCtr="false">
+                    <a:lnL w="28575" cmpd="sng">
+                      <a:solidFill>
+                        <a:srgbClr val="2C3E50"/>
+                      </a:solidFill>
+                      <a:prstDash val="solid"/>
+                    </a:lnL>
+                    <a:lnR w="28575" cmpd="sng">
+                      <a:solidFill>
+                        <a:srgbClr val="2C3E50"/>
+                      </a:solidFill>
+                      <a:prstDash val="solid"/>
+                    </a:lnR>
+                    <a:lnT w="28575" cmpd="sng">
+                      <a:solidFill>
+                        <a:srgbClr val="2C3E50"/>
+                      </a:solidFill>
+                      <a:prstDash val="solid"/>
+                    </a:lnT>
+                    <a:lnB w="28575" cmpd="sng">
+                      <a:solidFill>
+                        <a:srgbClr val="2C3E50"/>
+                      </a:solidFill>
+                      <a:prstDash val="solid"/>
+                    </a:lnB>
+                  </a:tcPr>
+                </a:tc>
+              </a:tr>
+              <a:tr h="502285">
+                <a:tc>
+                  <a:txBody>
+                    <a:bodyPr/>
+                    <a:p>
+                      <a:pPr>
+                        <a:buNone/>
+                      </a:pPr>
+                      <a:r>
+                        <a:rPr lang="zh-CN" altLang="en-US" b="1">
+                          <a:solidFill>
+                            <a:srgbClr val="2C3E50"/>
+                          </a:solidFill>
+                        </a:rPr>
+                        <a:t>struct module *owner</a:t>
+                      </a:r>
+                      <a:endParaRPr lang="zh-CN" altLang="en-US" b="1">
+                        <a:solidFill>
+                          <a:srgbClr val="2C3E50"/>
+                        </a:solidFill>
+                      </a:endParaRPr>
+                    </a:p>
+                  </a:txBody>
+                  <a:tcPr anchor="ctr" anchorCtr="false">
+                    <a:lnL w="28575" cmpd="sng">
+                      <a:solidFill>
+                        <a:srgbClr val="2C3E50"/>
+                      </a:solidFill>
+                      <a:prstDash val="solid"/>
+                    </a:lnL>
+                    <a:lnR w="28575" cmpd="sng">
+                      <a:solidFill>
+                        <a:srgbClr val="2C3E50"/>
+                      </a:solidFill>
+                      <a:prstDash val="solid"/>
+                    </a:lnR>
+                    <a:lnT w="28575" cmpd="sng">
+                      <a:solidFill>
+                        <a:srgbClr val="2C3E50"/>
+                      </a:solidFill>
+                      <a:prstDash val="solid"/>
+                    </a:lnT>
+                    <a:lnB w="28575" cmpd="sng">
+                      <a:solidFill>
+                        <a:srgbClr val="2C3E50"/>
+                      </a:solidFill>
+                      <a:prstDash val="solid"/>
+                    </a:lnB>
+                  </a:tcPr>
+                </a:tc>
+              </a:tr>
+              <a:tr h="421005">
+                <a:tc>
+                  <a:txBody>
+                    <a:bodyPr/>
+                    <a:p>
+                      <a:pPr>
+                        <a:buNone/>
+                      </a:pPr>
+                      <a:r>
+                        <a:rPr lang="zh-CN" altLang="en-US" b="1">
+                          <a:solidFill>
+                            <a:srgbClr val="2C3E50"/>
+                          </a:solidFill>
+                        </a:rPr>
+                        <a:t>int (*lock)(dev_t, void *)</a:t>
+                      </a:r>
+                      <a:endParaRPr lang="zh-CN" altLang="en-US" b="1">
+                        <a:solidFill>
+                          <a:srgbClr val="2C3E50"/>
+                        </a:solidFill>
+                      </a:endParaRPr>
+                    </a:p>
+                  </a:txBody>
+                  <a:tcPr anchor="ctr" anchorCtr="false">
+                    <a:lnL w="28575" cmpd="sng">
+                      <a:solidFill>
+                        <a:srgbClr val="2C3E50"/>
+                      </a:solidFill>
+                      <a:prstDash val="solid"/>
+                    </a:lnL>
+                    <a:lnR w="28575" cmpd="sng">
+                      <a:solidFill>
+                        <a:srgbClr val="2C3E50"/>
+                      </a:solidFill>
+                      <a:prstDash val="solid"/>
+                    </a:lnR>
+                    <a:lnT w="28575" cmpd="sng">
+                      <a:solidFill>
+                        <a:srgbClr val="2C3E50"/>
+                      </a:solidFill>
+                      <a:prstDash val="solid"/>
+                    </a:lnT>
+                    <a:lnB w="28575" cmpd="sng">
+                      <a:solidFill>
+                        <a:srgbClr val="2C3E50"/>
+                      </a:solidFill>
+                      <a:prstDash val="solid"/>
+                    </a:lnB>
+                  </a:tcPr>
+                </a:tc>
+              </a:tr>
+              <a:tr h="421005">
+                <a:tc>
+                  <a:txBody>
+                    <a:bodyPr/>
+                    <a:p>
+                      <a:pPr>
+                        <a:buNone/>
+                      </a:pPr>
+                      <a:r>
+                        <a:rPr lang="zh-CN" altLang="en-US" b="1">
+                          <a:solidFill>
+                            <a:srgbClr val="2C3E50"/>
+                          </a:solidFill>
+                        </a:rPr>
+                        <a:t>void *data</a:t>
+                      </a:r>
+                      <a:endParaRPr lang="zh-CN" altLang="en-US" b="1">
+                        <a:solidFill>
+                          <a:srgbClr val="2C3E50"/>
+                        </a:solidFill>
+                      </a:endParaRPr>
+                    </a:p>
+                  </a:txBody>
+                  <a:tcPr anchor="ctr" anchorCtr="false">
+                    <a:lnL w="28575" cmpd="sng">
+                      <a:solidFill>
+                        <a:srgbClr val="2C3E50"/>
+                      </a:solidFill>
+                      <a:prstDash val="solid"/>
+                    </a:lnL>
+                    <a:lnR w="28575" cmpd="sng">
+                      <a:solidFill>
+                        <a:srgbClr val="2C3E50"/>
+                      </a:solidFill>
+                      <a:prstDash val="solid"/>
+                    </a:lnR>
+                    <a:lnT w="28575" cmpd="sng">
+                      <a:solidFill>
+                        <a:srgbClr val="2C3E50"/>
+                      </a:solidFill>
+                      <a:prstDash val="solid"/>
+                    </a:lnT>
+                    <a:lnB w="28575" cmpd="sng">
+                      <a:solidFill>
+                        <a:srgbClr val="2C3E50"/>
+                      </a:solidFill>
+                      <a:prstDash val="solid"/>
+                    </a:lnB>
+                  </a:tcPr>
+                </a:tc>
+              </a:tr>
+            </a:tbl>
+          </a:graphicData>
+        </a:graphic>
+      </p:graphicFrame>
+      <p:graphicFrame>
+        <p:nvGraphicFramePr>
+          <p:cNvPr id="6" name="表格 5"/>
+          <p:cNvGraphicFramePr/>
+          <p:nvPr/>
+        </p:nvGraphicFramePr>
+        <p:xfrm>
+          <a:off x="1424940" y="5873115"/>
+          <a:ext cx="3782695" cy="3006725"/>
+        </p:xfrm>
+        <a:graphic>
+          <a:graphicData uri="http://schemas.openxmlformats.org/drawingml/2006/table">
+            <a:tbl>
+              <a:tblPr firstRow="true" bandRow="true">
+                <a:tableStyleId>{5940675A-B579-460E-94D1-54222C63F5DA}</a:tableStyleId>
+              </a:tblPr>
+              <a:tblGrid>
+                <a:gridCol w="3782695"/>
+              </a:tblGrid>
+              <a:tr h="494665">
+                <a:tc>
+                  <a:txBody>
+                    <a:bodyPr/>
+                    <a:p>
+                      <a:pPr>
+                        <a:buNone/>
+                      </a:pPr>
+                      <a:r>
+                        <a:rPr lang="zh-CN" altLang="en-US" b="1">
+                          <a:solidFill>
+                            <a:srgbClr val="2C3E50"/>
+                          </a:solidFill>
+                        </a:rPr>
+                        <a:t>struct kobject kobj</a:t>
+                      </a:r>
+                      <a:endParaRPr lang="zh-CN" altLang="en-US" b="1">
+                        <a:solidFill>
+                          <a:srgbClr val="2C3E50"/>
+                        </a:solidFill>
+                      </a:endParaRPr>
+                    </a:p>
+                  </a:txBody>
+                  <a:tcPr anchor="ctr" anchorCtr="false">
+                    <a:lnL w="28575" cmpd="sng">
+                      <a:solidFill>
+                        <a:srgbClr val="2C3E50"/>
+                      </a:solidFill>
+                      <a:prstDash val="solid"/>
+                    </a:lnL>
+                    <a:lnR w="28575" cmpd="sng">
+                      <a:solidFill>
+                        <a:srgbClr val="2C3E50"/>
+                      </a:solidFill>
+                      <a:prstDash val="solid"/>
+                    </a:lnR>
+                    <a:lnT w="28575" cmpd="sng">
+                      <a:solidFill>
+                        <a:srgbClr val="2C3E50"/>
+                      </a:solidFill>
+                      <a:prstDash val="solid"/>
+                    </a:lnT>
+                    <a:lnB w="28575" cmpd="sng">
+                      <a:solidFill>
+                        <a:srgbClr val="2C3E50"/>
+                      </a:solidFill>
+                      <a:prstDash val="solid"/>
+                    </a:lnB>
+                  </a:tcPr>
+                </a:tc>
+              </a:tr>
+              <a:tr h="494030">
+                <a:tc>
+                  <a:txBody>
+                    <a:bodyPr/>
+                    <a:p>
+                      <a:pPr>
+                        <a:buNone/>
+                      </a:pPr>
+                      <a:r>
+                        <a:rPr lang="zh-CN" altLang="en-US" b="1">
+                          <a:solidFill>
+                            <a:srgbClr val="2C3E50"/>
+                          </a:solidFill>
+                        </a:rPr>
+                        <a:t>struct module *owner</a:t>
+                      </a:r>
+                      <a:endParaRPr lang="zh-CN" altLang="en-US" b="1">
+                        <a:solidFill>
+                          <a:srgbClr val="2C3E50"/>
+                        </a:solidFill>
+                      </a:endParaRPr>
+                    </a:p>
+                  </a:txBody>
+                  <a:tcPr anchor="ctr" anchorCtr="false">
+                    <a:lnL w="28575" cmpd="sng">
+                      <a:solidFill>
+                        <a:srgbClr val="2C3E50"/>
+                      </a:solidFill>
+                      <a:prstDash val="solid"/>
+                    </a:lnL>
+                    <a:lnR w="28575" cmpd="sng">
+                      <a:solidFill>
+                        <a:srgbClr val="2C3E50"/>
+                      </a:solidFill>
+                      <a:prstDash val="solid"/>
+                    </a:lnR>
+                    <a:lnT w="28575" cmpd="sng">
+                      <a:solidFill>
+                        <a:srgbClr val="2C3E50"/>
+                      </a:solidFill>
+                      <a:prstDash val="solid"/>
+                    </a:lnT>
+                    <a:lnB w="28575" cmpd="sng">
+                      <a:solidFill>
+                        <a:srgbClr val="2C3E50"/>
+                      </a:solidFill>
+                      <a:prstDash val="solid"/>
+                    </a:lnB>
+                  </a:tcPr>
+                </a:tc>
+              </a:tr>
+              <a:tr h="534670">
+                <a:tc>
+                  <a:txBody>
+                    <a:bodyPr/>
+                    <a:p>
+                      <a:pPr>
+                        <a:buNone/>
+                      </a:pPr>
+                      <a:r>
+                        <a:rPr lang="zh-CN" altLang="en-US" b="1">
+                          <a:solidFill>
+                            <a:srgbClr val="2C3E50"/>
+                          </a:solidFill>
+                        </a:rPr>
+                        <a:t>const struct file_operations *ops</a:t>
+                      </a:r>
+                      <a:endParaRPr lang="zh-CN" altLang="en-US" b="1">
+                        <a:solidFill>
+                          <a:srgbClr val="2C3E50"/>
+                        </a:solidFill>
+                      </a:endParaRPr>
+                    </a:p>
+                  </a:txBody>
+                  <a:tcPr anchor="ctr" anchorCtr="false">
+                    <a:lnL w="28575" cmpd="sng">
+                      <a:solidFill>
+                        <a:srgbClr val="2C3E50"/>
+                      </a:solidFill>
+                      <a:prstDash val="solid"/>
+                    </a:lnL>
+                    <a:lnR w="28575" cmpd="sng">
+                      <a:solidFill>
+                        <a:srgbClr val="2C3E50"/>
+                      </a:solidFill>
+                      <a:prstDash val="solid"/>
+                    </a:lnR>
+                    <a:lnT w="28575" cmpd="sng">
+                      <a:solidFill>
+                        <a:srgbClr val="2C3E50"/>
+                      </a:solidFill>
+                      <a:prstDash val="solid"/>
+                    </a:lnT>
+                    <a:lnB w="28575" cmpd="sng">
+                      <a:solidFill>
+                        <a:srgbClr val="2C3E50"/>
+                      </a:solidFill>
+                      <a:prstDash val="solid"/>
+                    </a:lnB>
+                  </a:tcPr>
+                </a:tc>
+              </a:tr>
+              <a:tr h="494665">
+                <a:tc>
+                  <a:txBody>
+                    <a:bodyPr/>
+                    <a:p>
+                      <a:pPr>
+                        <a:buNone/>
+                      </a:pPr>
+                      <a:r>
+                        <a:rPr lang="zh-CN" altLang="en-US" b="1">
+                          <a:solidFill>
+                            <a:srgbClr val="2C3E50"/>
+                          </a:solidFill>
+                        </a:rPr>
+                        <a:t>struct list_head list</a:t>
+                      </a:r>
+                      <a:endParaRPr lang="zh-CN" altLang="en-US" b="1">
+                        <a:solidFill>
+                          <a:srgbClr val="2C3E50"/>
+                        </a:solidFill>
+                      </a:endParaRPr>
+                    </a:p>
+                  </a:txBody>
+                  <a:tcPr anchor="ctr" anchorCtr="false">
+                    <a:lnL w="28575" cmpd="sng">
+                      <a:solidFill>
+                        <a:srgbClr val="2C3E50"/>
+                      </a:solidFill>
+                      <a:prstDash val="solid"/>
+                    </a:lnL>
+                    <a:lnR w="28575" cmpd="sng">
+                      <a:solidFill>
+                        <a:srgbClr val="2C3E50"/>
+                      </a:solidFill>
+                      <a:prstDash val="solid"/>
+                    </a:lnR>
+                    <a:lnT w="28575" cmpd="sng">
+                      <a:solidFill>
+                        <a:srgbClr val="2C3E50"/>
+                      </a:solidFill>
+                      <a:prstDash val="solid"/>
+                    </a:lnT>
+                    <a:lnB w="28575" cmpd="sng">
+                      <a:solidFill>
+                        <a:srgbClr val="2C3E50"/>
+                      </a:solidFill>
+                      <a:prstDash val="solid"/>
+                    </a:lnB>
+                  </a:tcPr>
+                </a:tc>
+              </a:tr>
+              <a:tr h="494030">
+                <a:tc>
+                  <a:txBody>
+                    <a:bodyPr/>
+                    <a:p>
+                      <a:pPr>
+                        <a:buNone/>
+                      </a:pPr>
+                      <a:r>
+                        <a:rPr lang="zh-CN" altLang="en-US" b="1">
+                          <a:solidFill>
+                            <a:srgbClr val="2C3E50"/>
+                          </a:solidFill>
+                        </a:rPr>
+                        <a:t>dev_t dev</a:t>
+                      </a:r>
+                      <a:endParaRPr lang="zh-CN" altLang="en-US" b="1">
+                        <a:solidFill>
+                          <a:srgbClr val="2C3E50"/>
+                        </a:solidFill>
+                      </a:endParaRPr>
+                    </a:p>
+                  </a:txBody>
+                  <a:tcPr anchor="ctr" anchorCtr="false">
+                    <a:lnL w="28575" cmpd="sng">
+                      <a:solidFill>
+                        <a:srgbClr val="2C3E50"/>
+                      </a:solidFill>
+                      <a:prstDash val="solid"/>
+                    </a:lnL>
+                    <a:lnR w="28575" cmpd="sng">
+                      <a:solidFill>
+                        <a:srgbClr val="2C3E50"/>
+                      </a:solidFill>
+                      <a:prstDash val="solid"/>
+                    </a:lnR>
+                    <a:lnT w="28575" cmpd="sng">
+                      <a:solidFill>
+                        <a:srgbClr val="2C3E50"/>
+                      </a:solidFill>
+                      <a:prstDash val="solid"/>
+                    </a:lnT>
+                    <a:lnB w="28575" cmpd="sng">
+                      <a:solidFill>
+                        <a:srgbClr val="2C3E50"/>
+                      </a:solidFill>
+                      <a:prstDash val="solid"/>
+                    </a:lnB>
+                  </a:tcPr>
+                </a:tc>
+              </a:tr>
+              <a:tr h="494665">
+                <a:tc>
+                  <a:txBody>
+                    <a:bodyPr/>
+                    <a:p>
+                      <a:pPr>
+                        <a:buNone/>
+                      </a:pPr>
+                      <a:r>
+                        <a:rPr lang="zh-CN" altLang="en-US" b="1">
+                          <a:solidFill>
+                            <a:srgbClr val="2C3E50"/>
+                          </a:solidFill>
+                        </a:rPr>
+                        <a:t>unsigned int count</a:t>
+                      </a:r>
+                      <a:endParaRPr lang="zh-CN" altLang="en-US" b="1">
+                        <a:solidFill>
+                          <a:srgbClr val="2C3E50"/>
+                        </a:solidFill>
+                      </a:endParaRPr>
+                    </a:p>
+                  </a:txBody>
+                  <a:tcPr anchor="ctr" anchorCtr="false">
+                    <a:lnL w="28575" cmpd="sng">
+                      <a:solidFill>
+                        <a:srgbClr val="2C3E50"/>
+                      </a:solidFill>
+                      <a:prstDash val="solid"/>
+                    </a:lnL>
+                    <a:lnR w="28575" cmpd="sng">
+                      <a:solidFill>
+                        <a:srgbClr val="2C3E50"/>
+                      </a:solidFill>
+                      <a:prstDash val="solid"/>
+                    </a:lnR>
+                    <a:lnT w="28575" cmpd="sng">
+                      <a:solidFill>
+                        <a:srgbClr val="2C3E50"/>
+                      </a:solidFill>
+                      <a:prstDash val="solid"/>
+                    </a:lnT>
+                    <a:lnB w="28575" cmpd="sng">
+                      <a:solidFill>
+                        <a:srgbClr val="2C3E50"/>
+                      </a:solidFill>
+                      <a:prstDash val="solid"/>
+                    </a:lnB>
+                  </a:tcPr>
+                </a:tc>
+              </a:tr>
+            </a:tbl>
+          </a:graphicData>
+        </a:graphic>
+      </p:graphicFrame>
+      <p:sp>
+        <p:nvSpPr>
+          <p:cNvPr id="7" name="文本框 6"/>
+          <p:cNvSpPr txBox="true"/>
+          <p:nvPr/>
+        </p:nvSpPr>
+        <p:spPr>
+          <a:xfrm>
+            <a:off x="1424940" y="5407025"/>
+            <a:ext cx="3454400" cy="368300"/>
+          </a:xfrm>
+          <a:prstGeom prst="rect">
+            <a:avLst/>
+          </a:prstGeom>
+          <a:noFill/>
+        </p:spPr>
+        <p:txBody>
+          <a:bodyPr wrap="square" rtlCol="0" anchor="t">
+            <a:spAutoFit/>
+          </a:bodyPr>
+          <a:p>
+            <a:r>
+              <a:rPr lang="zh-CN" altLang="en-US" b="1">
+                <a:solidFill>
+                  <a:srgbClr val="2C3E50"/>
+                </a:solidFill>
+              </a:rPr>
+              <a:t>struct cdev</a:t>
+            </a:r>
+            <a:endParaRPr lang="zh-CN" altLang="en-US" b="1">
+              <a:solidFill>
+                <a:srgbClr val="2C3E50"/>
+              </a:solidFill>
+            </a:endParaRPr>
+          </a:p>
+        </p:txBody>
+      </p:sp>
+      <p:cxnSp>
+        <p:nvCxnSpPr>
+          <p:cNvPr id="8" name="肘形连接符 7"/>
+          <p:cNvCxnSpPr>
+            <a:stCxn id="3" idx="3"/>
+            <a:endCxn id="4" idx="1"/>
+          </p:cNvCxnSpPr>
+          <p:nvPr/>
+        </p:nvCxnSpPr>
+        <p:spPr>
+          <a:xfrm flipV="true">
+            <a:off x="2404110" y="1315085"/>
+            <a:ext cx="1157605" cy="1423035"/>
+          </a:xfrm>
+          <a:prstGeom prst="bentConnector3">
+            <a:avLst>
+              <a:gd name="adj1" fmla="val 50027"/>
+            </a:avLst>
+          </a:prstGeom>
+          <a:ln w="38100">
+            <a:solidFill>
+              <a:srgbClr val="3EAF7C"/>
+            </a:solidFill>
+            <a:tailEnd type="arrow"/>
+          </a:ln>
+        </p:spPr>
+        <p:style>
+          <a:lnRef idx="1">
+            <a:schemeClr val="accent1"/>
+          </a:lnRef>
+          <a:fillRef idx="0">
+            <a:schemeClr val="accent1"/>
+          </a:fillRef>
+          <a:effectRef idx="0">
+            <a:schemeClr val="accent1"/>
+          </a:effectRef>
+          <a:fontRef idx="minor">
+            <a:schemeClr val="tx1"/>
+          </a:fontRef>
+        </p:style>
+      </p:cxnSp>
+      <p:cxnSp>
+        <p:nvCxnSpPr>
+          <p:cNvPr id="10" name="肘形连接符 9"/>
+          <p:cNvCxnSpPr>
+            <a:stCxn id="5" idx="2"/>
+            <a:endCxn id="7" idx="0"/>
+          </p:cNvCxnSpPr>
+          <p:nvPr/>
+        </p:nvCxnSpPr>
+        <p:spPr>
+          <a:xfrm rot="5400000">
+            <a:off x="3407410" y="3966845"/>
+            <a:ext cx="1184910" cy="1695450"/>
+          </a:xfrm>
+          <a:prstGeom prst="bentConnector3">
+            <a:avLst>
+              <a:gd name="adj1" fmla="val 50000"/>
+            </a:avLst>
+          </a:prstGeom>
+          <a:ln w="38100">
+            <a:solidFill>
+              <a:srgbClr val="3EAF7C"/>
+            </a:solidFill>
+            <a:tailEnd type="arrow"/>
+          </a:ln>
+        </p:spPr>
+        <p:style>
+          <a:lnRef idx="1">
+            <a:schemeClr val="accent1"/>
+          </a:lnRef>
+          <a:fillRef idx="0">
+            <a:schemeClr val="accent1"/>
+          </a:fillRef>
+          <a:effectRef idx="0">
+            <a:schemeClr val="accent1"/>
+          </a:effectRef>
+          <a:fontRef idx="minor">
+            <a:schemeClr val="tx1"/>
+          </a:fontRef>
+        </p:style>
+      </p:cxnSp>
     </p:spTree>
   </p:cSld>
   <p:clrMapOvr>
@@ -13718,7 +15078,7 @@
         <a:solidFill>
           <a:schemeClr val="phClr"/>
         </a:solidFill>
-        <a:gradFill rotWithShape="1">
+        <a:gradFill rotWithShape="true">
           <a:gsLst>
             <a:gs pos="0">
               <a:schemeClr val="phClr">
@@ -13742,9 +15102,9 @@
               </a:schemeClr>
             </a:gs>
           </a:gsLst>
-          <a:lin ang="5400000" scaled="0"/>
+          <a:lin ang="5400000" scaled="false"/>
         </a:gradFill>
-        <a:gradFill rotWithShape="1">
+        <a:gradFill rotWithShape="true">
           <a:gsLst>
             <a:gs pos="0">
               <a:schemeClr val="phClr">
@@ -13768,7 +15128,7 @@
               </a:schemeClr>
             </a:gs>
           </a:gsLst>
-          <a:lin ang="5400000" scaled="0"/>
+          <a:lin ang="5400000" scaled="false"/>
         </a:gradFill>
       </a:fillStyleLst>
       <a:lnStyleLst>
@@ -13821,7 +15181,7 @@
             <a:satMod val="170000"/>
           </a:schemeClr>
         </a:solidFill>
-        <a:gradFill rotWithShape="1">
+        <a:gradFill rotWithShape="true">
           <a:gsLst>
             <a:gs pos="0">
               <a:schemeClr val="phClr">
@@ -13846,7 +15206,7 @@
               </a:schemeClr>
             </a:gs>
           </a:gsLst>
-          <a:lin ang="5400000" scaled="0"/>
+          <a:lin ang="5400000" scaled="false"/>
         </a:gradFill>
       </a:bgFillStyleLst>
     </a:fmtScheme>
@@ -13977,7 +15337,7 @@
         <a:solidFill>
           <a:schemeClr val="phClr"/>
         </a:solidFill>
-        <a:gradFill rotWithShape="1">
+        <a:gradFill rotWithShape="true">
           <a:gsLst>
             <a:gs pos="0">
               <a:schemeClr val="phClr">
@@ -14001,9 +15361,9 @@
               </a:schemeClr>
             </a:gs>
           </a:gsLst>
-          <a:lin ang="5400000" scaled="0"/>
+          <a:lin ang="5400000" scaled="false"/>
         </a:gradFill>
-        <a:gradFill rotWithShape="1">
+        <a:gradFill rotWithShape="true">
           <a:gsLst>
             <a:gs pos="0">
               <a:schemeClr val="phClr">
@@ -14027,7 +15387,7 @@
               </a:schemeClr>
             </a:gs>
           </a:gsLst>
-          <a:lin ang="5400000" scaled="0"/>
+          <a:lin ang="5400000" scaled="false"/>
         </a:gradFill>
       </a:fillStyleLst>
       <a:lnStyleLst>
@@ -14080,7 +15440,7 @@
             <a:satMod val="170000"/>
           </a:schemeClr>
         </a:solidFill>
-        <a:gradFill rotWithShape="1">
+        <a:gradFill rotWithShape="true">
           <a:gsLst>
             <a:gs pos="0">
               <a:schemeClr val="phClr">
@@ -14105,7 +15465,7 @@
               </a:schemeClr>
             </a:gs>
           </a:gsLst>
-          <a:lin ang="5400000" scaled="0"/>
+          <a:lin ang="5400000" scaled="false"/>
         </a:gradFill>
       </a:bgFillStyleLst>
     </a:fmtScheme>
@@ -14236,7 +15596,7 @@
         <a:solidFill>
           <a:schemeClr val="phClr"/>
         </a:solidFill>
-        <a:gradFill rotWithShape="1">
+        <a:gradFill rotWithShape="true">
           <a:gsLst>
             <a:gs pos="0">
               <a:schemeClr val="phClr">
@@ -14260,9 +15620,9 @@
               </a:schemeClr>
             </a:gs>
           </a:gsLst>
-          <a:lin ang="5400000" scaled="0"/>
+          <a:lin ang="5400000" scaled="false"/>
         </a:gradFill>
-        <a:gradFill rotWithShape="1">
+        <a:gradFill rotWithShape="true">
           <a:gsLst>
             <a:gs pos="0">
               <a:schemeClr val="phClr">
@@ -14286,7 +15646,7 @@
               </a:schemeClr>
             </a:gs>
           </a:gsLst>
-          <a:lin ang="5400000" scaled="0"/>
+          <a:lin ang="5400000" scaled="false"/>
         </a:gradFill>
       </a:fillStyleLst>
       <a:lnStyleLst>
@@ -14339,7 +15699,7 @@
             <a:satMod val="170000"/>
           </a:schemeClr>
         </a:solidFill>
-        <a:gradFill rotWithShape="1">
+        <a:gradFill rotWithShape="true">
           <a:gsLst>
             <a:gs pos="0">
               <a:schemeClr val="phClr">
@@ -14364,7 +15724,7 @@
               </a:schemeClr>
             </a:gs>
           </a:gsLst>
-          <a:lin ang="5400000" scaled="0"/>
+          <a:lin ang="5400000" scaled="false"/>
         </a:gradFill>
       </a:bgFillStyleLst>
     </a:fmtScheme>
